--- a/TC/055 - Hỡi Môn Đồ Trung Tín.pptx
+++ b/TC/055 - Hỡi Môn Đồ Trung Tín.pptx
@@ -175,7 +175,7 @@
           </a:lstStyle>
           <a:p>
             <a:r>
-              <a:rPr lang="en-US" smtClean="0"/>
+              <a:rPr lang="en-US"/>
               <a:t>Click to edit Master title style</a:t>
             </a:r>
             <a:endParaRPr lang="en-US" dirty="0"/>
@@ -240,7 +240,7 @@
           </a:lstStyle>
           <a:p>
             <a:r>
-              <a:rPr lang="en-US" smtClean="0"/>
+              <a:rPr lang="en-US"/>
               <a:t>Click to edit Master subtitle style</a:t>
             </a:r>
             <a:endParaRPr lang="en-US" dirty="0"/>
@@ -271,7 +271,7 @@
                 </a:solidFill>
               </a:rPr>
               <a:pPr/>
-              <a:t>19/11/2013</a:t>
+              <a:t>12/8/19</a:t>
             </a:fld>
             <a:endParaRPr lang="en-US">
               <a:solidFill>
@@ -399,7 +399,7 @@
           </a:lstStyle>
           <a:p>
             <a:r>
-              <a:rPr lang="en-US" smtClean="0"/>
+              <a:rPr lang="en-US"/>
               <a:t>Click to edit Master title style</a:t>
             </a:r>
             <a:endParaRPr lang="en-US" dirty="0"/>
@@ -464,7 +464,7 @@
           </a:lstStyle>
           <a:p>
             <a:r>
-              <a:rPr lang="en-US" smtClean="0"/>
+              <a:rPr lang="en-US"/>
               <a:t>Click to edit Master subtitle style</a:t>
             </a:r>
             <a:endParaRPr lang="en-US" dirty="0"/>
@@ -495,7 +495,7 @@
                 </a:solidFill>
               </a:rPr>
               <a:pPr/>
-              <a:t>19/11/2013</a:t>
+              <a:t>12/8/19</a:t>
             </a:fld>
             <a:endParaRPr lang="en-US">
               <a:solidFill>
@@ -638,7 +638,7 @@
           <a:lstStyle/>
           <a:p>
             <a:r>
-              <a:rPr lang="en-US" smtClean="0"/>
+              <a:rPr lang="en-US"/>
               <a:t>Click to edit Master title style</a:t>
             </a:r>
             <a:endParaRPr lang="en-US" dirty="0"/>
@@ -672,35 +672,35 @@
           <a:p>
             <a:pPr lvl="0"/>
             <a:r>
-              <a:rPr lang="en-US" smtClean="0"/>
+              <a:rPr lang="en-US"/>
               <a:t>Click to edit Master text styles</a:t>
             </a:r>
           </a:p>
           <a:p>
             <a:pPr lvl="1"/>
             <a:r>
-              <a:rPr lang="en-US" smtClean="0"/>
+              <a:rPr lang="en-US"/>
               <a:t>Second level</a:t>
             </a:r>
           </a:p>
           <a:p>
             <a:pPr lvl="2"/>
             <a:r>
-              <a:rPr lang="en-US" smtClean="0"/>
+              <a:rPr lang="en-US"/>
               <a:t>Third level</a:t>
             </a:r>
           </a:p>
           <a:p>
             <a:pPr lvl="3"/>
             <a:r>
-              <a:rPr lang="en-US" smtClean="0"/>
+              <a:rPr lang="en-US"/>
               <a:t>Fourth level</a:t>
             </a:r>
           </a:p>
           <a:p>
             <a:pPr lvl="4"/>
             <a:r>
-              <a:rPr lang="en-US" smtClean="0"/>
+              <a:rPr lang="en-US"/>
               <a:t>Fifth level</a:t>
             </a:r>
             <a:endParaRPr lang="en-US" dirty="0"/>
@@ -749,7 +749,7 @@
                 </a:solidFill>
               </a:rPr>
               <a:pPr/>
-              <a:t>19/11/2013</a:t>
+              <a:t>12/8/19</a:t>
             </a:fld>
             <a:endParaRPr lang="en-US">
               <a:solidFill>
@@ -1209,7 +1209,7 @@
           <a:lstStyle/>
           <a:p>
             <a:r>
-              <a:rPr lang="en-US" smtClean="0"/>
+              <a:rPr lang="en-US"/>
               <a:t>Click to edit Master title style</a:t>
             </a:r>
             <a:endParaRPr lang="en-US" dirty="0"/>
@@ -1243,35 +1243,35 @@
           <a:p>
             <a:pPr lvl="0"/>
             <a:r>
-              <a:rPr lang="en-US" smtClean="0"/>
+              <a:rPr lang="en-US"/>
               <a:t>Click to edit Master text styles</a:t>
             </a:r>
           </a:p>
           <a:p>
             <a:pPr lvl="1"/>
             <a:r>
-              <a:rPr lang="en-US" smtClean="0"/>
+              <a:rPr lang="en-US"/>
               <a:t>Second level</a:t>
             </a:r>
           </a:p>
           <a:p>
             <a:pPr lvl="2"/>
             <a:r>
-              <a:rPr lang="en-US" smtClean="0"/>
+              <a:rPr lang="en-US"/>
               <a:t>Third level</a:t>
             </a:r>
           </a:p>
           <a:p>
             <a:pPr lvl="3"/>
             <a:r>
-              <a:rPr lang="en-US" smtClean="0"/>
+              <a:rPr lang="en-US"/>
               <a:t>Fourth level</a:t>
             </a:r>
           </a:p>
           <a:p>
             <a:pPr lvl="4"/>
             <a:r>
-              <a:rPr lang="en-US" smtClean="0"/>
+              <a:rPr lang="en-US"/>
               <a:t>Fifth level</a:t>
             </a:r>
             <a:endParaRPr lang="en-US" dirty="0"/>
@@ -1320,7 +1320,7 @@
                 </a:solidFill>
               </a:rPr>
               <a:pPr/>
-              <a:t>19/11/2013</a:t>
+              <a:t>12/8/19</a:t>
             </a:fld>
             <a:endParaRPr lang="en-US">
               <a:solidFill>
@@ -1764,7 +1764,7 @@
           <a:p>
             <a:pPr algn="ctr"/>
             <a:r>
-              <a:rPr lang="en-US" sz="3500" b="1">
+              <a:rPr lang="en-US" sz="3500" b="1" dirty="0">
                 <a:solidFill>
                   <a:prstClr val="black"/>
                 </a:solidFill>
@@ -1773,7 +1773,7 @@
                     <a:prstClr val="white"/>
                   </a:glow>
                 </a:effectLst>
-                <a:latin typeface="VNI-Bamas" pitchFamily="34" charset="0"/>
+                <a:latin typeface="VNI-Times" pitchFamily="2" charset="0"/>
               </a:rPr>
               <a:t>TOÂN VINH CHUÙA  - THAÙNH CA 55</a:t>
             </a:r>
@@ -1804,7 +1804,7 @@
           <a:p>
             <a:pPr algn="ctr"/>
             <a:r>
-              <a:rPr lang="en-US" sz="6600" smtClean="0">
+              <a:rPr lang="en-US" sz="6600" b="1" dirty="0">
                 <a:solidFill>
                   <a:srgbClr val="C00000"/>
                 </a:solidFill>
@@ -1813,11 +1813,11 @@
                     <a:prstClr val="white"/>
                   </a:glow>
                 </a:effectLst>
-                <a:latin typeface="HP-Kabel" pitchFamily="34" charset="0"/>
+                <a:latin typeface="VNI-Times" pitchFamily="2" charset="0"/>
               </a:rPr>
               <a:t>HÔÕI MOÂN ÑOÀ TRUNG TÍN</a:t>
             </a:r>
-            <a:endParaRPr lang="en-US" sz="8800">
+            <a:endParaRPr lang="en-US" sz="8800" b="1" dirty="0">
               <a:solidFill>
                 <a:srgbClr val="C00000"/>
               </a:solidFill>
@@ -1826,7 +1826,7 @@
                   <a:prstClr val="white"/>
                 </a:glow>
               </a:effectLst>
-              <a:latin typeface="HP-Kabel" pitchFamily="34" charset="0"/>
+              <a:latin typeface="VNI-Times" pitchFamily="2" charset="0"/>
             </a:endParaRPr>
           </a:p>
         </p:txBody>
@@ -1853,13 +1853,6 @@
       </p:transition>
     </mc:Fallback>
   </mc:AlternateContent>
-  <p:timing>
-    <p:tnLst>
-      <p:par>
-        <p:cTn id="1" dur="indefinite" restart="never" nodeType="tmRoot"/>
-      </p:par>
-    </p:tnLst>
-  </p:timing>
 </p:sld>
 </file>
 
@@ -1918,7 +1911,7 @@
           <a:p>
             <a:pPr algn="ctr"/>
             <a:r>
-              <a:rPr lang="en-US" sz="3200" smtClean="0">
+              <a:rPr lang="en-US" sz="3200" b="1" dirty="0">
                 <a:solidFill>
                   <a:srgbClr val="C00000"/>
                 </a:solidFill>
@@ -1927,21 +1920,10 @@
                     <a:prstClr val="white"/>
                   </a:glow>
                 </a:effectLst>
-                <a:latin typeface="HP-Kabel" pitchFamily="34" charset="0"/>
+                <a:latin typeface="VNI-Times" pitchFamily="2" charset="0"/>
               </a:rPr>
               <a:t>THAÙNH CA 55 – HÔÕI MOÂN ÑOÀ TRUNG TÍN</a:t>
             </a:r>
-            <a:endParaRPr lang="en-US" sz="3200">
-              <a:solidFill>
-                <a:srgbClr val="C00000"/>
-              </a:solidFill>
-              <a:effectLst>
-                <a:glow rad="127000">
-                  <a:prstClr val="white"/>
-                </a:glow>
-              </a:effectLst>
-              <a:latin typeface="HP-Kabel" pitchFamily="34" charset="0"/>
-            </a:endParaRPr>
           </a:p>
         </p:txBody>
       </p:sp>
@@ -1969,113 +1951,435 @@
           <a:p>
             <a:pPr algn="ctr"/>
             <a:r>
-              <a:rPr lang="en-US" sz="4400" b="1" i="1" u="sng" smtClean="0">
-                <a:solidFill>
-                  <a:sysClr val="windowText" lastClr="000000"/>
-                </a:solidFill>
-                <a:effectLst>
-                  <a:glow rad="127000">
-                    <a:prstClr val="white"/>
-                  </a:glow>
-                </a:effectLst>
-                <a:latin typeface="VNI-Aptima" pitchFamily="2" charset="0"/>
+              <a:rPr lang="en-US" sz="4400" b="1" u="sng" dirty="0">
+                <a:solidFill>
+                  <a:sysClr val="windowText" lastClr="000000"/>
+                </a:solidFill>
+                <a:effectLst>
+                  <a:glow rad="127000">
+                    <a:prstClr val="white"/>
+                  </a:glow>
+                </a:effectLst>
+                <a:latin typeface="VNI-Times" pitchFamily="2" charset="0"/>
               </a:rPr>
               <a:t>ÑK:</a:t>
             </a:r>
             <a:r>
-              <a:rPr lang="en-US" sz="6600" b="1" smtClean="0">
-                <a:solidFill>
-                  <a:sysClr val="windowText" lastClr="000000"/>
-                </a:solidFill>
-                <a:effectLst>
-                  <a:glow rad="127000">
-                    <a:prstClr val="white"/>
-                  </a:glow>
-                </a:effectLst>
-                <a:latin typeface="VNI-Aptima" pitchFamily="2" charset="0"/>
-              </a:rPr>
-              <a:t> Mau mau cuøng </a:t>
+              <a:rPr lang="en-US" sz="6600" b="1" dirty="0">
+                <a:solidFill>
+                  <a:sysClr val="windowText" lastClr="000000"/>
+                </a:solidFill>
+                <a:effectLst>
+                  <a:glow rad="127000">
+                    <a:prstClr val="white"/>
+                  </a:glow>
+                </a:effectLst>
+                <a:latin typeface="VNI-Times" pitchFamily="2" charset="0"/>
+              </a:rPr>
+              <a:t> Mau </a:t>
+            </a:r>
+            <a:r>
+              <a:rPr lang="en-US" sz="6600" b="1" dirty="0" err="1">
+                <a:solidFill>
+                  <a:sysClr val="windowText" lastClr="000000"/>
+                </a:solidFill>
+                <a:effectLst>
+                  <a:glow rad="127000">
+                    <a:prstClr val="white"/>
+                  </a:glow>
+                </a:effectLst>
+                <a:latin typeface="VNI-Times" pitchFamily="2" charset="0"/>
+              </a:rPr>
+              <a:t>mau</a:t>
+            </a:r>
+            <a:r>
+              <a:rPr lang="en-US" sz="6600" b="1" dirty="0">
+                <a:solidFill>
+                  <a:sysClr val="windowText" lastClr="000000"/>
+                </a:solidFill>
+                <a:effectLst>
+                  <a:glow rad="127000">
+                    <a:prstClr val="white"/>
+                  </a:glow>
+                </a:effectLst>
+                <a:latin typeface="VNI-Times" pitchFamily="2" charset="0"/>
+              </a:rPr>
+              <a:t> </a:t>
+            </a:r>
+            <a:r>
+              <a:rPr lang="en-US" sz="6600" b="1" dirty="0" err="1">
+                <a:solidFill>
+                  <a:sysClr val="windowText" lastClr="000000"/>
+                </a:solidFill>
+                <a:effectLst>
+                  <a:glow rad="127000">
+                    <a:prstClr val="white"/>
+                  </a:glow>
+                </a:effectLst>
+                <a:latin typeface="VNI-Times" pitchFamily="2" charset="0"/>
+              </a:rPr>
+              <a:t>cuøng</a:t>
+            </a:r>
+            <a:r>
+              <a:rPr lang="en-US" sz="6600" b="1" dirty="0">
+                <a:solidFill>
+                  <a:sysClr val="windowText" lastClr="000000"/>
+                </a:solidFill>
+                <a:effectLst>
+                  <a:glow rad="127000">
+                    <a:prstClr val="white"/>
+                  </a:glow>
+                </a:effectLst>
+                <a:latin typeface="VNI-Times" pitchFamily="2" charset="0"/>
+              </a:rPr>
+              <a:t> </a:t>
             </a:r>
             <a:br>
-              <a:rPr lang="en-US" sz="6600" b="1" smtClean="0">
-                <a:solidFill>
-                  <a:sysClr val="windowText" lastClr="000000"/>
-                </a:solidFill>
-                <a:effectLst>
-                  <a:glow rad="127000">
-                    <a:prstClr val="white"/>
-                  </a:glow>
-                </a:effectLst>
-                <a:latin typeface="VNI-Aptima" pitchFamily="2" charset="0"/>
+              <a:rPr lang="en-US" sz="6600" b="1" dirty="0">
+                <a:solidFill>
+                  <a:sysClr val="windowText" lastClr="000000"/>
+                </a:solidFill>
+                <a:effectLst>
+                  <a:glow rad="127000">
+                    <a:prstClr val="white"/>
+                  </a:glow>
+                </a:effectLst>
+                <a:latin typeface="VNI-Times" pitchFamily="2" charset="0"/>
               </a:rPr>
             </a:br>
             <a:r>
-              <a:rPr lang="en-US" sz="6600" b="1" smtClean="0">
-                <a:solidFill>
-                  <a:sysClr val="windowText" lastClr="000000"/>
-                </a:solidFill>
-                <a:effectLst>
-                  <a:glow rad="127000">
-                    <a:prstClr val="white"/>
-                  </a:glow>
-                </a:effectLst>
-                <a:latin typeface="VNI-Aptima" pitchFamily="2" charset="0"/>
-              </a:rPr>
-              <a:t>nhau ñeán toân thôø, </a:t>
+              <a:rPr lang="en-US" sz="6600" b="1" dirty="0" err="1">
+                <a:solidFill>
+                  <a:sysClr val="windowText" lastClr="000000"/>
+                </a:solidFill>
+                <a:effectLst>
+                  <a:glow rad="127000">
+                    <a:prstClr val="white"/>
+                  </a:glow>
+                </a:effectLst>
+                <a:latin typeface="VNI-Times" pitchFamily="2" charset="0"/>
+              </a:rPr>
+              <a:t>nhau</a:t>
+            </a:r>
+            <a:r>
+              <a:rPr lang="en-US" sz="6600" b="1" dirty="0">
+                <a:solidFill>
+                  <a:sysClr val="windowText" lastClr="000000"/>
+                </a:solidFill>
+                <a:effectLst>
+                  <a:glow rad="127000">
+                    <a:prstClr val="white"/>
+                  </a:glow>
+                </a:effectLst>
+                <a:latin typeface="VNI-Times" pitchFamily="2" charset="0"/>
+              </a:rPr>
+              <a:t> </a:t>
+            </a:r>
+            <a:r>
+              <a:rPr lang="en-US" sz="6600" b="1" dirty="0" err="1">
+                <a:solidFill>
+                  <a:sysClr val="windowText" lastClr="000000"/>
+                </a:solidFill>
+                <a:effectLst>
+                  <a:glow rad="127000">
+                    <a:prstClr val="white"/>
+                  </a:glow>
+                </a:effectLst>
+                <a:latin typeface="VNI-Times" pitchFamily="2" charset="0"/>
+              </a:rPr>
+              <a:t>ñeán</a:t>
+            </a:r>
+            <a:r>
+              <a:rPr lang="en-US" sz="6600" b="1" dirty="0">
+                <a:solidFill>
+                  <a:sysClr val="windowText" lastClr="000000"/>
+                </a:solidFill>
+                <a:effectLst>
+                  <a:glow rad="127000">
+                    <a:prstClr val="white"/>
+                  </a:glow>
+                </a:effectLst>
+                <a:latin typeface="VNI-Times" pitchFamily="2" charset="0"/>
+              </a:rPr>
+              <a:t> </a:t>
+            </a:r>
+            <a:r>
+              <a:rPr lang="en-US" sz="6600" b="1" dirty="0" err="1">
+                <a:solidFill>
+                  <a:sysClr val="windowText" lastClr="000000"/>
+                </a:solidFill>
+                <a:effectLst>
+                  <a:glow rad="127000">
+                    <a:prstClr val="white"/>
+                  </a:glow>
+                </a:effectLst>
+                <a:latin typeface="VNI-Times" pitchFamily="2" charset="0"/>
+              </a:rPr>
+              <a:t>toân</a:t>
+            </a:r>
+            <a:r>
+              <a:rPr lang="en-US" sz="6600" b="1" dirty="0">
+                <a:solidFill>
+                  <a:sysClr val="windowText" lastClr="000000"/>
+                </a:solidFill>
+                <a:effectLst>
+                  <a:glow rad="127000">
+                    <a:prstClr val="white"/>
+                  </a:glow>
+                </a:effectLst>
+                <a:latin typeface="VNI-Times" pitchFamily="2" charset="0"/>
+              </a:rPr>
+              <a:t> </a:t>
+            </a:r>
+            <a:r>
+              <a:rPr lang="en-US" sz="6600" b="1" dirty="0" err="1">
+                <a:solidFill>
+                  <a:sysClr val="windowText" lastClr="000000"/>
+                </a:solidFill>
+                <a:effectLst>
+                  <a:glow rad="127000">
+                    <a:prstClr val="white"/>
+                  </a:glow>
+                </a:effectLst>
+                <a:latin typeface="VNI-Times" pitchFamily="2" charset="0"/>
+              </a:rPr>
+              <a:t>thôø</a:t>
+            </a:r>
+            <a:r>
+              <a:rPr lang="en-US" sz="6600" b="1" dirty="0">
+                <a:solidFill>
+                  <a:sysClr val="windowText" lastClr="000000"/>
+                </a:solidFill>
+                <a:effectLst>
+                  <a:glow rad="127000">
+                    <a:prstClr val="white"/>
+                  </a:glow>
+                </a:effectLst>
+                <a:latin typeface="VNI-Times" pitchFamily="2" charset="0"/>
+              </a:rPr>
+              <a:t>, </a:t>
             </a:r>
             <a:br>
-              <a:rPr lang="en-US" sz="6600" b="1" smtClean="0">
-                <a:solidFill>
-                  <a:sysClr val="windowText" lastClr="000000"/>
-                </a:solidFill>
-                <a:effectLst>
-                  <a:glow rad="127000">
-                    <a:prstClr val="white"/>
-                  </a:glow>
-                </a:effectLst>
-                <a:latin typeface="VNI-Aptima" pitchFamily="2" charset="0"/>
+              <a:rPr lang="en-US" sz="6600" b="1" dirty="0">
+                <a:solidFill>
+                  <a:sysClr val="windowText" lastClr="000000"/>
+                </a:solidFill>
+                <a:effectLst>
+                  <a:glow rad="127000">
+                    <a:prstClr val="white"/>
+                  </a:glow>
+                </a:effectLst>
+                <a:latin typeface="VNI-Times" pitchFamily="2" charset="0"/>
               </a:rPr>
             </a:br>
             <a:r>
-              <a:rPr lang="en-US" sz="6600" b="1" smtClean="0">
-                <a:solidFill>
-                  <a:sysClr val="windowText" lastClr="000000"/>
-                </a:solidFill>
-                <a:effectLst>
-                  <a:glow rad="127000">
-                    <a:prstClr val="white"/>
-                  </a:glow>
-                </a:effectLst>
-                <a:latin typeface="VNI-Aptima" pitchFamily="2" charset="0"/>
-              </a:rPr>
-              <a:t>mau mau cuøng </a:t>
+              <a:rPr lang="en-US" sz="6600" b="1" dirty="0" err="1">
+                <a:solidFill>
+                  <a:sysClr val="windowText" lastClr="000000"/>
+                </a:solidFill>
+                <a:effectLst>
+                  <a:glow rad="127000">
+                    <a:prstClr val="white"/>
+                  </a:glow>
+                </a:effectLst>
+                <a:latin typeface="VNI-Times" pitchFamily="2" charset="0"/>
+              </a:rPr>
+              <a:t>mau</a:t>
+            </a:r>
+            <a:r>
+              <a:rPr lang="en-US" sz="6600" b="1" dirty="0">
+                <a:solidFill>
+                  <a:sysClr val="windowText" lastClr="000000"/>
+                </a:solidFill>
+                <a:effectLst>
+                  <a:glow rad="127000">
+                    <a:prstClr val="white"/>
+                  </a:glow>
+                </a:effectLst>
+                <a:latin typeface="VNI-Times" pitchFamily="2" charset="0"/>
+              </a:rPr>
+              <a:t> </a:t>
+            </a:r>
+            <a:r>
+              <a:rPr lang="en-US" sz="6600" b="1" dirty="0" err="1">
+                <a:solidFill>
+                  <a:sysClr val="windowText" lastClr="000000"/>
+                </a:solidFill>
+                <a:effectLst>
+                  <a:glow rad="127000">
+                    <a:prstClr val="white"/>
+                  </a:glow>
+                </a:effectLst>
+                <a:latin typeface="VNI-Times" pitchFamily="2" charset="0"/>
+              </a:rPr>
+              <a:t>mau</a:t>
+            </a:r>
+            <a:r>
+              <a:rPr lang="en-US" sz="6600" b="1" dirty="0">
+                <a:solidFill>
+                  <a:sysClr val="windowText" lastClr="000000"/>
+                </a:solidFill>
+                <a:effectLst>
+                  <a:glow rad="127000">
+                    <a:prstClr val="white"/>
+                  </a:glow>
+                </a:effectLst>
+                <a:latin typeface="VNI-Times" pitchFamily="2" charset="0"/>
+              </a:rPr>
+              <a:t> </a:t>
+            </a:r>
+            <a:r>
+              <a:rPr lang="en-US" sz="6600" b="1" dirty="0" err="1">
+                <a:solidFill>
+                  <a:sysClr val="windowText" lastClr="000000"/>
+                </a:solidFill>
+                <a:effectLst>
+                  <a:glow rad="127000">
+                    <a:prstClr val="white"/>
+                  </a:glow>
+                </a:effectLst>
+                <a:latin typeface="VNI-Times" pitchFamily="2" charset="0"/>
+              </a:rPr>
+              <a:t>cuøng</a:t>
+            </a:r>
+            <a:r>
+              <a:rPr lang="en-US" sz="6600" b="1" dirty="0">
+                <a:solidFill>
+                  <a:sysClr val="windowText" lastClr="000000"/>
+                </a:solidFill>
+                <a:effectLst>
+                  <a:glow rad="127000">
+                    <a:prstClr val="white"/>
+                  </a:glow>
+                </a:effectLst>
+                <a:latin typeface="VNI-Times" pitchFamily="2" charset="0"/>
+              </a:rPr>
+              <a:t> </a:t>
             </a:r>
             <a:br>
-              <a:rPr lang="en-US" sz="6600" b="1" smtClean="0">
-                <a:solidFill>
-                  <a:sysClr val="windowText" lastClr="000000"/>
-                </a:solidFill>
-                <a:effectLst>
-                  <a:glow rad="127000">
-                    <a:prstClr val="white"/>
-                  </a:glow>
-                </a:effectLst>
-                <a:latin typeface="VNI-Aptima" pitchFamily="2" charset="0"/>
+              <a:rPr lang="en-US" sz="6600" b="1" dirty="0">
+                <a:solidFill>
+                  <a:sysClr val="windowText" lastClr="000000"/>
+                </a:solidFill>
+                <a:effectLst>
+                  <a:glow rad="127000">
+                    <a:prstClr val="white"/>
+                  </a:glow>
+                </a:effectLst>
+                <a:latin typeface="VNI-Times" pitchFamily="2" charset="0"/>
               </a:rPr>
             </a:br>
             <a:r>
-              <a:rPr lang="en-US" sz="6600" b="1" smtClean="0">
-                <a:solidFill>
-                  <a:sysClr val="windowText" lastClr="000000"/>
-                </a:solidFill>
-                <a:effectLst>
-                  <a:glow rad="127000">
-                    <a:prstClr val="white"/>
-                  </a:glow>
-                </a:effectLst>
-                <a:latin typeface="VNI-Aptima" pitchFamily="2" charset="0"/>
-              </a:rPr>
-              <a:t>nhau ñeán toân thôø.</a:t>
+              <a:rPr lang="en-US" sz="6600" b="1" dirty="0" err="1">
+                <a:solidFill>
+                  <a:sysClr val="windowText" lastClr="000000"/>
+                </a:solidFill>
+                <a:effectLst>
+                  <a:glow rad="127000">
+                    <a:prstClr val="white"/>
+                  </a:glow>
+                </a:effectLst>
+                <a:latin typeface="VNI-Times" pitchFamily="2" charset="0"/>
+              </a:rPr>
+              <a:t>nhau</a:t>
+            </a:r>
+            <a:r>
+              <a:rPr lang="en-US" sz="6600" b="1" dirty="0">
+                <a:solidFill>
+                  <a:sysClr val="windowText" lastClr="000000"/>
+                </a:solidFill>
+                <a:effectLst>
+                  <a:glow rad="127000">
+                    <a:prstClr val="white"/>
+                  </a:glow>
+                </a:effectLst>
+                <a:latin typeface="VNI-Times" pitchFamily="2" charset="0"/>
+              </a:rPr>
+              <a:t> </a:t>
+            </a:r>
+            <a:r>
+              <a:rPr lang="en-US" sz="6600" b="1" dirty="0" err="1">
+                <a:solidFill>
+                  <a:sysClr val="windowText" lastClr="000000"/>
+                </a:solidFill>
+                <a:effectLst>
+                  <a:glow rad="127000">
+                    <a:prstClr val="white"/>
+                  </a:glow>
+                </a:effectLst>
+                <a:latin typeface="VNI-Times" pitchFamily="2" charset="0"/>
+              </a:rPr>
+              <a:t>ñeán</a:t>
+            </a:r>
+            <a:r>
+              <a:rPr lang="en-US" sz="6600" b="1" dirty="0">
+                <a:solidFill>
+                  <a:sysClr val="windowText" lastClr="000000"/>
+                </a:solidFill>
+                <a:effectLst>
+                  <a:glow rad="127000">
+                    <a:prstClr val="white"/>
+                  </a:glow>
+                </a:effectLst>
+                <a:latin typeface="VNI-Times" pitchFamily="2" charset="0"/>
+              </a:rPr>
+              <a:t> </a:t>
+            </a:r>
+            <a:r>
+              <a:rPr lang="en-US" sz="6600" b="1" dirty="0" err="1">
+                <a:solidFill>
+                  <a:sysClr val="windowText" lastClr="000000"/>
+                </a:solidFill>
+                <a:effectLst>
+                  <a:glow rad="127000">
+                    <a:prstClr val="white"/>
+                  </a:glow>
+                </a:effectLst>
+                <a:latin typeface="VNI-Times" pitchFamily="2" charset="0"/>
+              </a:rPr>
+              <a:t>toân</a:t>
+            </a:r>
+            <a:r>
+              <a:rPr lang="en-US" sz="6600" b="1" dirty="0">
+                <a:solidFill>
+                  <a:sysClr val="windowText" lastClr="000000"/>
+                </a:solidFill>
+                <a:effectLst>
+                  <a:glow rad="127000">
+                    <a:prstClr val="white"/>
+                  </a:glow>
+                </a:effectLst>
+                <a:latin typeface="VNI-Times" pitchFamily="2" charset="0"/>
+              </a:rPr>
+              <a:t> </a:t>
+            </a:r>
+            <a:r>
+              <a:rPr lang="en-US" sz="6600" b="1" dirty="0" err="1">
+                <a:solidFill>
+                  <a:sysClr val="windowText" lastClr="000000"/>
+                </a:solidFill>
+                <a:effectLst>
+                  <a:glow rad="127000">
+                    <a:prstClr val="white"/>
+                  </a:glow>
+                </a:effectLst>
+                <a:latin typeface="VNI-Times" pitchFamily="2" charset="0"/>
+              </a:rPr>
+              <a:t>thôø</a:t>
+            </a:r>
+            <a:r>
+              <a:rPr lang="en-US" sz="6600" b="1" dirty="0">
+                <a:solidFill>
+                  <a:sysClr val="windowText" lastClr="000000"/>
+                </a:solidFill>
+                <a:effectLst>
+                  <a:glow rad="127000">
+                    <a:prstClr val="white"/>
+                  </a:glow>
+                </a:effectLst>
+                <a:latin typeface="VNI-Times" pitchFamily="2" charset="0"/>
+              </a:rPr>
+              <a:t>.</a:t>
             </a:r>
           </a:p>
         </p:txBody>
@@ -2090,21 +2394,6 @@
   <p:clrMapOvr>
     <a:overrideClrMapping bg1="lt1" tx1="dk1" bg2="lt2" tx2="dk2" accent1="accent1" accent2="accent2" accent3="accent3" accent4="accent4" accent5="accent5" accent6="accent6" hlink="hlink" folHlink="folHlink"/>
   </p:clrMapOvr>
-  <mc:AlternateContent xmlns:mc="http://schemas.openxmlformats.org/markup-compatibility/2006" xmlns:p14="http://schemas.microsoft.com/office/powerpoint/2010/main">
-    <mc:Choice Requires="p14">
-      <p:transition p14:dur="0"/>
-    </mc:Choice>
-    <mc:Fallback xmlns="">
-      <p:transition/>
-    </mc:Fallback>
-  </mc:AlternateContent>
-  <p:timing>
-    <p:tnLst>
-      <p:par>
-        <p:cTn id="1" dur="indefinite" restart="never" nodeType="tmRoot"/>
-      </p:par>
-    </p:tnLst>
-  </p:timing>
 </p:sld>
 </file>
 
@@ -2163,7 +2452,7 @@
           <a:p>
             <a:pPr algn="ctr"/>
             <a:r>
-              <a:rPr lang="en-US" sz="3200" smtClean="0">
+              <a:rPr lang="en-US" sz="3200" b="1" dirty="0">
                 <a:solidFill>
                   <a:srgbClr val="C00000"/>
                 </a:solidFill>
@@ -2172,21 +2461,10 @@
                     <a:prstClr val="white"/>
                   </a:glow>
                 </a:effectLst>
-                <a:latin typeface="HP-Kabel" pitchFamily="34" charset="0"/>
+                <a:latin typeface="VNI-Times" pitchFamily="2" charset="0"/>
               </a:rPr>
               <a:t>THAÙNH CA 55 – HÔÕI MOÂN ÑOÀ TRUNG TÍN</a:t>
             </a:r>
-            <a:endParaRPr lang="en-US" sz="3200">
-              <a:solidFill>
-                <a:srgbClr val="C00000"/>
-              </a:solidFill>
-              <a:effectLst>
-                <a:glow rad="127000">
-                  <a:prstClr val="white"/>
-                </a:glow>
-              </a:effectLst>
-              <a:latin typeface="HP-Kabel" pitchFamily="34" charset="0"/>
-            </a:endParaRPr>
           </a:p>
         </p:txBody>
       </p:sp>
@@ -2214,72 +2492,254 @@
           <a:p>
             <a:pPr algn="ctr"/>
             <a:r>
-              <a:rPr lang="en-US" sz="6600" b="1" smtClean="0">
-                <a:solidFill>
-                  <a:sysClr val="windowText" lastClr="000000"/>
-                </a:solidFill>
-                <a:effectLst>
-                  <a:glow rad="127000">
-                    <a:prstClr val="white"/>
-                  </a:glow>
-                </a:effectLst>
-                <a:latin typeface="VNI-Aptima" pitchFamily="2" charset="0"/>
-              </a:rPr>
-              <a:t>Mau ñeán nôi ñaây </a:t>
+              <a:rPr lang="en-US" sz="6600" b="1" dirty="0">
+                <a:solidFill>
+                  <a:sysClr val="windowText" lastClr="000000"/>
+                </a:solidFill>
+                <a:effectLst>
+                  <a:glow rad="127000">
+                    <a:prstClr val="white"/>
+                  </a:glow>
+                </a:effectLst>
+                <a:latin typeface="VNI-Times" pitchFamily="2" charset="0"/>
+              </a:rPr>
+              <a:t>Mau </a:t>
+            </a:r>
+            <a:r>
+              <a:rPr lang="en-US" sz="6600" b="1" dirty="0" err="1">
+                <a:solidFill>
+                  <a:sysClr val="windowText" lastClr="000000"/>
+                </a:solidFill>
+                <a:effectLst>
+                  <a:glow rad="127000">
+                    <a:prstClr val="white"/>
+                  </a:glow>
+                </a:effectLst>
+                <a:latin typeface="VNI-Times" pitchFamily="2" charset="0"/>
+              </a:rPr>
+              <a:t>ñeán</a:t>
+            </a:r>
+            <a:r>
+              <a:rPr lang="en-US" sz="6600" b="1" dirty="0">
+                <a:solidFill>
+                  <a:sysClr val="windowText" lastClr="000000"/>
+                </a:solidFill>
+                <a:effectLst>
+                  <a:glow rad="127000">
+                    <a:prstClr val="white"/>
+                  </a:glow>
+                </a:effectLst>
+                <a:latin typeface="VNI-Times" pitchFamily="2" charset="0"/>
+              </a:rPr>
+              <a:t> </a:t>
+            </a:r>
+            <a:r>
+              <a:rPr lang="en-US" sz="6600" b="1" dirty="0" err="1">
+                <a:solidFill>
+                  <a:sysClr val="windowText" lastClr="000000"/>
+                </a:solidFill>
+                <a:effectLst>
+                  <a:glow rad="127000">
+                    <a:prstClr val="white"/>
+                  </a:glow>
+                </a:effectLst>
+                <a:latin typeface="VNI-Times" pitchFamily="2" charset="0"/>
+              </a:rPr>
+              <a:t>nôi</a:t>
+            </a:r>
+            <a:r>
+              <a:rPr lang="en-US" sz="6600" b="1" dirty="0">
+                <a:solidFill>
+                  <a:sysClr val="windowText" lastClr="000000"/>
+                </a:solidFill>
+                <a:effectLst>
+                  <a:glow rad="127000">
+                    <a:prstClr val="white"/>
+                  </a:glow>
+                </a:effectLst>
+                <a:latin typeface="VNI-Times" pitchFamily="2" charset="0"/>
+              </a:rPr>
+              <a:t> </a:t>
+            </a:r>
+            <a:r>
+              <a:rPr lang="en-US" sz="6600" b="1" dirty="0" err="1">
+                <a:solidFill>
+                  <a:sysClr val="windowText" lastClr="000000"/>
+                </a:solidFill>
+                <a:effectLst>
+                  <a:glow rad="127000">
+                    <a:prstClr val="white"/>
+                  </a:glow>
+                </a:effectLst>
+                <a:latin typeface="VNI-Times" pitchFamily="2" charset="0"/>
+              </a:rPr>
+              <a:t>ñaây</a:t>
+            </a:r>
+            <a:r>
+              <a:rPr lang="en-US" sz="6600" b="1" dirty="0">
+                <a:solidFill>
+                  <a:sysClr val="windowText" lastClr="000000"/>
+                </a:solidFill>
+                <a:effectLst>
+                  <a:glow rad="127000">
+                    <a:prstClr val="white"/>
+                  </a:glow>
+                </a:effectLst>
+                <a:latin typeface="VNI-Times" pitchFamily="2" charset="0"/>
+              </a:rPr>
+              <a:t> </a:t>
             </a:r>
             <a:br>
-              <a:rPr lang="en-US" sz="6600" b="1" smtClean="0">
-                <a:solidFill>
-                  <a:sysClr val="windowText" lastClr="000000"/>
-                </a:solidFill>
-                <a:effectLst>
-                  <a:glow rad="127000">
-                    <a:prstClr val="white"/>
-                  </a:glow>
-                </a:effectLst>
-                <a:latin typeface="VNI-Aptima" pitchFamily="2" charset="0"/>
+              <a:rPr lang="en-US" sz="6600" b="1" dirty="0">
+                <a:solidFill>
+                  <a:sysClr val="windowText" lastClr="000000"/>
+                </a:solidFill>
+                <a:effectLst>
+                  <a:glow rad="127000">
+                    <a:prstClr val="white"/>
+                  </a:glow>
+                </a:effectLst>
+                <a:latin typeface="VNI-Times" pitchFamily="2" charset="0"/>
               </a:rPr>
             </a:br>
             <a:r>
-              <a:rPr lang="en-US" sz="6600" b="1" smtClean="0">
-                <a:solidFill>
-                  <a:sysClr val="windowText" lastClr="000000"/>
-                </a:solidFill>
-                <a:effectLst>
-                  <a:glow rad="127000">
-                    <a:prstClr val="white"/>
-                  </a:glow>
-                </a:effectLst>
-                <a:latin typeface="VNI-Aptima" pitchFamily="2" charset="0"/>
-              </a:rPr>
-              <a:t>toân thôø Chuùa </a:t>
+              <a:rPr lang="en-US" sz="6600" b="1" dirty="0" err="1">
+                <a:solidFill>
+                  <a:sysClr val="windowText" lastClr="000000"/>
+                </a:solidFill>
+                <a:effectLst>
+                  <a:glow rad="127000">
+                    <a:prstClr val="white"/>
+                  </a:glow>
+                </a:effectLst>
+                <a:latin typeface="VNI-Times" pitchFamily="2" charset="0"/>
+              </a:rPr>
+              <a:t>toân</a:t>
+            </a:r>
+            <a:r>
+              <a:rPr lang="en-US" sz="6600" b="1" dirty="0">
+                <a:solidFill>
+                  <a:sysClr val="windowText" lastClr="000000"/>
+                </a:solidFill>
+                <a:effectLst>
+                  <a:glow rad="127000">
+                    <a:prstClr val="white"/>
+                  </a:glow>
+                </a:effectLst>
+                <a:latin typeface="VNI-Times" pitchFamily="2" charset="0"/>
+              </a:rPr>
+              <a:t> </a:t>
+            </a:r>
+            <a:r>
+              <a:rPr lang="en-US" sz="6600" b="1" dirty="0" err="1">
+                <a:solidFill>
+                  <a:sysClr val="windowText" lastClr="000000"/>
+                </a:solidFill>
+                <a:effectLst>
+                  <a:glow rad="127000">
+                    <a:prstClr val="white"/>
+                  </a:glow>
+                </a:effectLst>
+                <a:latin typeface="VNI-Times" pitchFamily="2" charset="0"/>
+              </a:rPr>
+              <a:t>thôø</a:t>
+            </a:r>
+            <a:r>
+              <a:rPr lang="en-US" sz="6600" b="1" dirty="0">
+                <a:solidFill>
+                  <a:sysClr val="windowText" lastClr="000000"/>
+                </a:solidFill>
+                <a:effectLst>
+                  <a:glow rad="127000">
+                    <a:prstClr val="white"/>
+                  </a:glow>
+                </a:effectLst>
+                <a:latin typeface="VNI-Times" pitchFamily="2" charset="0"/>
+              </a:rPr>
+              <a:t> </a:t>
+            </a:r>
+            <a:r>
+              <a:rPr lang="en-US" sz="6600" b="1" dirty="0" err="1">
+                <a:solidFill>
+                  <a:sysClr val="windowText" lastClr="000000"/>
+                </a:solidFill>
+                <a:effectLst>
+                  <a:glow rad="127000">
+                    <a:prstClr val="white"/>
+                  </a:glow>
+                </a:effectLst>
+                <a:latin typeface="VNI-Times" pitchFamily="2" charset="0"/>
+              </a:rPr>
+              <a:t>Chuùa</a:t>
+            </a:r>
+            <a:r>
+              <a:rPr lang="en-US" sz="6600" b="1" dirty="0">
+                <a:solidFill>
+                  <a:sysClr val="windowText" lastClr="000000"/>
+                </a:solidFill>
+                <a:effectLst>
+                  <a:glow rad="127000">
+                    <a:prstClr val="white"/>
+                  </a:glow>
+                </a:effectLst>
+                <a:latin typeface="VNI-Times" pitchFamily="2" charset="0"/>
+              </a:rPr>
+              <a:t> </a:t>
             </a:r>
             <a:br>
-              <a:rPr lang="en-US" sz="6600" b="1" smtClean="0">
-                <a:solidFill>
-                  <a:sysClr val="windowText" lastClr="000000"/>
-                </a:solidFill>
-                <a:effectLst>
-                  <a:glow rad="127000">
-                    <a:prstClr val="white"/>
-                  </a:glow>
-                </a:effectLst>
-                <a:latin typeface="VNI-Aptima" pitchFamily="2" charset="0"/>
+              <a:rPr lang="en-US" sz="6600" b="1" dirty="0">
+                <a:solidFill>
+                  <a:sysClr val="windowText" lastClr="000000"/>
+                </a:solidFill>
+                <a:effectLst>
+                  <a:glow rad="127000">
+                    <a:prstClr val="white"/>
+                  </a:glow>
+                </a:effectLst>
+                <a:latin typeface="VNI-Times" pitchFamily="2" charset="0"/>
               </a:rPr>
             </a:br>
             <a:r>
-              <a:rPr lang="en-US" sz="6600" b="1" smtClean="0">
-                <a:solidFill>
-                  <a:sysClr val="windowText" lastClr="000000"/>
-                </a:solidFill>
-                <a:effectLst>
-                  <a:glow rad="127000">
-                    <a:prstClr val="white"/>
-                  </a:glow>
-                </a:effectLst>
-                <a:latin typeface="VNI-Aptima" pitchFamily="2" charset="0"/>
-              </a:rPr>
-              <a:t>Christ, Vua ta.</a:t>
+              <a:rPr lang="en-US" sz="6600" b="1" dirty="0">
+                <a:solidFill>
+                  <a:sysClr val="windowText" lastClr="000000"/>
+                </a:solidFill>
+                <a:effectLst>
+                  <a:glow rad="127000">
+                    <a:prstClr val="white"/>
+                  </a:glow>
+                </a:effectLst>
+                <a:latin typeface="VNI-Times" pitchFamily="2" charset="0"/>
+              </a:rPr>
+              <a:t>Christ, </a:t>
+            </a:r>
+            <a:r>
+              <a:rPr lang="en-US" sz="6600" b="1" dirty="0" err="1">
+                <a:solidFill>
+                  <a:sysClr val="windowText" lastClr="000000"/>
+                </a:solidFill>
+                <a:effectLst>
+                  <a:glow rad="127000">
+                    <a:prstClr val="white"/>
+                  </a:glow>
+                </a:effectLst>
+                <a:latin typeface="VNI-Times" pitchFamily="2" charset="0"/>
+              </a:rPr>
+              <a:t>Vua</a:t>
+            </a:r>
+            <a:r>
+              <a:rPr lang="en-US" sz="6600" b="1" dirty="0">
+                <a:solidFill>
+                  <a:sysClr val="windowText" lastClr="000000"/>
+                </a:solidFill>
+                <a:effectLst>
+                  <a:glow rad="127000">
+                    <a:prstClr val="white"/>
+                  </a:glow>
+                </a:effectLst>
+                <a:latin typeface="VNI-Times" pitchFamily="2" charset="0"/>
+              </a:rPr>
+              <a:t> ta.</a:t>
             </a:r>
           </a:p>
         </p:txBody>
@@ -2294,21 +2754,6 @@
   <p:clrMapOvr>
     <a:overrideClrMapping bg1="lt1" tx1="dk1" bg2="lt2" tx2="dk2" accent1="accent1" accent2="accent2" accent3="accent3" accent4="accent4" accent5="accent5" accent6="accent6" hlink="hlink" folHlink="folHlink"/>
   </p:clrMapOvr>
-  <mc:AlternateContent xmlns:mc="http://schemas.openxmlformats.org/markup-compatibility/2006" xmlns:p14="http://schemas.microsoft.com/office/powerpoint/2010/main">
-    <mc:Choice Requires="p14">
-      <p:transition p14:dur="0"/>
-    </mc:Choice>
-    <mc:Fallback xmlns="">
-      <p:transition/>
-    </mc:Fallback>
-  </mc:AlternateContent>
-  <p:timing>
-    <p:tnLst>
-      <p:par>
-        <p:cTn id="1" dur="indefinite" restart="never" nodeType="tmRoot"/>
-      </p:par>
-    </p:tnLst>
-  </p:timing>
 </p:sld>
 </file>
 
@@ -2353,7 +2798,7 @@
           <a:p>
             <a:pPr algn="ctr"/>
             <a:r>
-              <a:rPr lang="en-US" sz="3200" smtClean="0">
+              <a:rPr lang="en-US" sz="3200" b="1" dirty="0">
                 <a:solidFill>
                   <a:srgbClr val="C00000"/>
                 </a:solidFill>
@@ -2362,21 +2807,10 @@
                     <a:prstClr val="white"/>
                   </a:glow>
                 </a:effectLst>
-                <a:latin typeface="HP-Kabel" pitchFamily="34" charset="0"/>
+                <a:latin typeface="VNI-Times" pitchFamily="2" charset="0"/>
               </a:rPr>
               <a:t>THAÙNH CA 55 – HÔÕI MOÂN ÑOÀ TRUNG TÍN</a:t>
             </a:r>
-            <a:endParaRPr lang="en-US" sz="3200">
-              <a:solidFill>
-                <a:srgbClr val="C00000"/>
-              </a:solidFill>
-              <a:effectLst>
-                <a:glow rad="127000">
-                  <a:prstClr val="white"/>
-                </a:glow>
-              </a:effectLst>
-              <a:latin typeface="HP-Kabel" pitchFamily="34" charset="0"/>
-            </a:endParaRPr>
           </a:p>
         </p:txBody>
       </p:sp>
@@ -2404,35 +2838,35 @@
           <a:p>
             <a:pPr algn="ctr"/>
             <a:r>
-              <a:rPr lang="en-US" sz="4000" b="1" smtClean="0">
-                <a:solidFill>
-                  <a:sysClr val="windowText" lastClr="000000"/>
-                </a:solidFill>
-                <a:effectLst>
-                  <a:glow rad="127000">
-                    <a:prstClr val="white"/>
-                  </a:glow>
-                </a:effectLst>
-                <a:latin typeface="VNI-Aptima" pitchFamily="2" charset="0"/>
+              <a:rPr lang="en-US" sz="4000" b="1" dirty="0">
+                <a:solidFill>
+                  <a:sysClr val="windowText" lastClr="000000"/>
+                </a:solidFill>
+                <a:effectLst>
+                  <a:glow rad="127000">
+                    <a:prstClr val="white"/>
+                  </a:glow>
+                </a:effectLst>
+                <a:latin typeface="VNI-Times" pitchFamily="2" charset="0"/>
               </a:rPr>
               <a:t>3.</a:t>
             </a:r>
             <a:r>
-              <a:rPr lang="en-US" sz="6600" b="1" smtClean="0">
-                <a:solidFill>
-                  <a:sysClr val="windowText" lastClr="000000"/>
-                </a:solidFill>
-                <a:effectLst>
-                  <a:glow rad="127000">
-                    <a:prstClr val="white"/>
-                  </a:glow>
-                </a:effectLst>
-                <a:latin typeface="VNI-Aptima" pitchFamily="2" charset="0"/>
-              </a:rPr>
-              <a:t> </a:t>
-            </a:r>
-            <a:r>
-              <a:rPr lang="en-US" sz="6600" b="1" smtClean="0">
+              <a:rPr lang="en-US" sz="6600" b="1" dirty="0">
+                <a:solidFill>
+                  <a:sysClr val="windowText" lastClr="000000"/>
+                </a:solidFill>
+                <a:effectLst>
+                  <a:glow rad="127000">
+                    <a:prstClr val="white"/>
+                  </a:glow>
+                </a:effectLst>
+                <a:latin typeface="VNI-Times" pitchFamily="2" charset="0"/>
+              </a:rPr>
+              <a:t> </a:t>
+            </a:r>
+            <a:r>
+              <a:rPr lang="en-US" sz="6600" b="1" dirty="0">
                 <a:solidFill>
                   <a:sysClr val="windowText" lastClr="000000"/>
                 </a:solidFill>
@@ -2441,12 +2875,96 @@
                     <a:schemeClr val="bg1"/>
                   </a:glow>
                 </a:effectLst>
-                <a:latin typeface="VNI-Aptima" pitchFamily="2" charset="0"/>
-              </a:rPr>
-              <a:t>Ban aâm nhaïc thieân </a:t>
+                <a:latin typeface="VNI-Times" pitchFamily="2" charset="0"/>
+              </a:rPr>
+              <a:t>Ban </a:t>
+            </a:r>
+            <a:r>
+              <a:rPr lang="en-US" sz="6600" b="1" dirty="0" err="1">
+                <a:solidFill>
+                  <a:sysClr val="windowText" lastClr="000000"/>
+                </a:solidFill>
+                <a:effectLst>
+                  <a:glow rad="127000">
+                    <a:schemeClr val="bg1"/>
+                  </a:glow>
+                </a:effectLst>
+                <a:latin typeface="VNI-Times" pitchFamily="2" charset="0"/>
+              </a:rPr>
+              <a:t>aâm</a:t>
+            </a:r>
+            <a:r>
+              <a:rPr lang="en-US" sz="6600" b="1" dirty="0">
+                <a:solidFill>
+                  <a:sysClr val="windowText" lastClr="000000"/>
+                </a:solidFill>
+                <a:effectLst>
+                  <a:glow rad="127000">
+                    <a:schemeClr val="bg1"/>
+                  </a:glow>
+                </a:effectLst>
+                <a:latin typeface="VNI-Times" pitchFamily="2" charset="0"/>
+              </a:rPr>
+              <a:t> </a:t>
+            </a:r>
+            <a:r>
+              <a:rPr lang="en-US" sz="6600" b="1" dirty="0" err="1">
+                <a:solidFill>
+                  <a:sysClr val="windowText" lastClr="000000"/>
+                </a:solidFill>
+                <a:effectLst>
+                  <a:glow rad="127000">
+                    <a:schemeClr val="bg1"/>
+                  </a:glow>
+                </a:effectLst>
+                <a:latin typeface="VNI-Times" pitchFamily="2" charset="0"/>
+              </a:rPr>
+              <a:t>nhaïc</a:t>
+            </a:r>
+            <a:r>
+              <a:rPr lang="en-US" sz="6600" b="1" dirty="0">
+                <a:solidFill>
+                  <a:sysClr val="windowText" lastClr="000000"/>
+                </a:solidFill>
+                <a:effectLst>
+                  <a:glow rad="127000">
+                    <a:schemeClr val="bg1"/>
+                  </a:glow>
+                </a:effectLst>
+                <a:latin typeface="VNI-Times" pitchFamily="2" charset="0"/>
+              </a:rPr>
+              <a:t> </a:t>
+            </a:r>
+            <a:r>
+              <a:rPr lang="en-US" sz="6600" b="1" dirty="0" err="1">
+                <a:solidFill>
+                  <a:sysClr val="windowText" lastClr="000000"/>
+                </a:solidFill>
+                <a:effectLst>
+                  <a:glow rad="127000">
+                    <a:schemeClr val="bg1"/>
+                  </a:glow>
+                </a:effectLst>
+                <a:latin typeface="VNI-Times" pitchFamily="2" charset="0"/>
+              </a:rPr>
+              <a:t>thieân</a:t>
+            </a:r>
+            <a:r>
+              <a:rPr lang="en-US" sz="6600" b="1" dirty="0">
+                <a:solidFill>
+                  <a:sysClr val="windowText" lastClr="000000"/>
+                </a:solidFill>
+                <a:effectLst>
+                  <a:glow rad="127000">
+                    <a:schemeClr val="bg1"/>
+                  </a:glow>
+                </a:effectLst>
+                <a:latin typeface="VNI-Times" pitchFamily="2" charset="0"/>
+              </a:rPr>
+              <a:t> </a:t>
             </a:r>
             <a:br>
-              <a:rPr lang="en-US" sz="6600" b="1" smtClean="0">
+              <a:rPr lang="en-US" sz="6600" b="1" dirty="0">
                 <a:solidFill>
                   <a:sysClr val="windowText" lastClr="000000"/>
                 </a:solidFill>
@@ -2455,11 +2973,11 @@
                     <a:schemeClr val="bg1"/>
                   </a:glow>
                 </a:effectLst>
-                <a:latin typeface="VNI-Aptima" pitchFamily="2" charset="0"/>
+                <a:latin typeface="VNI-Times" pitchFamily="2" charset="0"/>
               </a:rPr>
             </a:br>
             <a:r>
-              <a:rPr lang="en-US" sz="6600" b="1" smtClean="0">
+              <a:rPr lang="en-US" sz="6600" b="1" dirty="0" err="1">
                 <a:solidFill>
                   <a:sysClr val="windowText" lastClr="000000"/>
                 </a:solidFill>
@@ -2468,12 +2986,138 @@
                     <a:schemeClr val="bg1"/>
                   </a:glow>
                 </a:effectLst>
-                <a:latin typeface="VNI-Aptima" pitchFamily="2" charset="0"/>
-              </a:rPr>
-              <a:t>söù ñeàu troãi vang leân </a:t>
+                <a:latin typeface="VNI-Times" pitchFamily="2" charset="0"/>
+              </a:rPr>
+              <a:t>söù</a:t>
+            </a:r>
+            <a:r>
+              <a:rPr lang="en-US" sz="6600" b="1" dirty="0">
+                <a:solidFill>
+                  <a:sysClr val="windowText" lastClr="000000"/>
+                </a:solidFill>
+                <a:effectLst>
+                  <a:glow rad="127000">
+                    <a:schemeClr val="bg1"/>
+                  </a:glow>
+                </a:effectLst>
+                <a:latin typeface="VNI-Times" pitchFamily="2" charset="0"/>
+              </a:rPr>
+              <a:t> </a:t>
+            </a:r>
+            <a:r>
+              <a:rPr lang="en-US" sz="6600" b="1" dirty="0" err="1">
+                <a:solidFill>
+                  <a:sysClr val="windowText" lastClr="000000"/>
+                </a:solidFill>
+                <a:effectLst>
+                  <a:glow rad="127000">
+                    <a:schemeClr val="bg1"/>
+                  </a:glow>
+                </a:effectLst>
+                <a:latin typeface="VNI-Times" pitchFamily="2" charset="0"/>
+              </a:rPr>
+              <a:t>ñeàu</a:t>
+            </a:r>
+            <a:r>
+              <a:rPr lang="en-US" sz="6600" b="1" dirty="0">
+                <a:solidFill>
+                  <a:sysClr val="windowText" lastClr="000000"/>
+                </a:solidFill>
+                <a:effectLst>
+                  <a:glow rad="127000">
+                    <a:schemeClr val="bg1"/>
+                  </a:glow>
+                </a:effectLst>
+                <a:latin typeface="VNI-Times" pitchFamily="2" charset="0"/>
+              </a:rPr>
+              <a:t> </a:t>
+            </a:r>
+            <a:r>
+              <a:rPr lang="en-US" sz="6600" b="1" dirty="0" err="1">
+                <a:solidFill>
+                  <a:sysClr val="windowText" lastClr="000000"/>
+                </a:solidFill>
+                <a:effectLst>
+                  <a:glow rad="127000">
+                    <a:schemeClr val="bg1"/>
+                  </a:glow>
+                </a:effectLst>
+                <a:latin typeface="VNI-Times" pitchFamily="2" charset="0"/>
+              </a:rPr>
+              <a:t>troãi</a:t>
+            </a:r>
+            <a:r>
+              <a:rPr lang="en-US" sz="6600" b="1" dirty="0">
+                <a:solidFill>
+                  <a:sysClr val="windowText" lastClr="000000"/>
+                </a:solidFill>
+                <a:effectLst>
+                  <a:glow rad="127000">
+                    <a:schemeClr val="bg1"/>
+                  </a:glow>
+                </a:effectLst>
+                <a:latin typeface="VNI-Times" pitchFamily="2" charset="0"/>
+              </a:rPr>
+              <a:t> </a:t>
+            </a:r>
+            <a:r>
+              <a:rPr lang="en-US" sz="6600" b="1" dirty="0" err="1">
+                <a:solidFill>
+                  <a:sysClr val="windowText" lastClr="000000"/>
+                </a:solidFill>
+                <a:effectLst>
+                  <a:glow rad="127000">
+                    <a:schemeClr val="bg1"/>
+                  </a:glow>
+                </a:effectLst>
+                <a:latin typeface="VNI-Times" pitchFamily="2" charset="0"/>
+              </a:rPr>
+              <a:t>vang</a:t>
+            </a:r>
+            <a:r>
+              <a:rPr lang="en-US" sz="6600" b="1" dirty="0">
+                <a:solidFill>
+                  <a:sysClr val="windowText" lastClr="000000"/>
+                </a:solidFill>
+                <a:effectLst>
+                  <a:glow rad="127000">
+                    <a:schemeClr val="bg1"/>
+                  </a:glow>
+                </a:effectLst>
+                <a:latin typeface="VNI-Times" pitchFamily="2" charset="0"/>
+              </a:rPr>
+              <a:t> </a:t>
+            </a:r>
+            <a:r>
+              <a:rPr lang="en-US" sz="6600" b="1" dirty="0" err="1">
+                <a:solidFill>
+                  <a:sysClr val="windowText" lastClr="000000"/>
+                </a:solidFill>
+                <a:effectLst>
+                  <a:glow rad="127000">
+                    <a:schemeClr val="bg1"/>
+                  </a:glow>
+                </a:effectLst>
+                <a:latin typeface="VNI-Times" pitchFamily="2" charset="0"/>
+              </a:rPr>
+              <a:t>leân</a:t>
+            </a:r>
+            <a:r>
+              <a:rPr lang="en-US" sz="6600" b="1" dirty="0">
+                <a:solidFill>
+                  <a:sysClr val="windowText" lastClr="000000"/>
+                </a:solidFill>
+                <a:effectLst>
+                  <a:glow rad="127000">
+                    <a:schemeClr val="bg1"/>
+                  </a:glow>
+                </a:effectLst>
+                <a:latin typeface="VNI-Times" pitchFamily="2" charset="0"/>
+              </a:rPr>
+              <a:t> </a:t>
             </a:r>
             <a:br>
-              <a:rPr lang="en-US" sz="6600" b="1" smtClean="0">
+              <a:rPr lang="en-US" sz="6600" b="1" dirty="0">
                 <a:solidFill>
                   <a:sysClr val="windowText" lastClr="000000"/>
                 </a:solidFill>
@@ -2482,11 +3126,11 @@
                     <a:schemeClr val="bg1"/>
                   </a:glow>
                 </a:effectLst>
-                <a:latin typeface="VNI-Aptima" pitchFamily="2" charset="0"/>
+                <a:latin typeface="VNI-Times" pitchFamily="2" charset="0"/>
               </a:rPr>
             </a:br>
             <a:r>
-              <a:rPr lang="en-US" sz="6600" b="1" smtClean="0">
+              <a:rPr lang="en-US" sz="6600" b="1" dirty="0" err="1">
                 <a:solidFill>
                   <a:sysClr val="windowText" lastClr="000000"/>
                 </a:solidFill>
@@ -2495,11 +3139,81 @@
                     <a:schemeClr val="bg1"/>
                   </a:glow>
                 </a:effectLst>
-                <a:latin typeface="VNI-Aptima" pitchFamily="2" charset="0"/>
-              </a:rPr>
-              <a:t>khuùc haân hoan.</a:t>
-            </a:r>
-            <a:endParaRPr lang="en-US" sz="6600" b="1">
+                <a:latin typeface="VNI-Times" pitchFamily="2" charset="0"/>
+              </a:rPr>
+              <a:t>khuùc</a:t>
+            </a:r>
+            <a:r>
+              <a:rPr lang="en-US" sz="6600" b="1" dirty="0">
+                <a:solidFill>
+                  <a:sysClr val="windowText" lastClr="000000"/>
+                </a:solidFill>
+                <a:effectLst>
+                  <a:glow rad="127000">
+                    <a:schemeClr val="bg1"/>
+                  </a:glow>
+                </a:effectLst>
+                <a:latin typeface="VNI-Times" pitchFamily="2" charset="0"/>
+              </a:rPr>
+              <a:t> </a:t>
+            </a:r>
+            <a:r>
+              <a:rPr lang="en-US" sz="6600" b="1" dirty="0" err="1">
+                <a:solidFill>
+                  <a:sysClr val="windowText" lastClr="000000"/>
+                </a:solidFill>
+                <a:effectLst>
+                  <a:glow rad="127000">
+                    <a:schemeClr val="bg1"/>
+                  </a:glow>
+                </a:effectLst>
+                <a:latin typeface="VNI-Times" pitchFamily="2" charset="0"/>
+              </a:rPr>
+              <a:t>haân</a:t>
+            </a:r>
+            <a:r>
+              <a:rPr lang="en-US" sz="6600" b="1" dirty="0">
+                <a:solidFill>
+                  <a:sysClr val="windowText" lastClr="000000"/>
+                </a:solidFill>
+                <a:effectLst>
+                  <a:glow rad="127000">
+                    <a:schemeClr val="bg1"/>
+                  </a:glow>
+                </a:effectLst>
+                <a:latin typeface="VNI-Times" pitchFamily="2" charset="0"/>
+              </a:rPr>
+              <a:t> </a:t>
+            </a:r>
+            <a:r>
+              <a:rPr lang="en-US" sz="6600" b="1" dirty="0" err="1">
+                <a:solidFill>
+                  <a:sysClr val="windowText" lastClr="000000"/>
+                </a:solidFill>
+                <a:effectLst>
+                  <a:glow rad="127000">
+                    <a:schemeClr val="bg1"/>
+                  </a:glow>
+                </a:effectLst>
+                <a:latin typeface="VNI-Times" pitchFamily="2" charset="0"/>
+              </a:rPr>
+              <a:t>hoan</a:t>
+            </a:r>
+            <a:r>
+              <a:rPr lang="en-US" sz="6600" b="1" dirty="0">
+                <a:solidFill>
+                  <a:sysClr val="windowText" lastClr="000000"/>
+                </a:solidFill>
+                <a:effectLst>
+                  <a:glow rad="127000">
+                    <a:schemeClr val="bg1"/>
+                  </a:glow>
+                </a:effectLst>
+                <a:latin typeface="VNI-Times" pitchFamily="2" charset="0"/>
+              </a:rPr>
+              <a:t>.</a:t>
+            </a:r>
+            <a:endParaRPr lang="en-US" sz="6600" b="1" dirty="0">
               <a:solidFill>
                 <a:prstClr val="black"/>
               </a:solidFill>
@@ -2508,7 +3222,7 @@
                   <a:prstClr val="white"/>
                 </a:glow>
               </a:effectLst>
-              <a:latin typeface="VNI-Aptima" pitchFamily="2" charset="0"/>
+              <a:latin typeface="VNI-Times" pitchFamily="2" charset="0"/>
             </a:endParaRPr>
           </a:p>
         </p:txBody>
@@ -2523,25 +3237,18 @@
   <p:clrMapOvr>
     <a:masterClrMapping/>
   </p:clrMapOvr>
-  <mc:AlternateContent xmlns:mc="http://schemas.openxmlformats.org/markup-compatibility/2006">
-    <mc:Choice xmlns:p14="http://schemas.microsoft.com/office/powerpoint/2010/main" Requires="p14">
+  <mc:AlternateContent xmlns:mc="http://schemas.openxmlformats.org/markup-compatibility/2006" xmlns:p14="http://schemas.microsoft.com/office/powerpoint/2010/main">
+    <mc:Choice Requires="p14">
       <p:transition spd="med" p14:dur="700">
         <p:fade/>
       </p:transition>
     </mc:Choice>
-    <mc:Fallback>
+    <mc:Fallback xmlns="">
       <p:transition spd="med">
         <p:fade/>
       </p:transition>
     </mc:Fallback>
   </mc:AlternateContent>
-  <p:timing>
-    <p:tnLst>
-      <p:par>
-        <p:cTn id="1" dur="indefinite" restart="never" nodeType="tmRoot"/>
-      </p:par>
-    </p:tnLst>
-  </p:timing>
 </p:sld>
 </file>
 
@@ -2600,7 +3307,7 @@
           <a:p>
             <a:pPr algn="ctr"/>
             <a:r>
-              <a:rPr lang="en-US" sz="3200" smtClean="0">
+              <a:rPr lang="en-US" sz="3200" b="1" dirty="0">
                 <a:solidFill>
                   <a:srgbClr val="C00000"/>
                 </a:solidFill>
@@ -2609,21 +3316,10 @@
                     <a:prstClr val="white"/>
                   </a:glow>
                 </a:effectLst>
-                <a:latin typeface="HP-Kabel" pitchFamily="34" charset="0"/>
+                <a:latin typeface="VNI-Times" pitchFamily="2" charset="0"/>
               </a:rPr>
               <a:t>THAÙNH CA 55 – HÔÕI MOÂN ÑOÀ TRUNG TÍN</a:t>
             </a:r>
-            <a:endParaRPr lang="en-US" sz="3200">
-              <a:solidFill>
-                <a:srgbClr val="C00000"/>
-              </a:solidFill>
-              <a:effectLst>
-                <a:glow rad="127000">
-                  <a:prstClr val="white"/>
-                </a:glow>
-              </a:effectLst>
-              <a:latin typeface="HP-Kabel" pitchFamily="34" charset="0"/>
-            </a:endParaRPr>
           </a:p>
         </p:txBody>
       </p:sp>
@@ -2651,45 +3347,269 @@
           <a:p>
             <a:pPr algn="ctr"/>
             <a:r>
-              <a:rPr lang="en-US" sz="6600" b="1" smtClean="0">
-                <a:solidFill>
-                  <a:sysClr val="windowText" lastClr="000000"/>
-                </a:solidFill>
-                <a:effectLst>
-                  <a:glow rad="127000">
-                    <a:prstClr val="white"/>
-                  </a:glow>
-                </a:effectLst>
-                <a:latin typeface="VNI-Aptima" pitchFamily="2" charset="0"/>
-              </a:rPr>
-              <a:t>Thieân daân mau ñoàng thanh ca xöôùng ñieäu </a:t>
+              <a:rPr lang="en-US" sz="6600" b="1" dirty="0" err="1">
+                <a:solidFill>
+                  <a:sysClr val="windowText" lastClr="000000"/>
+                </a:solidFill>
+                <a:effectLst>
+                  <a:glow rad="127000">
+                    <a:prstClr val="white"/>
+                  </a:glow>
+                </a:effectLst>
+                <a:latin typeface="VNI-Times" pitchFamily="2" charset="0"/>
+              </a:rPr>
+              <a:t>Thieân</a:t>
+            </a:r>
+            <a:r>
+              <a:rPr lang="en-US" sz="6600" b="1" dirty="0">
+                <a:solidFill>
+                  <a:sysClr val="windowText" lastClr="000000"/>
+                </a:solidFill>
+                <a:effectLst>
+                  <a:glow rad="127000">
+                    <a:prstClr val="white"/>
+                  </a:glow>
+                </a:effectLst>
+                <a:latin typeface="VNI-Times" pitchFamily="2" charset="0"/>
+              </a:rPr>
+              <a:t> </a:t>
+            </a:r>
+            <a:r>
+              <a:rPr lang="en-US" sz="6600" b="1" dirty="0" err="1">
+                <a:solidFill>
+                  <a:sysClr val="windowText" lastClr="000000"/>
+                </a:solidFill>
+                <a:effectLst>
+                  <a:glow rad="127000">
+                    <a:prstClr val="white"/>
+                  </a:glow>
+                </a:effectLst>
+                <a:latin typeface="VNI-Times" pitchFamily="2" charset="0"/>
+              </a:rPr>
+              <a:t>daân</a:t>
+            </a:r>
+            <a:r>
+              <a:rPr lang="en-US" sz="6600" b="1" dirty="0">
+                <a:solidFill>
+                  <a:sysClr val="windowText" lastClr="000000"/>
+                </a:solidFill>
+                <a:effectLst>
+                  <a:glow rad="127000">
+                    <a:prstClr val="white"/>
+                  </a:glow>
+                </a:effectLst>
+                <a:latin typeface="VNI-Times" pitchFamily="2" charset="0"/>
+              </a:rPr>
+              <a:t> </a:t>
+            </a:r>
+            <a:r>
+              <a:rPr lang="en-US" sz="6600" b="1" dirty="0" err="1">
+                <a:solidFill>
+                  <a:sysClr val="windowText" lastClr="000000"/>
+                </a:solidFill>
+                <a:effectLst>
+                  <a:glow rad="127000">
+                    <a:prstClr val="white"/>
+                  </a:glow>
+                </a:effectLst>
+                <a:latin typeface="VNI-Times" pitchFamily="2" charset="0"/>
+              </a:rPr>
+              <a:t>mau</a:t>
+            </a:r>
+            <a:r>
+              <a:rPr lang="en-US" sz="6600" b="1" dirty="0">
+                <a:solidFill>
+                  <a:sysClr val="windowText" lastClr="000000"/>
+                </a:solidFill>
+                <a:effectLst>
+                  <a:glow rad="127000">
+                    <a:prstClr val="white"/>
+                  </a:glow>
+                </a:effectLst>
+                <a:latin typeface="VNI-Times" pitchFamily="2" charset="0"/>
+              </a:rPr>
+              <a:t> </a:t>
+            </a:r>
+            <a:r>
+              <a:rPr lang="en-US" sz="6600" b="1" dirty="0" err="1">
+                <a:solidFill>
+                  <a:sysClr val="windowText" lastClr="000000"/>
+                </a:solidFill>
+                <a:effectLst>
+                  <a:glow rad="127000">
+                    <a:prstClr val="white"/>
+                  </a:glow>
+                </a:effectLst>
+                <a:latin typeface="VNI-Times" pitchFamily="2" charset="0"/>
+              </a:rPr>
+              <a:t>ñoàng</a:t>
+            </a:r>
+            <a:r>
+              <a:rPr lang="en-US" sz="6600" b="1" dirty="0">
+                <a:solidFill>
+                  <a:sysClr val="windowText" lastClr="000000"/>
+                </a:solidFill>
+                <a:effectLst>
+                  <a:glow rad="127000">
+                    <a:prstClr val="white"/>
+                  </a:glow>
+                </a:effectLst>
+                <a:latin typeface="VNI-Times" pitchFamily="2" charset="0"/>
+              </a:rPr>
+              <a:t> </a:t>
+            </a:r>
+            <a:r>
+              <a:rPr lang="en-US" sz="6600" b="1" dirty="0" err="1">
+                <a:solidFill>
+                  <a:sysClr val="windowText" lastClr="000000"/>
+                </a:solidFill>
+                <a:effectLst>
+                  <a:glow rad="127000">
+                    <a:prstClr val="white"/>
+                  </a:glow>
+                </a:effectLst>
+                <a:latin typeface="VNI-Times" pitchFamily="2" charset="0"/>
+              </a:rPr>
+              <a:t>thanh</a:t>
+            </a:r>
+            <a:r>
+              <a:rPr lang="en-US" sz="6600" b="1" dirty="0">
+                <a:solidFill>
+                  <a:sysClr val="windowText" lastClr="000000"/>
+                </a:solidFill>
+                <a:effectLst>
+                  <a:glow rad="127000">
+                    <a:prstClr val="white"/>
+                  </a:glow>
+                </a:effectLst>
+                <a:latin typeface="VNI-Times" pitchFamily="2" charset="0"/>
+              </a:rPr>
+              <a:t> ca </a:t>
+            </a:r>
+            <a:r>
+              <a:rPr lang="en-US" sz="6600" b="1" dirty="0" err="1">
+                <a:solidFill>
+                  <a:sysClr val="windowText" lastClr="000000"/>
+                </a:solidFill>
+                <a:effectLst>
+                  <a:glow rad="127000">
+                    <a:prstClr val="white"/>
+                  </a:glow>
+                </a:effectLst>
+                <a:latin typeface="VNI-Times" pitchFamily="2" charset="0"/>
+              </a:rPr>
+              <a:t>xöôùng</a:t>
+            </a:r>
+            <a:r>
+              <a:rPr lang="en-US" sz="6600" b="1" dirty="0">
+                <a:solidFill>
+                  <a:sysClr val="windowText" lastClr="000000"/>
+                </a:solidFill>
+                <a:effectLst>
+                  <a:glow rad="127000">
+                    <a:prstClr val="white"/>
+                  </a:glow>
+                </a:effectLst>
+                <a:latin typeface="VNI-Times" pitchFamily="2" charset="0"/>
+              </a:rPr>
+              <a:t> </a:t>
+            </a:r>
+            <a:r>
+              <a:rPr lang="en-US" sz="6600" b="1" dirty="0" err="1">
+                <a:solidFill>
+                  <a:sysClr val="windowText" lastClr="000000"/>
+                </a:solidFill>
+                <a:effectLst>
+                  <a:glow rad="127000">
+                    <a:prstClr val="white"/>
+                  </a:glow>
+                </a:effectLst>
+                <a:latin typeface="VNI-Times" pitchFamily="2" charset="0"/>
+              </a:rPr>
+              <a:t>ñieäu</a:t>
+            </a:r>
+            <a:r>
+              <a:rPr lang="en-US" sz="6600" b="1" dirty="0">
+                <a:solidFill>
+                  <a:sysClr val="windowText" lastClr="000000"/>
+                </a:solidFill>
+                <a:effectLst>
+                  <a:glow rad="127000">
+                    <a:prstClr val="white"/>
+                  </a:glow>
+                </a:effectLst>
+                <a:latin typeface="VNI-Times" pitchFamily="2" charset="0"/>
+              </a:rPr>
+              <a:t> </a:t>
             </a:r>
             <a:br>
-              <a:rPr lang="en-US" sz="6600" b="1" smtClean="0">
-                <a:solidFill>
-                  <a:sysClr val="windowText" lastClr="000000"/>
-                </a:solidFill>
-                <a:effectLst>
-                  <a:glow rad="127000">
-                    <a:prstClr val="white"/>
-                  </a:glow>
-                </a:effectLst>
-                <a:latin typeface="VNI-Aptima" pitchFamily="2" charset="0"/>
+              <a:rPr lang="en-US" sz="6600" b="1" dirty="0">
+                <a:solidFill>
+                  <a:sysClr val="windowText" lastClr="000000"/>
+                </a:solidFill>
+                <a:effectLst>
+                  <a:glow rad="127000">
+                    <a:prstClr val="white"/>
+                  </a:glow>
+                </a:effectLst>
+                <a:latin typeface="VNI-Times" pitchFamily="2" charset="0"/>
               </a:rPr>
             </a:br>
             <a:r>
-              <a:rPr lang="en-US" sz="6600" b="1" smtClean="0">
-                <a:solidFill>
-                  <a:sysClr val="windowText" lastClr="000000"/>
-                </a:solidFill>
-                <a:effectLst>
-                  <a:glow rad="127000">
-                    <a:prstClr val="white"/>
-                  </a:glow>
-                </a:effectLst>
-                <a:latin typeface="VNI-Aptima" pitchFamily="2" charset="0"/>
-              </a:rPr>
-              <a:t>nhòp nhaøng.</a:t>
+              <a:rPr lang="en-US" sz="6600" b="1" dirty="0" err="1">
+                <a:solidFill>
+                  <a:sysClr val="windowText" lastClr="000000"/>
+                </a:solidFill>
+                <a:effectLst>
+                  <a:glow rad="127000">
+                    <a:prstClr val="white"/>
+                  </a:glow>
+                </a:effectLst>
+                <a:latin typeface="VNI-Times" pitchFamily="2" charset="0"/>
+              </a:rPr>
+              <a:t>nhòp</a:t>
+            </a:r>
+            <a:r>
+              <a:rPr lang="en-US" sz="6600" b="1" dirty="0">
+                <a:solidFill>
+                  <a:sysClr val="windowText" lastClr="000000"/>
+                </a:solidFill>
+                <a:effectLst>
+                  <a:glow rad="127000">
+                    <a:prstClr val="white"/>
+                  </a:glow>
+                </a:effectLst>
+                <a:latin typeface="VNI-Times" pitchFamily="2" charset="0"/>
+              </a:rPr>
+              <a:t> </a:t>
+            </a:r>
+            <a:r>
+              <a:rPr lang="en-US" sz="6600" b="1" dirty="0" err="1">
+                <a:solidFill>
+                  <a:sysClr val="windowText" lastClr="000000"/>
+                </a:solidFill>
+                <a:effectLst>
+                  <a:glow rad="127000">
+                    <a:prstClr val="white"/>
+                  </a:glow>
+                </a:effectLst>
+                <a:latin typeface="VNI-Times" pitchFamily="2" charset="0"/>
+              </a:rPr>
+              <a:t>nhaøng</a:t>
+            </a:r>
+            <a:r>
+              <a:rPr lang="en-US" sz="6600" b="1" dirty="0">
+                <a:solidFill>
+                  <a:sysClr val="windowText" lastClr="000000"/>
+                </a:solidFill>
+                <a:effectLst>
+                  <a:glow rad="127000">
+                    <a:prstClr val="white"/>
+                  </a:glow>
+                </a:effectLst>
+                <a:latin typeface="VNI-Times" pitchFamily="2" charset="0"/>
+              </a:rPr>
+              <a:t>.</a:t>
             </a:r>
           </a:p>
         </p:txBody>
@@ -2704,21 +3624,6 @@
   <p:clrMapOvr>
     <a:overrideClrMapping bg1="lt1" tx1="dk1" bg2="lt2" tx2="dk2" accent1="accent1" accent2="accent2" accent3="accent3" accent4="accent4" accent5="accent5" accent6="accent6" hlink="hlink" folHlink="folHlink"/>
   </p:clrMapOvr>
-  <mc:AlternateContent xmlns:mc="http://schemas.openxmlformats.org/markup-compatibility/2006" xmlns:p14="http://schemas.microsoft.com/office/powerpoint/2010/main">
-    <mc:Choice Requires="p14">
-      <p:transition p14:dur="0"/>
-    </mc:Choice>
-    <mc:Fallback xmlns="">
-      <p:transition/>
-    </mc:Fallback>
-  </mc:AlternateContent>
-  <p:timing>
-    <p:tnLst>
-      <p:par>
-        <p:cTn id="1" dur="indefinite" restart="never" nodeType="tmRoot"/>
-      </p:par>
-    </p:tnLst>
-  </p:timing>
 </p:sld>
 </file>
 
@@ -2777,7 +3682,7 @@
           <a:p>
             <a:pPr algn="ctr"/>
             <a:r>
-              <a:rPr lang="en-US" sz="3200" smtClean="0">
+              <a:rPr lang="en-US" sz="3200" b="1" dirty="0">
                 <a:solidFill>
                   <a:srgbClr val="C00000"/>
                 </a:solidFill>
@@ -2786,21 +3691,10 @@
                     <a:prstClr val="white"/>
                   </a:glow>
                 </a:effectLst>
-                <a:latin typeface="HP-Kabel" pitchFamily="34" charset="0"/>
+                <a:latin typeface="VNI-Times" pitchFamily="2" charset="0"/>
               </a:rPr>
               <a:t>THAÙNH CA 55 – HÔÕI MOÂN ÑOÀ TRUNG TÍN</a:t>
             </a:r>
-            <a:endParaRPr lang="en-US" sz="3200">
-              <a:solidFill>
-                <a:srgbClr val="C00000"/>
-              </a:solidFill>
-              <a:effectLst>
-                <a:glow rad="127000">
-                  <a:prstClr val="white"/>
-                </a:glow>
-              </a:effectLst>
-              <a:latin typeface="HP-Kabel" pitchFamily="34" charset="0"/>
-            </a:endParaRPr>
           </a:p>
         </p:txBody>
       </p:sp>
@@ -2828,72 +3722,310 @@
           <a:p>
             <a:pPr algn="ctr"/>
             <a:r>
-              <a:rPr lang="en-US" sz="6600" b="1" smtClean="0">
-                <a:solidFill>
-                  <a:sysClr val="windowText" lastClr="000000"/>
-                </a:solidFill>
-                <a:effectLst>
-                  <a:glow rad="127000">
-                    <a:prstClr val="white"/>
-                  </a:glow>
-                </a:effectLst>
-                <a:latin typeface="VNI-Aptima" pitchFamily="2" charset="0"/>
-              </a:rPr>
-              <a:t>Saùng danh Cha nôi </a:t>
+              <a:rPr lang="en-US" sz="6600" b="1" dirty="0" err="1">
+                <a:solidFill>
+                  <a:sysClr val="windowText" lastClr="000000"/>
+                </a:solidFill>
+                <a:effectLst>
+                  <a:glow rad="127000">
+                    <a:prstClr val="white"/>
+                  </a:glow>
+                </a:effectLst>
+                <a:latin typeface="VNI-Times" pitchFamily="2" charset="0"/>
+              </a:rPr>
+              <a:t>Saùng</a:t>
+            </a:r>
+            <a:r>
+              <a:rPr lang="en-US" sz="6600" b="1" dirty="0">
+                <a:solidFill>
+                  <a:sysClr val="windowText" lastClr="000000"/>
+                </a:solidFill>
+                <a:effectLst>
+                  <a:glow rad="127000">
+                    <a:prstClr val="white"/>
+                  </a:glow>
+                </a:effectLst>
+                <a:latin typeface="VNI-Times" pitchFamily="2" charset="0"/>
+              </a:rPr>
+              <a:t> </a:t>
+            </a:r>
+            <a:r>
+              <a:rPr lang="en-US" sz="6600" b="1" dirty="0" err="1">
+                <a:solidFill>
+                  <a:sysClr val="windowText" lastClr="000000"/>
+                </a:solidFill>
+                <a:effectLst>
+                  <a:glow rad="127000">
+                    <a:prstClr val="white"/>
+                  </a:glow>
+                </a:effectLst>
+                <a:latin typeface="VNI-Times" pitchFamily="2" charset="0"/>
+              </a:rPr>
+              <a:t>danh</a:t>
+            </a:r>
+            <a:r>
+              <a:rPr lang="en-US" sz="6600" b="1" dirty="0">
+                <a:solidFill>
+                  <a:sysClr val="windowText" lastClr="000000"/>
+                </a:solidFill>
+                <a:effectLst>
+                  <a:glow rad="127000">
+                    <a:prstClr val="white"/>
+                  </a:glow>
+                </a:effectLst>
+                <a:latin typeface="VNI-Times" pitchFamily="2" charset="0"/>
+              </a:rPr>
+              <a:t> Cha </a:t>
+            </a:r>
+            <a:r>
+              <a:rPr lang="en-US" sz="6600" b="1" dirty="0" err="1">
+                <a:solidFill>
+                  <a:sysClr val="windowText" lastClr="000000"/>
+                </a:solidFill>
+                <a:effectLst>
+                  <a:glow rad="127000">
+                    <a:prstClr val="white"/>
+                  </a:glow>
+                </a:effectLst>
+                <a:latin typeface="VNI-Times" pitchFamily="2" charset="0"/>
+              </a:rPr>
+              <a:t>nôi</a:t>
+            </a:r>
+            <a:r>
+              <a:rPr lang="en-US" sz="6600" b="1" dirty="0">
+                <a:solidFill>
+                  <a:sysClr val="windowText" lastClr="000000"/>
+                </a:solidFill>
+                <a:effectLst>
+                  <a:glow rad="127000">
+                    <a:prstClr val="white"/>
+                  </a:glow>
+                </a:effectLst>
+                <a:latin typeface="VNI-Times" pitchFamily="2" charset="0"/>
+              </a:rPr>
+              <a:t> </a:t>
             </a:r>
             <a:br>
-              <a:rPr lang="en-US" sz="6600" b="1" smtClean="0">
-                <a:solidFill>
-                  <a:sysClr val="windowText" lastClr="000000"/>
-                </a:solidFill>
-                <a:effectLst>
-                  <a:glow rad="127000">
-                    <a:prstClr val="white"/>
-                  </a:glow>
-                </a:effectLst>
-                <a:latin typeface="VNI-Aptima" pitchFamily="2" charset="0"/>
+              <a:rPr lang="en-US" sz="6600" b="1" dirty="0">
+                <a:solidFill>
+                  <a:sysClr val="windowText" lastClr="000000"/>
+                </a:solidFill>
+                <a:effectLst>
+                  <a:glow rad="127000">
+                    <a:prstClr val="white"/>
+                  </a:glow>
+                </a:effectLst>
+                <a:latin typeface="VNI-Times" pitchFamily="2" charset="0"/>
               </a:rPr>
             </a:br>
             <a:r>
-              <a:rPr lang="en-US" sz="6600" b="1" smtClean="0">
-                <a:solidFill>
-                  <a:sysClr val="windowText" lastClr="000000"/>
-                </a:solidFill>
-                <a:effectLst>
-                  <a:glow rad="127000">
-                    <a:prstClr val="white"/>
-                  </a:glow>
-                </a:effectLst>
-                <a:latin typeface="VNI-Aptima" pitchFamily="2" charset="0"/>
-              </a:rPr>
-              <a:t>cao, vinh hieån quy </a:t>
+              <a:rPr lang="en-US" sz="6600" b="1" dirty="0" err="1">
+                <a:solidFill>
+                  <a:sysClr val="windowText" lastClr="000000"/>
+                </a:solidFill>
+                <a:effectLst>
+                  <a:glow rad="127000">
+                    <a:prstClr val="white"/>
+                  </a:glow>
+                </a:effectLst>
+                <a:latin typeface="VNI-Times" pitchFamily="2" charset="0"/>
+              </a:rPr>
+              <a:t>cao</a:t>
+            </a:r>
+            <a:r>
+              <a:rPr lang="en-US" sz="6600" b="1" dirty="0">
+                <a:solidFill>
+                  <a:sysClr val="windowText" lastClr="000000"/>
+                </a:solidFill>
+                <a:effectLst>
+                  <a:glow rad="127000">
+                    <a:prstClr val="white"/>
+                  </a:glow>
+                </a:effectLst>
+                <a:latin typeface="VNI-Times" pitchFamily="2" charset="0"/>
+              </a:rPr>
+              <a:t>, </a:t>
+            </a:r>
+            <a:r>
+              <a:rPr lang="en-US" sz="6600" b="1" dirty="0" err="1">
+                <a:solidFill>
+                  <a:sysClr val="windowText" lastClr="000000"/>
+                </a:solidFill>
+                <a:effectLst>
+                  <a:glow rad="127000">
+                    <a:prstClr val="white"/>
+                  </a:glow>
+                </a:effectLst>
+                <a:latin typeface="VNI-Times" pitchFamily="2" charset="0"/>
+              </a:rPr>
+              <a:t>vinh</a:t>
+            </a:r>
+            <a:r>
+              <a:rPr lang="en-US" sz="6600" b="1" dirty="0">
+                <a:solidFill>
+                  <a:sysClr val="windowText" lastClr="000000"/>
+                </a:solidFill>
+                <a:effectLst>
+                  <a:glow rad="127000">
+                    <a:prstClr val="white"/>
+                  </a:glow>
+                </a:effectLst>
+                <a:latin typeface="VNI-Times" pitchFamily="2" charset="0"/>
+              </a:rPr>
+              <a:t> </a:t>
+            </a:r>
+            <a:r>
+              <a:rPr lang="en-US" sz="6600" b="1" dirty="0" err="1">
+                <a:solidFill>
+                  <a:sysClr val="windowText" lastClr="000000"/>
+                </a:solidFill>
+                <a:effectLst>
+                  <a:glow rad="127000">
+                    <a:prstClr val="white"/>
+                  </a:glow>
+                </a:effectLst>
+                <a:latin typeface="VNI-Times" pitchFamily="2" charset="0"/>
+              </a:rPr>
+              <a:t>hieån</a:t>
+            </a:r>
+            <a:r>
+              <a:rPr lang="en-US" sz="6600" b="1" dirty="0">
+                <a:solidFill>
+                  <a:sysClr val="windowText" lastClr="000000"/>
+                </a:solidFill>
+                <a:effectLst>
+                  <a:glow rad="127000">
+                    <a:prstClr val="white"/>
+                  </a:glow>
+                </a:effectLst>
+                <a:latin typeface="VNI-Times" pitchFamily="2" charset="0"/>
+              </a:rPr>
+              <a:t> </a:t>
+            </a:r>
+            <a:r>
+              <a:rPr lang="en-US" sz="6600" b="1" dirty="0" err="1">
+                <a:solidFill>
+                  <a:sysClr val="windowText" lastClr="000000"/>
+                </a:solidFill>
+                <a:effectLst>
+                  <a:glow rad="127000">
+                    <a:prstClr val="white"/>
+                  </a:glow>
+                </a:effectLst>
+                <a:latin typeface="VNI-Times" pitchFamily="2" charset="0"/>
+              </a:rPr>
+              <a:t>quy</a:t>
+            </a:r>
+            <a:r>
+              <a:rPr lang="en-US" sz="6600" b="1" dirty="0">
+                <a:solidFill>
+                  <a:sysClr val="windowText" lastClr="000000"/>
+                </a:solidFill>
+                <a:effectLst>
+                  <a:glow rad="127000">
+                    <a:prstClr val="white"/>
+                  </a:glow>
+                </a:effectLst>
+                <a:latin typeface="VNI-Times" pitchFamily="2" charset="0"/>
+              </a:rPr>
+              <a:t> </a:t>
             </a:r>
             <a:br>
-              <a:rPr lang="en-US" sz="6600" b="1" smtClean="0">
-                <a:solidFill>
-                  <a:sysClr val="windowText" lastClr="000000"/>
-                </a:solidFill>
-                <a:effectLst>
-                  <a:glow rad="127000">
-                    <a:prstClr val="white"/>
-                  </a:glow>
-                </a:effectLst>
-                <a:latin typeface="VNI-Aptima" pitchFamily="2" charset="0"/>
+              <a:rPr lang="en-US" sz="6600" b="1" dirty="0">
+                <a:solidFill>
+                  <a:sysClr val="windowText" lastClr="000000"/>
+                </a:solidFill>
+                <a:effectLst>
+                  <a:glow rad="127000">
+                    <a:prstClr val="white"/>
+                  </a:glow>
+                </a:effectLst>
+                <a:latin typeface="VNI-Times" pitchFamily="2" charset="0"/>
               </a:rPr>
             </a:br>
             <a:r>
-              <a:rPr lang="en-US" sz="6600" b="1" smtClean="0">
-                <a:solidFill>
-                  <a:sysClr val="windowText" lastClr="000000"/>
-                </a:solidFill>
-                <a:effectLst>
-                  <a:glow rad="127000">
-                    <a:prstClr val="white"/>
-                  </a:glow>
-                </a:effectLst>
-                <a:latin typeface="VNI-Aptima" pitchFamily="2" charset="0"/>
-              </a:rPr>
-              <a:t>Chuùa moïi ñaøng!</a:t>
+              <a:rPr lang="en-US" sz="6600" b="1" dirty="0" err="1">
+                <a:solidFill>
+                  <a:sysClr val="windowText" lastClr="000000"/>
+                </a:solidFill>
+                <a:effectLst>
+                  <a:glow rad="127000">
+                    <a:prstClr val="white"/>
+                  </a:glow>
+                </a:effectLst>
+                <a:latin typeface="VNI-Times" pitchFamily="2" charset="0"/>
+              </a:rPr>
+              <a:t>Chuùa</a:t>
+            </a:r>
+            <a:r>
+              <a:rPr lang="en-US" sz="6600" b="1" dirty="0">
+                <a:solidFill>
+                  <a:sysClr val="windowText" lastClr="000000"/>
+                </a:solidFill>
+                <a:effectLst>
+                  <a:glow rad="127000">
+                    <a:prstClr val="white"/>
+                  </a:glow>
+                </a:effectLst>
+                <a:latin typeface="VNI-Times" pitchFamily="2" charset="0"/>
+              </a:rPr>
+              <a:t> </a:t>
+            </a:r>
+            <a:r>
+              <a:rPr lang="en-US" sz="6600" b="1" dirty="0" err="1">
+                <a:solidFill>
+                  <a:sysClr val="windowText" lastClr="000000"/>
+                </a:solidFill>
+                <a:effectLst>
+                  <a:glow rad="127000">
+                    <a:prstClr val="white"/>
+                  </a:glow>
+                </a:effectLst>
+                <a:latin typeface="VNI-Times" pitchFamily="2" charset="0"/>
+              </a:rPr>
+              <a:t>moïi</a:t>
+            </a:r>
+            <a:r>
+              <a:rPr lang="en-US" sz="6600" b="1" dirty="0">
+                <a:solidFill>
+                  <a:sysClr val="windowText" lastClr="000000"/>
+                </a:solidFill>
+                <a:effectLst>
+                  <a:glow rad="127000">
+                    <a:prstClr val="white"/>
+                  </a:glow>
+                </a:effectLst>
+                <a:latin typeface="VNI-Times" pitchFamily="2" charset="0"/>
+              </a:rPr>
+              <a:t> </a:t>
+            </a:r>
+            <a:r>
+              <a:rPr lang="en-US" sz="6600" b="1" dirty="0" err="1">
+                <a:solidFill>
+                  <a:sysClr val="windowText" lastClr="000000"/>
+                </a:solidFill>
+                <a:effectLst>
+                  <a:glow rad="127000">
+                    <a:prstClr val="white"/>
+                  </a:glow>
+                </a:effectLst>
+                <a:latin typeface="VNI-Times" pitchFamily="2" charset="0"/>
+              </a:rPr>
+              <a:t>ñaøng</a:t>
+            </a:r>
+            <a:r>
+              <a:rPr lang="en-US" sz="6600" b="1" dirty="0">
+                <a:solidFill>
+                  <a:sysClr val="windowText" lastClr="000000"/>
+                </a:solidFill>
+                <a:effectLst>
+                  <a:glow rad="127000">
+                    <a:prstClr val="white"/>
+                  </a:glow>
+                </a:effectLst>
+                <a:latin typeface="VNI-Times" pitchFamily="2" charset="0"/>
+              </a:rPr>
+              <a:t>!</a:t>
             </a:r>
           </a:p>
         </p:txBody>
@@ -2908,21 +4040,6 @@
   <p:clrMapOvr>
     <a:overrideClrMapping bg1="lt1" tx1="dk1" bg2="lt2" tx2="dk2" accent1="accent1" accent2="accent2" accent3="accent3" accent4="accent4" accent5="accent5" accent6="accent6" hlink="hlink" folHlink="folHlink"/>
   </p:clrMapOvr>
-  <mc:AlternateContent xmlns:mc="http://schemas.openxmlformats.org/markup-compatibility/2006" xmlns:p14="http://schemas.microsoft.com/office/powerpoint/2010/main">
-    <mc:Choice Requires="p14">
-      <p:transition p14:dur="0"/>
-    </mc:Choice>
-    <mc:Fallback xmlns="">
-      <p:transition/>
-    </mc:Fallback>
-  </mc:AlternateContent>
-  <p:timing>
-    <p:tnLst>
-      <p:par>
-        <p:cTn id="1" dur="indefinite" restart="never" nodeType="tmRoot"/>
-      </p:par>
-    </p:tnLst>
-  </p:timing>
 </p:sld>
 </file>
 
@@ -2981,7 +4098,7 @@
           <a:p>
             <a:pPr algn="ctr"/>
             <a:r>
-              <a:rPr lang="en-US" sz="3200" smtClean="0">
+              <a:rPr lang="en-US" sz="3200" b="1" dirty="0">
                 <a:solidFill>
                   <a:srgbClr val="C00000"/>
                 </a:solidFill>
@@ -2990,21 +4107,10 @@
                     <a:prstClr val="white"/>
                   </a:glow>
                 </a:effectLst>
-                <a:latin typeface="HP-Kabel" pitchFamily="34" charset="0"/>
+                <a:latin typeface="VNI-Times" pitchFamily="2" charset="0"/>
               </a:rPr>
               <a:t>THAÙNH CA 55 – HÔÕI MOÂN ÑOÀ TRUNG TÍN</a:t>
             </a:r>
-            <a:endParaRPr lang="en-US" sz="3200">
-              <a:solidFill>
-                <a:srgbClr val="C00000"/>
-              </a:solidFill>
-              <a:effectLst>
-                <a:glow rad="127000">
-                  <a:prstClr val="white"/>
-                </a:glow>
-              </a:effectLst>
-              <a:latin typeface="HP-Kabel" pitchFamily="34" charset="0"/>
-            </a:endParaRPr>
           </a:p>
         </p:txBody>
       </p:sp>
@@ -3032,113 +4138,435 @@
           <a:p>
             <a:pPr algn="ctr"/>
             <a:r>
-              <a:rPr lang="en-US" sz="4400" b="1" i="1" u="sng" smtClean="0">
-                <a:solidFill>
-                  <a:sysClr val="windowText" lastClr="000000"/>
-                </a:solidFill>
-                <a:effectLst>
-                  <a:glow rad="127000">
-                    <a:prstClr val="white"/>
-                  </a:glow>
-                </a:effectLst>
-                <a:latin typeface="VNI-Aptima" pitchFamily="2" charset="0"/>
+              <a:rPr lang="en-US" sz="4400" b="1" u="sng" dirty="0">
+                <a:solidFill>
+                  <a:sysClr val="windowText" lastClr="000000"/>
+                </a:solidFill>
+                <a:effectLst>
+                  <a:glow rad="127000">
+                    <a:prstClr val="white"/>
+                  </a:glow>
+                </a:effectLst>
+                <a:latin typeface="VNI-Times" pitchFamily="2" charset="0"/>
               </a:rPr>
               <a:t>ÑK:</a:t>
             </a:r>
             <a:r>
-              <a:rPr lang="en-US" sz="6600" b="1" smtClean="0">
-                <a:solidFill>
-                  <a:sysClr val="windowText" lastClr="000000"/>
-                </a:solidFill>
-                <a:effectLst>
-                  <a:glow rad="127000">
-                    <a:prstClr val="white"/>
-                  </a:glow>
-                </a:effectLst>
-                <a:latin typeface="VNI-Aptima" pitchFamily="2" charset="0"/>
-              </a:rPr>
-              <a:t> Mau mau cuøng </a:t>
+              <a:rPr lang="en-US" sz="6600" b="1" dirty="0">
+                <a:solidFill>
+                  <a:sysClr val="windowText" lastClr="000000"/>
+                </a:solidFill>
+                <a:effectLst>
+                  <a:glow rad="127000">
+                    <a:prstClr val="white"/>
+                  </a:glow>
+                </a:effectLst>
+                <a:latin typeface="VNI-Times" pitchFamily="2" charset="0"/>
+              </a:rPr>
+              <a:t> Mau </a:t>
+            </a:r>
+            <a:r>
+              <a:rPr lang="en-US" sz="6600" b="1" dirty="0" err="1">
+                <a:solidFill>
+                  <a:sysClr val="windowText" lastClr="000000"/>
+                </a:solidFill>
+                <a:effectLst>
+                  <a:glow rad="127000">
+                    <a:prstClr val="white"/>
+                  </a:glow>
+                </a:effectLst>
+                <a:latin typeface="VNI-Times" pitchFamily="2" charset="0"/>
+              </a:rPr>
+              <a:t>mau</a:t>
+            </a:r>
+            <a:r>
+              <a:rPr lang="en-US" sz="6600" b="1" dirty="0">
+                <a:solidFill>
+                  <a:sysClr val="windowText" lastClr="000000"/>
+                </a:solidFill>
+                <a:effectLst>
+                  <a:glow rad="127000">
+                    <a:prstClr val="white"/>
+                  </a:glow>
+                </a:effectLst>
+                <a:latin typeface="VNI-Times" pitchFamily="2" charset="0"/>
+              </a:rPr>
+              <a:t> </a:t>
+            </a:r>
+            <a:r>
+              <a:rPr lang="en-US" sz="6600" b="1" dirty="0" err="1">
+                <a:solidFill>
+                  <a:sysClr val="windowText" lastClr="000000"/>
+                </a:solidFill>
+                <a:effectLst>
+                  <a:glow rad="127000">
+                    <a:prstClr val="white"/>
+                  </a:glow>
+                </a:effectLst>
+                <a:latin typeface="VNI-Times" pitchFamily="2" charset="0"/>
+              </a:rPr>
+              <a:t>cuøng</a:t>
+            </a:r>
+            <a:r>
+              <a:rPr lang="en-US" sz="6600" b="1" dirty="0">
+                <a:solidFill>
+                  <a:sysClr val="windowText" lastClr="000000"/>
+                </a:solidFill>
+                <a:effectLst>
+                  <a:glow rad="127000">
+                    <a:prstClr val="white"/>
+                  </a:glow>
+                </a:effectLst>
+                <a:latin typeface="VNI-Times" pitchFamily="2" charset="0"/>
+              </a:rPr>
+              <a:t> </a:t>
             </a:r>
             <a:br>
-              <a:rPr lang="en-US" sz="6600" b="1" smtClean="0">
-                <a:solidFill>
-                  <a:sysClr val="windowText" lastClr="000000"/>
-                </a:solidFill>
-                <a:effectLst>
-                  <a:glow rad="127000">
-                    <a:prstClr val="white"/>
-                  </a:glow>
-                </a:effectLst>
-                <a:latin typeface="VNI-Aptima" pitchFamily="2" charset="0"/>
+              <a:rPr lang="en-US" sz="6600" b="1" dirty="0">
+                <a:solidFill>
+                  <a:sysClr val="windowText" lastClr="000000"/>
+                </a:solidFill>
+                <a:effectLst>
+                  <a:glow rad="127000">
+                    <a:prstClr val="white"/>
+                  </a:glow>
+                </a:effectLst>
+                <a:latin typeface="VNI-Times" pitchFamily="2" charset="0"/>
               </a:rPr>
             </a:br>
             <a:r>
-              <a:rPr lang="en-US" sz="6600" b="1" smtClean="0">
-                <a:solidFill>
-                  <a:sysClr val="windowText" lastClr="000000"/>
-                </a:solidFill>
-                <a:effectLst>
-                  <a:glow rad="127000">
-                    <a:prstClr val="white"/>
-                  </a:glow>
-                </a:effectLst>
-                <a:latin typeface="VNI-Aptima" pitchFamily="2" charset="0"/>
-              </a:rPr>
-              <a:t>nhau ñeán toân thôø, </a:t>
+              <a:rPr lang="en-US" sz="6600" b="1" dirty="0" err="1">
+                <a:solidFill>
+                  <a:sysClr val="windowText" lastClr="000000"/>
+                </a:solidFill>
+                <a:effectLst>
+                  <a:glow rad="127000">
+                    <a:prstClr val="white"/>
+                  </a:glow>
+                </a:effectLst>
+                <a:latin typeface="VNI-Times" pitchFamily="2" charset="0"/>
+              </a:rPr>
+              <a:t>nhau</a:t>
+            </a:r>
+            <a:r>
+              <a:rPr lang="en-US" sz="6600" b="1" dirty="0">
+                <a:solidFill>
+                  <a:sysClr val="windowText" lastClr="000000"/>
+                </a:solidFill>
+                <a:effectLst>
+                  <a:glow rad="127000">
+                    <a:prstClr val="white"/>
+                  </a:glow>
+                </a:effectLst>
+                <a:latin typeface="VNI-Times" pitchFamily="2" charset="0"/>
+              </a:rPr>
+              <a:t> </a:t>
+            </a:r>
+            <a:r>
+              <a:rPr lang="en-US" sz="6600" b="1" dirty="0" err="1">
+                <a:solidFill>
+                  <a:sysClr val="windowText" lastClr="000000"/>
+                </a:solidFill>
+                <a:effectLst>
+                  <a:glow rad="127000">
+                    <a:prstClr val="white"/>
+                  </a:glow>
+                </a:effectLst>
+                <a:latin typeface="VNI-Times" pitchFamily="2" charset="0"/>
+              </a:rPr>
+              <a:t>ñeán</a:t>
+            </a:r>
+            <a:r>
+              <a:rPr lang="en-US" sz="6600" b="1" dirty="0">
+                <a:solidFill>
+                  <a:sysClr val="windowText" lastClr="000000"/>
+                </a:solidFill>
+                <a:effectLst>
+                  <a:glow rad="127000">
+                    <a:prstClr val="white"/>
+                  </a:glow>
+                </a:effectLst>
+                <a:latin typeface="VNI-Times" pitchFamily="2" charset="0"/>
+              </a:rPr>
+              <a:t> </a:t>
+            </a:r>
+            <a:r>
+              <a:rPr lang="en-US" sz="6600" b="1" dirty="0" err="1">
+                <a:solidFill>
+                  <a:sysClr val="windowText" lastClr="000000"/>
+                </a:solidFill>
+                <a:effectLst>
+                  <a:glow rad="127000">
+                    <a:prstClr val="white"/>
+                  </a:glow>
+                </a:effectLst>
+                <a:latin typeface="VNI-Times" pitchFamily="2" charset="0"/>
+              </a:rPr>
+              <a:t>toân</a:t>
+            </a:r>
+            <a:r>
+              <a:rPr lang="en-US" sz="6600" b="1" dirty="0">
+                <a:solidFill>
+                  <a:sysClr val="windowText" lastClr="000000"/>
+                </a:solidFill>
+                <a:effectLst>
+                  <a:glow rad="127000">
+                    <a:prstClr val="white"/>
+                  </a:glow>
+                </a:effectLst>
+                <a:latin typeface="VNI-Times" pitchFamily="2" charset="0"/>
+              </a:rPr>
+              <a:t> </a:t>
+            </a:r>
+            <a:r>
+              <a:rPr lang="en-US" sz="6600" b="1" dirty="0" err="1">
+                <a:solidFill>
+                  <a:sysClr val="windowText" lastClr="000000"/>
+                </a:solidFill>
+                <a:effectLst>
+                  <a:glow rad="127000">
+                    <a:prstClr val="white"/>
+                  </a:glow>
+                </a:effectLst>
+                <a:latin typeface="VNI-Times" pitchFamily="2" charset="0"/>
+              </a:rPr>
+              <a:t>thôø</a:t>
+            </a:r>
+            <a:r>
+              <a:rPr lang="en-US" sz="6600" b="1" dirty="0">
+                <a:solidFill>
+                  <a:sysClr val="windowText" lastClr="000000"/>
+                </a:solidFill>
+                <a:effectLst>
+                  <a:glow rad="127000">
+                    <a:prstClr val="white"/>
+                  </a:glow>
+                </a:effectLst>
+                <a:latin typeface="VNI-Times" pitchFamily="2" charset="0"/>
+              </a:rPr>
+              <a:t>, </a:t>
             </a:r>
             <a:br>
-              <a:rPr lang="en-US" sz="6600" b="1" smtClean="0">
-                <a:solidFill>
-                  <a:sysClr val="windowText" lastClr="000000"/>
-                </a:solidFill>
-                <a:effectLst>
-                  <a:glow rad="127000">
-                    <a:prstClr val="white"/>
-                  </a:glow>
-                </a:effectLst>
-                <a:latin typeface="VNI-Aptima" pitchFamily="2" charset="0"/>
+              <a:rPr lang="en-US" sz="6600" b="1" dirty="0">
+                <a:solidFill>
+                  <a:sysClr val="windowText" lastClr="000000"/>
+                </a:solidFill>
+                <a:effectLst>
+                  <a:glow rad="127000">
+                    <a:prstClr val="white"/>
+                  </a:glow>
+                </a:effectLst>
+                <a:latin typeface="VNI-Times" pitchFamily="2" charset="0"/>
               </a:rPr>
             </a:br>
             <a:r>
-              <a:rPr lang="en-US" sz="6600" b="1" smtClean="0">
-                <a:solidFill>
-                  <a:sysClr val="windowText" lastClr="000000"/>
-                </a:solidFill>
-                <a:effectLst>
-                  <a:glow rad="127000">
-                    <a:prstClr val="white"/>
-                  </a:glow>
-                </a:effectLst>
-                <a:latin typeface="VNI-Aptima" pitchFamily="2" charset="0"/>
-              </a:rPr>
-              <a:t>mau mau cuøng </a:t>
+              <a:rPr lang="en-US" sz="6600" b="1" dirty="0" err="1">
+                <a:solidFill>
+                  <a:sysClr val="windowText" lastClr="000000"/>
+                </a:solidFill>
+                <a:effectLst>
+                  <a:glow rad="127000">
+                    <a:prstClr val="white"/>
+                  </a:glow>
+                </a:effectLst>
+                <a:latin typeface="VNI-Times" pitchFamily="2" charset="0"/>
+              </a:rPr>
+              <a:t>mau</a:t>
+            </a:r>
+            <a:r>
+              <a:rPr lang="en-US" sz="6600" b="1" dirty="0">
+                <a:solidFill>
+                  <a:sysClr val="windowText" lastClr="000000"/>
+                </a:solidFill>
+                <a:effectLst>
+                  <a:glow rad="127000">
+                    <a:prstClr val="white"/>
+                  </a:glow>
+                </a:effectLst>
+                <a:latin typeface="VNI-Times" pitchFamily="2" charset="0"/>
+              </a:rPr>
+              <a:t> </a:t>
+            </a:r>
+            <a:r>
+              <a:rPr lang="en-US" sz="6600" b="1" dirty="0" err="1">
+                <a:solidFill>
+                  <a:sysClr val="windowText" lastClr="000000"/>
+                </a:solidFill>
+                <a:effectLst>
+                  <a:glow rad="127000">
+                    <a:prstClr val="white"/>
+                  </a:glow>
+                </a:effectLst>
+                <a:latin typeface="VNI-Times" pitchFamily="2" charset="0"/>
+              </a:rPr>
+              <a:t>mau</a:t>
+            </a:r>
+            <a:r>
+              <a:rPr lang="en-US" sz="6600" b="1" dirty="0">
+                <a:solidFill>
+                  <a:sysClr val="windowText" lastClr="000000"/>
+                </a:solidFill>
+                <a:effectLst>
+                  <a:glow rad="127000">
+                    <a:prstClr val="white"/>
+                  </a:glow>
+                </a:effectLst>
+                <a:latin typeface="VNI-Times" pitchFamily="2" charset="0"/>
+              </a:rPr>
+              <a:t> </a:t>
+            </a:r>
+            <a:r>
+              <a:rPr lang="en-US" sz="6600" b="1" dirty="0" err="1">
+                <a:solidFill>
+                  <a:sysClr val="windowText" lastClr="000000"/>
+                </a:solidFill>
+                <a:effectLst>
+                  <a:glow rad="127000">
+                    <a:prstClr val="white"/>
+                  </a:glow>
+                </a:effectLst>
+                <a:latin typeface="VNI-Times" pitchFamily="2" charset="0"/>
+              </a:rPr>
+              <a:t>cuøng</a:t>
+            </a:r>
+            <a:r>
+              <a:rPr lang="en-US" sz="6600" b="1" dirty="0">
+                <a:solidFill>
+                  <a:sysClr val="windowText" lastClr="000000"/>
+                </a:solidFill>
+                <a:effectLst>
+                  <a:glow rad="127000">
+                    <a:prstClr val="white"/>
+                  </a:glow>
+                </a:effectLst>
+                <a:latin typeface="VNI-Times" pitchFamily="2" charset="0"/>
+              </a:rPr>
+              <a:t> </a:t>
             </a:r>
             <a:br>
-              <a:rPr lang="en-US" sz="6600" b="1" smtClean="0">
-                <a:solidFill>
-                  <a:sysClr val="windowText" lastClr="000000"/>
-                </a:solidFill>
-                <a:effectLst>
-                  <a:glow rad="127000">
-                    <a:prstClr val="white"/>
-                  </a:glow>
-                </a:effectLst>
-                <a:latin typeface="VNI-Aptima" pitchFamily="2" charset="0"/>
+              <a:rPr lang="en-US" sz="6600" b="1" dirty="0">
+                <a:solidFill>
+                  <a:sysClr val="windowText" lastClr="000000"/>
+                </a:solidFill>
+                <a:effectLst>
+                  <a:glow rad="127000">
+                    <a:prstClr val="white"/>
+                  </a:glow>
+                </a:effectLst>
+                <a:latin typeface="VNI-Times" pitchFamily="2" charset="0"/>
               </a:rPr>
             </a:br>
             <a:r>
-              <a:rPr lang="en-US" sz="6600" b="1" smtClean="0">
-                <a:solidFill>
-                  <a:sysClr val="windowText" lastClr="000000"/>
-                </a:solidFill>
-                <a:effectLst>
-                  <a:glow rad="127000">
-                    <a:prstClr val="white"/>
-                  </a:glow>
-                </a:effectLst>
-                <a:latin typeface="VNI-Aptima" pitchFamily="2" charset="0"/>
-              </a:rPr>
-              <a:t>nhau ñeán toân thôø.</a:t>
+              <a:rPr lang="en-US" sz="6600" b="1" dirty="0" err="1">
+                <a:solidFill>
+                  <a:sysClr val="windowText" lastClr="000000"/>
+                </a:solidFill>
+                <a:effectLst>
+                  <a:glow rad="127000">
+                    <a:prstClr val="white"/>
+                  </a:glow>
+                </a:effectLst>
+                <a:latin typeface="VNI-Times" pitchFamily="2" charset="0"/>
+              </a:rPr>
+              <a:t>nhau</a:t>
+            </a:r>
+            <a:r>
+              <a:rPr lang="en-US" sz="6600" b="1" dirty="0">
+                <a:solidFill>
+                  <a:sysClr val="windowText" lastClr="000000"/>
+                </a:solidFill>
+                <a:effectLst>
+                  <a:glow rad="127000">
+                    <a:prstClr val="white"/>
+                  </a:glow>
+                </a:effectLst>
+                <a:latin typeface="VNI-Times" pitchFamily="2" charset="0"/>
+              </a:rPr>
+              <a:t> </a:t>
+            </a:r>
+            <a:r>
+              <a:rPr lang="en-US" sz="6600" b="1" dirty="0" err="1">
+                <a:solidFill>
+                  <a:sysClr val="windowText" lastClr="000000"/>
+                </a:solidFill>
+                <a:effectLst>
+                  <a:glow rad="127000">
+                    <a:prstClr val="white"/>
+                  </a:glow>
+                </a:effectLst>
+                <a:latin typeface="VNI-Times" pitchFamily="2" charset="0"/>
+              </a:rPr>
+              <a:t>ñeán</a:t>
+            </a:r>
+            <a:r>
+              <a:rPr lang="en-US" sz="6600" b="1" dirty="0">
+                <a:solidFill>
+                  <a:sysClr val="windowText" lastClr="000000"/>
+                </a:solidFill>
+                <a:effectLst>
+                  <a:glow rad="127000">
+                    <a:prstClr val="white"/>
+                  </a:glow>
+                </a:effectLst>
+                <a:latin typeface="VNI-Times" pitchFamily="2" charset="0"/>
+              </a:rPr>
+              <a:t> </a:t>
+            </a:r>
+            <a:r>
+              <a:rPr lang="en-US" sz="6600" b="1" dirty="0" err="1">
+                <a:solidFill>
+                  <a:sysClr val="windowText" lastClr="000000"/>
+                </a:solidFill>
+                <a:effectLst>
+                  <a:glow rad="127000">
+                    <a:prstClr val="white"/>
+                  </a:glow>
+                </a:effectLst>
+                <a:latin typeface="VNI-Times" pitchFamily="2" charset="0"/>
+              </a:rPr>
+              <a:t>toân</a:t>
+            </a:r>
+            <a:r>
+              <a:rPr lang="en-US" sz="6600" b="1" dirty="0">
+                <a:solidFill>
+                  <a:sysClr val="windowText" lastClr="000000"/>
+                </a:solidFill>
+                <a:effectLst>
+                  <a:glow rad="127000">
+                    <a:prstClr val="white"/>
+                  </a:glow>
+                </a:effectLst>
+                <a:latin typeface="VNI-Times" pitchFamily="2" charset="0"/>
+              </a:rPr>
+              <a:t> </a:t>
+            </a:r>
+            <a:r>
+              <a:rPr lang="en-US" sz="6600" b="1" dirty="0" err="1">
+                <a:solidFill>
+                  <a:sysClr val="windowText" lastClr="000000"/>
+                </a:solidFill>
+                <a:effectLst>
+                  <a:glow rad="127000">
+                    <a:prstClr val="white"/>
+                  </a:glow>
+                </a:effectLst>
+                <a:latin typeface="VNI-Times" pitchFamily="2" charset="0"/>
+              </a:rPr>
+              <a:t>thôø</a:t>
+            </a:r>
+            <a:r>
+              <a:rPr lang="en-US" sz="6600" b="1" dirty="0">
+                <a:solidFill>
+                  <a:sysClr val="windowText" lastClr="000000"/>
+                </a:solidFill>
+                <a:effectLst>
+                  <a:glow rad="127000">
+                    <a:prstClr val="white"/>
+                  </a:glow>
+                </a:effectLst>
+                <a:latin typeface="VNI-Times" pitchFamily="2" charset="0"/>
+              </a:rPr>
+              <a:t>.</a:t>
             </a:r>
           </a:p>
         </p:txBody>
@@ -3153,21 +4581,6 @@
   <p:clrMapOvr>
     <a:overrideClrMapping bg1="lt1" tx1="dk1" bg2="lt2" tx2="dk2" accent1="accent1" accent2="accent2" accent3="accent3" accent4="accent4" accent5="accent5" accent6="accent6" hlink="hlink" folHlink="folHlink"/>
   </p:clrMapOvr>
-  <mc:AlternateContent xmlns:mc="http://schemas.openxmlformats.org/markup-compatibility/2006" xmlns:p14="http://schemas.microsoft.com/office/powerpoint/2010/main">
-    <mc:Choice Requires="p14">
-      <p:transition p14:dur="0"/>
-    </mc:Choice>
-    <mc:Fallback xmlns="">
-      <p:transition/>
-    </mc:Fallback>
-  </mc:AlternateContent>
-  <p:timing>
-    <p:tnLst>
-      <p:par>
-        <p:cTn id="1" dur="indefinite" restart="never" nodeType="tmRoot"/>
-      </p:par>
-    </p:tnLst>
-  </p:timing>
 </p:sld>
 </file>
 
@@ -3226,7 +4639,7 @@
           <a:p>
             <a:pPr algn="ctr"/>
             <a:r>
-              <a:rPr lang="en-US" sz="3200" smtClean="0">
+              <a:rPr lang="en-US" sz="3200" b="1" dirty="0">
                 <a:solidFill>
                   <a:srgbClr val="C00000"/>
                 </a:solidFill>
@@ -3235,21 +4648,10 @@
                     <a:prstClr val="white"/>
                   </a:glow>
                 </a:effectLst>
-                <a:latin typeface="HP-Kabel" pitchFamily="34" charset="0"/>
+                <a:latin typeface="VNI-Times" pitchFamily="2" charset="0"/>
               </a:rPr>
               <a:t>THAÙNH CA 55 – HÔÕI MOÂN ÑOÀ TRUNG TÍN</a:t>
             </a:r>
-            <a:endParaRPr lang="en-US" sz="3200">
-              <a:solidFill>
-                <a:srgbClr val="C00000"/>
-              </a:solidFill>
-              <a:effectLst>
-                <a:glow rad="127000">
-                  <a:prstClr val="white"/>
-                </a:glow>
-              </a:effectLst>
-              <a:latin typeface="HP-Kabel" pitchFamily="34" charset="0"/>
-            </a:endParaRPr>
           </a:p>
         </p:txBody>
       </p:sp>
@@ -3277,72 +4679,254 @@
           <a:p>
             <a:pPr algn="ctr"/>
             <a:r>
-              <a:rPr lang="en-US" sz="6600" b="1" smtClean="0">
-                <a:solidFill>
-                  <a:sysClr val="windowText" lastClr="000000"/>
-                </a:solidFill>
-                <a:effectLst>
-                  <a:glow rad="127000">
-                    <a:prstClr val="white"/>
-                  </a:glow>
-                </a:effectLst>
-                <a:latin typeface="VNI-Aptima" pitchFamily="2" charset="0"/>
-              </a:rPr>
-              <a:t>Mau ñeán nôi ñaây </a:t>
+              <a:rPr lang="en-US" sz="6600" b="1" dirty="0">
+                <a:solidFill>
+                  <a:sysClr val="windowText" lastClr="000000"/>
+                </a:solidFill>
+                <a:effectLst>
+                  <a:glow rad="127000">
+                    <a:prstClr val="white"/>
+                  </a:glow>
+                </a:effectLst>
+                <a:latin typeface="VNI-Times" pitchFamily="2" charset="0"/>
+              </a:rPr>
+              <a:t>Mau </a:t>
+            </a:r>
+            <a:r>
+              <a:rPr lang="en-US" sz="6600" b="1" dirty="0" err="1">
+                <a:solidFill>
+                  <a:sysClr val="windowText" lastClr="000000"/>
+                </a:solidFill>
+                <a:effectLst>
+                  <a:glow rad="127000">
+                    <a:prstClr val="white"/>
+                  </a:glow>
+                </a:effectLst>
+                <a:latin typeface="VNI-Times" pitchFamily="2" charset="0"/>
+              </a:rPr>
+              <a:t>ñeán</a:t>
+            </a:r>
+            <a:r>
+              <a:rPr lang="en-US" sz="6600" b="1" dirty="0">
+                <a:solidFill>
+                  <a:sysClr val="windowText" lastClr="000000"/>
+                </a:solidFill>
+                <a:effectLst>
+                  <a:glow rad="127000">
+                    <a:prstClr val="white"/>
+                  </a:glow>
+                </a:effectLst>
+                <a:latin typeface="VNI-Times" pitchFamily="2" charset="0"/>
+              </a:rPr>
+              <a:t> </a:t>
+            </a:r>
+            <a:r>
+              <a:rPr lang="en-US" sz="6600" b="1" dirty="0" err="1">
+                <a:solidFill>
+                  <a:sysClr val="windowText" lastClr="000000"/>
+                </a:solidFill>
+                <a:effectLst>
+                  <a:glow rad="127000">
+                    <a:prstClr val="white"/>
+                  </a:glow>
+                </a:effectLst>
+                <a:latin typeface="VNI-Times" pitchFamily="2" charset="0"/>
+              </a:rPr>
+              <a:t>nôi</a:t>
+            </a:r>
+            <a:r>
+              <a:rPr lang="en-US" sz="6600" b="1" dirty="0">
+                <a:solidFill>
+                  <a:sysClr val="windowText" lastClr="000000"/>
+                </a:solidFill>
+                <a:effectLst>
+                  <a:glow rad="127000">
+                    <a:prstClr val="white"/>
+                  </a:glow>
+                </a:effectLst>
+                <a:latin typeface="VNI-Times" pitchFamily="2" charset="0"/>
+              </a:rPr>
+              <a:t> </a:t>
+            </a:r>
+            <a:r>
+              <a:rPr lang="en-US" sz="6600" b="1" dirty="0" err="1">
+                <a:solidFill>
+                  <a:sysClr val="windowText" lastClr="000000"/>
+                </a:solidFill>
+                <a:effectLst>
+                  <a:glow rad="127000">
+                    <a:prstClr val="white"/>
+                  </a:glow>
+                </a:effectLst>
+                <a:latin typeface="VNI-Times" pitchFamily="2" charset="0"/>
+              </a:rPr>
+              <a:t>ñaây</a:t>
+            </a:r>
+            <a:r>
+              <a:rPr lang="en-US" sz="6600" b="1" dirty="0">
+                <a:solidFill>
+                  <a:sysClr val="windowText" lastClr="000000"/>
+                </a:solidFill>
+                <a:effectLst>
+                  <a:glow rad="127000">
+                    <a:prstClr val="white"/>
+                  </a:glow>
+                </a:effectLst>
+                <a:latin typeface="VNI-Times" pitchFamily="2" charset="0"/>
+              </a:rPr>
+              <a:t> </a:t>
             </a:r>
             <a:br>
-              <a:rPr lang="en-US" sz="6600" b="1" smtClean="0">
-                <a:solidFill>
-                  <a:sysClr val="windowText" lastClr="000000"/>
-                </a:solidFill>
-                <a:effectLst>
-                  <a:glow rad="127000">
-                    <a:prstClr val="white"/>
-                  </a:glow>
-                </a:effectLst>
-                <a:latin typeface="VNI-Aptima" pitchFamily="2" charset="0"/>
+              <a:rPr lang="en-US" sz="6600" b="1" dirty="0">
+                <a:solidFill>
+                  <a:sysClr val="windowText" lastClr="000000"/>
+                </a:solidFill>
+                <a:effectLst>
+                  <a:glow rad="127000">
+                    <a:prstClr val="white"/>
+                  </a:glow>
+                </a:effectLst>
+                <a:latin typeface="VNI-Times" pitchFamily="2" charset="0"/>
               </a:rPr>
             </a:br>
             <a:r>
-              <a:rPr lang="en-US" sz="6600" b="1" smtClean="0">
-                <a:solidFill>
-                  <a:sysClr val="windowText" lastClr="000000"/>
-                </a:solidFill>
-                <a:effectLst>
-                  <a:glow rad="127000">
-                    <a:prstClr val="white"/>
-                  </a:glow>
-                </a:effectLst>
-                <a:latin typeface="VNI-Aptima" pitchFamily="2" charset="0"/>
-              </a:rPr>
-              <a:t>toân thôø Chuùa </a:t>
+              <a:rPr lang="en-US" sz="6600" b="1" dirty="0" err="1">
+                <a:solidFill>
+                  <a:sysClr val="windowText" lastClr="000000"/>
+                </a:solidFill>
+                <a:effectLst>
+                  <a:glow rad="127000">
+                    <a:prstClr val="white"/>
+                  </a:glow>
+                </a:effectLst>
+                <a:latin typeface="VNI-Times" pitchFamily="2" charset="0"/>
+              </a:rPr>
+              <a:t>toân</a:t>
+            </a:r>
+            <a:r>
+              <a:rPr lang="en-US" sz="6600" b="1" dirty="0">
+                <a:solidFill>
+                  <a:sysClr val="windowText" lastClr="000000"/>
+                </a:solidFill>
+                <a:effectLst>
+                  <a:glow rad="127000">
+                    <a:prstClr val="white"/>
+                  </a:glow>
+                </a:effectLst>
+                <a:latin typeface="VNI-Times" pitchFamily="2" charset="0"/>
+              </a:rPr>
+              <a:t> </a:t>
+            </a:r>
+            <a:r>
+              <a:rPr lang="en-US" sz="6600" b="1" dirty="0" err="1">
+                <a:solidFill>
+                  <a:sysClr val="windowText" lastClr="000000"/>
+                </a:solidFill>
+                <a:effectLst>
+                  <a:glow rad="127000">
+                    <a:prstClr val="white"/>
+                  </a:glow>
+                </a:effectLst>
+                <a:latin typeface="VNI-Times" pitchFamily="2" charset="0"/>
+              </a:rPr>
+              <a:t>thôø</a:t>
+            </a:r>
+            <a:r>
+              <a:rPr lang="en-US" sz="6600" b="1" dirty="0">
+                <a:solidFill>
+                  <a:sysClr val="windowText" lastClr="000000"/>
+                </a:solidFill>
+                <a:effectLst>
+                  <a:glow rad="127000">
+                    <a:prstClr val="white"/>
+                  </a:glow>
+                </a:effectLst>
+                <a:latin typeface="VNI-Times" pitchFamily="2" charset="0"/>
+              </a:rPr>
+              <a:t> </a:t>
+            </a:r>
+            <a:r>
+              <a:rPr lang="en-US" sz="6600" b="1" dirty="0" err="1">
+                <a:solidFill>
+                  <a:sysClr val="windowText" lastClr="000000"/>
+                </a:solidFill>
+                <a:effectLst>
+                  <a:glow rad="127000">
+                    <a:prstClr val="white"/>
+                  </a:glow>
+                </a:effectLst>
+                <a:latin typeface="VNI-Times" pitchFamily="2" charset="0"/>
+              </a:rPr>
+              <a:t>Chuùa</a:t>
+            </a:r>
+            <a:r>
+              <a:rPr lang="en-US" sz="6600" b="1" dirty="0">
+                <a:solidFill>
+                  <a:sysClr val="windowText" lastClr="000000"/>
+                </a:solidFill>
+                <a:effectLst>
+                  <a:glow rad="127000">
+                    <a:prstClr val="white"/>
+                  </a:glow>
+                </a:effectLst>
+                <a:latin typeface="VNI-Times" pitchFamily="2" charset="0"/>
+              </a:rPr>
+              <a:t> </a:t>
             </a:r>
             <a:br>
-              <a:rPr lang="en-US" sz="6600" b="1" smtClean="0">
-                <a:solidFill>
-                  <a:sysClr val="windowText" lastClr="000000"/>
-                </a:solidFill>
-                <a:effectLst>
-                  <a:glow rad="127000">
-                    <a:prstClr val="white"/>
-                  </a:glow>
-                </a:effectLst>
-                <a:latin typeface="VNI-Aptima" pitchFamily="2" charset="0"/>
+              <a:rPr lang="en-US" sz="6600" b="1" dirty="0">
+                <a:solidFill>
+                  <a:sysClr val="windowText" lastClr="000000"/>
+                </a:solidFill>
+                <a:effectLst>
+                  <a:glow rad="127000">
+                    <a:prstClr val="white"/>
+                  </a:glow>
+                </a:effectLst>
+                <a:latin typeface="VNI-Times" pitchFamily="2" charset="0"/>
               </a:rPr>
             </a:br>
             <a:r>
-              <a:rPr lang="en-US" sz="6600" b="1" smtClean="0">
-                <a:solidFill>
-                  <a:sysClr val="windowText" lastClr="000000"/>
-                </a:solidFill>
-                <a:effectLst>
-                  <a:glow rad="127000">
-                    <a:prstClr val="white"/>
-                  </a:glow>
-                </a:effectLst>
-                <a:latin typeface="VNI-Aptima" pitchFamily="2" charset="0"/>
-              </a:rPr>
-              <a:t>Christ, Vua ta.</a:t>
+              <a:rPr lang="en-US" sz="6600" b="1" dirty="0">
+                <a:solidFill>
+                  <a:sysClr val="windowText" lastClr="000000"/>
+                </a:solidFill>
+                <a:effectLst>
+                  <a:glow rad="127000">
+                    <a:prstClr val="white"/>
+                  </a:glow>
+                </a:effectLst>
+                <a:latin typeface="VNI-Times" pitchFamily="2" charset="0"/>
+              </a:rPr>
+              <a:t>Christ, </a:t>
+            </a:r>
+            <a:r>
+              <a:rPr lang="en-US" sz="6600" b="1" dirty="0" err="1">
+                <a:solidFill>
+                  <a:sysClr val="windowText" lastClr="000000"/>
+                </a:solidFill>
+                <a:effectLst>
+                  <a:glow rad="127000">
+                    <a:prstClr val="white"/>
+                  </a:glow>
+                </a:effectLst>
+                <a:latin typeface="VNI-Times" pitchFamily="2" charset="0"/>
+              </a:rPr>
+              <a:t>Vua</a:t>
+            </a:r>
+            <a:r>
+              <a:rPr lang="en-US" sz="6600" b="1" dirty="0">
+                <a:solidFill>
+                  <a:sysClr val="windowText" lastClr="000000"/>
+                </a:solidFill>
+                <a:effectLst>
+                  <a:glow rad="127000">
+                    <a:prstClr val="white"/>
+                  </a:glow>
+                </a:effectLst>
+                <a:latin typeface="VNI-Times" pitchFamily="2" charset="0"/>
+              </a:rPr>
+              <a:t> ta.</a:t>
             </a:r>
           </a:p>
         </p:txBody>
@@ -3357,21 +4941,6 @@
   <p:clrMapOvr>
     <a:overrideClrMapping bg1="lt1" tx1="dk1" bg2="lt2" tx2="dk2" accent1="accent1" accent2="accent2" accent3="accent3" accent4="accent4" accent5="accent5" accent6="accent6" hlink="hlink" folHlink="folHlink"/>
   </p:clrMapOvr>
-  <mc:AlternateContent xmlns:mc="http://schemas.openxmlformats.org/markup-compatibility/2006" xmlns:p14="http://schemas.microsoft.com/office/powerpoint/2010/main">
-    <mc:Choice Requires="p14">
-      <p:transition p14:dur="0"/>
-    </mc:Choice>
-    <mc:Fallback xmlns="">
-      <p:transition/>
-    </mc:Fallback>
-  </mc:AlternateContent>
-  <p:timing>
-    <p:tnLst>
-      <p:par>
-        <p:cTn id="1" dur="indefinite" restart="never" nodeType="tmRoot"/>
-      </p:par>
-    </p:tnLst>
-  </p:timing>
 </p:sld>
 </file>
 
@@ -3416,7 +4985,7 @@
           <a:p>
             <a:pPr algn="ctr"/>
             <a:r>
-              <a:rPr lang="en-US" sz="3200" smtClean="0">
+              <a:rPr lang="en-US" sz="3200" b="1" dirty="0">
                 <a:solidFill>
                   <a:srgbClr val="C00000"/>
                 </a:solidFill>
@@ -3425,21 +4994,10 @@
                     <a:prstClr val="white"/>
                   </a:glow>
                 </a:effectLst>
-                <a:latin typeface="HP-Kabel" pitchFamily="34" charset="0"/>
+                <a:latin typeface="VNI-Times" pitchFamily="2" charset="0"/>
               </a:rPr>
               <a:t>THAÙNH CA 55 – HÔÕI MOÂN ÑOÀ TRUNG TÍN</a:t>
             </a:r>
-            <a:endParaRPr lang="en-US" sz="3200">
-              <a:solidFill>
-                <a:srgbClr val="C00000"/>
-              </a:solidFill>
-              <a:effectLst>
-                <a:glow rad="127000">
-                  <a:prstClr val="white"/>
-                </a:glow>
-              </a:effectLst>
-              <a:latin typeface="HP-Kabel" pitchFamily="34" charset="0"/>
-            </a:endParaRPr>
           </a:p>
         </p:txBody>
       </p:sp>
@@ -3467,35 +5025,35 @@
           <a:p>
             <a:pPr algn="ctr"/>
             <a:r>
-              <a:rPr lang="en-US" sz="4000" b="1" smtClean="0">
-                <a:solidFill>
-                  <a:sysClr val="windowText" lastClr="000000"/>
-                </a:solidFill>
-                <a:effectLst>
-                  <a:glow rad="127000">
-                    <a:prstClr val="white"/>
-                  </a:glow>
-                </a:effectLst>
-                <a:latin typeface="VNI-Aptima" pitchFamily="2" charset="0"/>
+              <a:rPr lang="en-US" sz="4000" b="1" dirty="0">
+                <a:solidFill>
+                  <a:sysClr val="windowText" lastClr="000000"/>
+                </a:solidFill>
+                <a:effectLst>
+                  <a:glow rad="127000">
+                    <a:prstClr val="white"/>
+                  </a:glow>
+                </a:effectLst>
+                <a:latin typeface="VNI-Times" pitchFamily="2" charset="0"/>
               </a:rPr>
               <a:t>4.</a:t>
             </a:r>
             <a:r>
-              <a:rPr lang="en-US" sz="6600" b="1" smtClean="0">
-                <a:solidFill>
-                  <a:sysClr val="windowText" lastClr="000000"/>
-                </a:solidFill>
-                <a:effectLst>
-                  <a:glow rad="127000">
-                    <a:prstClr val="white"/>
-                  </a:glow>
-                </a:effectLst>
-                <a:latin typeface="VNI-Aptima" pitchFamily="2" charset="0"/>
-              </a:rPr>
-              <a:t> </a:t>
-            </a:r>
-            <a:r>
-              <a:rPr lang="en-US" sz="6600" b="1" smtClean="0">
+              <a:rPr lang="en-US" sz="6600" b="1" dirty="0">
+                <a:solidFill>
+                  <a:sysClr val="windowText" lastClr="000000"/>
+                </a:solidFill>
+                <a:effectLst>
+                  <a:glow rad="127000">
+                    <a:prstClr val="white"/>
+                  </a:glow>
+                </a:effectLst>
+                <a:latin typeface="VNI-Times" pitchFamily="2" charset="0"/>
+              </a:rPr>
+              <a:t> </a:t>
+            </a:r>
+            <a:r>
+              <a:rPr lang="en-US" sz="6600" b="1" dirty="0" err="1">
                 <a:solidFill>
                   <a:sysClr val="windowText" lastClr="000000"/>
                 </a:solidFill>
@@ -3504,12 +5062,166 @@
                     <a:schemeClr val="bg1"/>
                   </a:glow>
                 </a:effectLst>
-                <a:latin typeface="VNI-Aptima" pitchFamily="2" charset="0"/>
-              </a:rPr>
-              <a:t>Hoan nghinh Thaàn Nhaân Jeâsus giaùng </a:t>
+                <a:latin typeface="VNI-Times" pitchFamily="2" charset="0"/>
+              </a:rPr>
+              <a:t>Hoan</a:t>
+            </a:r>
+            <a:r>
+              <a:rPr lang="en-US" sz="6600" b="1" dirty="0">
+                <a:solidFill>
+                  <a:sysClr val="windowText" lastClr="000000"/>
+                </a:solidFill>
+                <a:effectLst>
+                  <a:glow rad="127000">
+                    <a:schemeClr val="bg1"/>
+                  </a:glow>
+                </a:effectLst>
+                <a:latin typeface="VNI-Times" pitchFamily="2" charset="0"/>
+              </a:rPr>
+              <a:t> </a:t>
+            </a:r>
+            <a:r>
+              <a:rPr lang="en-US" sz="6600" b="1" dirty="0" err="1">
+                <a:solidFill>
+                  <a:sysClr val="windowText" lastClr="000000"/>
+                </a:solidFill>
+                <a:effectLst>
+                  <a:glow rad="127000">
+                    <a:schemeClr val="bg1"/>
+                  </a:glow>
+                </a:effectLst>
+                <a:latin typeface="VNI-Times" pitchFamily="2" charset="0"/>
+              </a:rPr>
+              <a:t>nghinh</a:t>
+            </a:r>
+            <a:r>
+              <a:rPr lang="en-US" sz="6600" b="1" dirty="0">
+                <a:solidFill>
+                  <a:sysClr val="windowText" lastClr="000000"/>
+                </a:solidFill>
+                <a:effectLst>
+                  <a:glow rad="127000">
+                    <a:schemeClr val="bg1"/>
+                  </a:glow>
+                </a:effectLst>
+                <a:latin typeface="VNI-Times" pitchFamily="2" charset="0"/>
+              </a:rPr>
+              <a:t> </a:t>
+            </a:r>
+            <a:r>
+              <a:rPr lang="en-US" sz="6600" b="1" dirty="0" err="1">
+                <a:solidFill>
+                  <a:sysClr val="windowText" lastClr="000000"/>
+                </a:solidFill>
+                <a:effectLst>
+                  <a:glow rad="127000">
+                    <a:schemeClr val="bg1"/>
+                  </a:glow>
+                </a:effectLst>
+                <a:latin typeface="VNI-Times" pitchFamily="2" charset="0"/>
+              </a:rPr>
+              <a:t>Thaàn</a:t>
+            </a:r>
+            <a:r>
+              <a:rPr lang="en-US" sz="6600" b="1" dirty="0">
+                <a:solidFill>
+                  <a:sysClr val="windowText" lastClr="000000"/>
+                </a:solidFill>
+                <a:effectLst>
+                  <a:glow rad="127000">
+                    <a:schemeClr val="bg1"/>
+                  </a:glow>
+                </a:effectLst>
+                <a:latin typeface="VNI-Times" pitchFamily="2" charset="0"/>
+              </a:rPr>
+              <a:t> </a:t>
+            </a:r>
+            <a:r>
+              <a:rPr lang="en-US" sz="6600" b="1" dirty="0" err="1">
+                <a:solidFill>
+                  <a:sysClr val="windowText" lastClr="000000"/>
+                </a:solidFill>
+                <a:effectLst>
+                  <a:glow rad="127000">
+                    <a:schemeClr val="bg1"/>
+                  </a:glow>
+                </a:effectLst>
+                <a:latin typeface="VNI-Times" pitchFamily="2" charset="0"/>
+              </a:rPr>
+              <a:t>Nhaân</a:t>
+            </a:r>
+            <a:r>
+              <a:rPr lang="en-US" sz="6600" b="1" dirty="0">
+                <a:solidFill>
+                  <a:sysClr val="windowText" lastClr="000000"/>
+                </a:solidFill>
+                <a:effectLst>
+                  <a:glow rad="127000">
+                    <a:schemeClr val="bg1"/>
+                  </a:glow>
+                </a:effectLst>
+                <a:latin typeface="VNI-Times" pitchFamily="2" charset="0"/>
+              </a:rPr>
+              <a:t> </a:t>
+            </a:r>
+            <a:r>
+              <a:rPr lang="en-US" sz="6600" b="1" dirty="0" err="1">
+                <a:solidFill>
+                  <a:sysClr val="windowText" lastClr="000000"/>
+                </a:solidFill>
+                <a:effectLst>
+                  <a:glow rad="127000">
+                    <a:schemeClr val="bg1"/>
+                  </a:glow>
+                </a:effectLst>
+                <a:latin typeface="VNI-Times" pitchFamily="2" charset="0"/>
+              </a:rPr>
+              <a:t>Jeâsus</a:t>
+            </a:r>
+            <a:r>
+              <a:rPr lang="en-US" sz="6600" b="1" dirty="0">
+                <a:solidFill>
+                  <a:sysClr val="windowText" lastClr="000000"/>
+                </a:solidFill>
+                <a:effectLst>
+                  <a:glow rad="127000">
+                    <a:schemeClr val="bg1"/>
+                  </a:glow>
+                </a:effectLst>
+                <a:latin typeface="VNI-Times" pitchFamily="2" charset="0"/>
+              </a:rPr>
+              <a:t> </a:t>
+            </a:r>
+            <a:r>
+              <a:rPr lang="en-US" sz="6600" b="1" dirty="0" err="1">
+                <a:solidFill>
+                  <a:sysClr val="windowText" lastClr="000000"/>
+                </a:solidFill>
+                <a:effectLst>
+                  <a:glow rad="127000">
+                    <a:schemeClr val="bg1"/>
+                  </a:glow>
+                </a:effectLst>
+                <a:latin typeface="VNI-Times" pitchFamily="2" charset="0"/>
+              </a:rPr>
+              <a:t>giaùng</a:t>
+            </a:r>
+            <a:r>
+              <a:rPr lang="en-US" sz="6600" b="1" dirty="0">
+                <a:solidFill>
+                  <a:sysClr val="windowText" lastClr="000000"/>
+                </a:solidFill>
+                <a:effectLst>
+                  <a:glow rad="127000">
+                    <a:schemeClr val="bg1"/>
+                  </a:glow>
+                </a:effectLst>
+                <a:latin typeface="VNI-Times" pitchFamily="2" charset="0"/>
+              </a:rPr>
+              <a:t> </a:t>
             </a:r>
             <a:br>
-              <a:rPr lang="en-US" sz="6600" b="1" smtClean="0">
+              <a:rPr lang="en-US" sz="6600" b="1" dirty="0">
                 <a:solidFill>
                   <a:sysClr val="windowText" lastClr="000000"/>
                 </a:solidFill>
@@ -3518,11 +5230,11 @@
                     <a:schemeClr val="bg1"/>
                   </a:glow>
                 </a:effectLst>
-                <a:latin typeface="VNI-Aptima" pitchFamily="2" charset="0"/>
+                <a:latin typeface="VNI-Times" pitchFamily="2" charset="0"/>
               </a:rPr>
             </a:br>
             <a:r>
-              <a:rPr lang="en-US" sz="6600" b="1" smtClean="0">
+              <a:rPr lang="en-US" sz="6600" b="1" dirty="0" err="1">
                 <a:solidFill>
                   <a:sysClr val="windowText" lastClr="000000"/>
                 </a:solidFill>
@@ -3531,9 +5243,135 @@
                     <a:schemeClr val="bg1"/>
                   </a:glow>
                 </a:effectLst>
-                <a:latin typeface="VNI-Aptima" pitchFamily="2" charset="0"/>
-              </a:rPr>
-              <a:t>sinh ôû giöõa chuùng toâi. </a:t>
+                <a:latin typeface="VNI-Times" pitchFamily="2" charset="0"/>
+              </a:rPr>
+              <a:t>sinh</a:t>
+            </a:r>
+            <a:r>
+              <a:rPr lang="en-US" sz="6600" b="1" dirty="0">
+                <a:solidFill>
+                  <a:sysClr val="windowText" lastClr="000000"/>
+                </a:solidFill>
+                <a:effectLst>
+                  <a:glow rad="127000">
+                    <a:schemeClr val="bg1"/>
+                  </a:glow>
+                </a:effectLst>
+                <a:latin typeface="VNI-Times" pitchFamily="2" charset="0"/>
+              </a:rPr>
+              <a:t> </a:t>
+            </a:r>
+            <a:r>
+              <a:rPr lang="en-US" sz="6600" b="1" dirty="0" err="1">
+                <a:solidFill>
+                  <a:sysClr val="windowText" lastClr="000000"/>
+                </a:solidFill>
+                <a:effectLst>
+                  <a:glow rad="127000">
+                    <a:schemeClr val="bg1"/>
+                  </a:glow>
+                </a:effectLst>
+                <a:latin typeface="VNI-Times" pitchFamily="2" charset="0"/>
+              </a:rPr>
+              <a:t>ôû</a:t>
+            </a:r>
+            <a:r>
+              <a:rPr lang="en-US" sz="6600" b="1" dirty="0">
+                <a:solidFill>
+                  <a:sysClr val="windowText" lastClr="000000"/>
+                </a:solidFill>
+                <a:effectLst>
+                  <a:glow rad="127000">
+                    <a:schemeClr val="bg1"/>
+                  </a:glow>
+                </a:effectLst>
+                <a:latin typeface="VNI-Times" pitchFamily="2" charset="0"/>
+              </a:rPr>
+              <a:t> </a:t>
+            </a:r>
+            <a:r>
+              <a:rPr lang="en-US" sz="6600" b="1" dirty="0" err="1">
+                <a:solidFill>
+                  <a:sysClr val="windowText" lastClr="000000"/>
+                </a:solidFill>
+                <a:effectLst>
+                  <a:glow rad="127000">
+                    <a:schemeClr val="bg1"/>
+                  </a:glow>
+                </a:effectLst>
+                <a:latin typeface="VNI-Times" pitchFamily="2" charset="0"/>
+              </a:rPr>
+              <a:t>giöõa</a:t>
+            </a:r>
+            <a:r>
+              <a:rPr lang="en-US" sz="6600" b="1" dirty="0">
+                <a:solidFill>
+                  <a:sysClr val="windowText" lastClr="000000"/>
+                </a:solidFill>
+                <a:effectLst>
+                  <a:glow rad="127000">
+                    <a:schemeClr val="bg1"/>
+                  </a:glow>
+                </a:effectLst>
+                <a:latin typeface="VNI-Times" pitchFamily="2" charset="0"/>
+              </a:rPr>
+              <a:t> </a:t>
+            </a:r>
+            <a:r>
+              <a:rPr lang="en-US" sz="6600" b="1" dirty="0" err="1">
+                <a:solidFill>
+                  <a:sysClr val="windowText" lastClr="000000"/>
+                </a:solidFill>
+                <a:effectLst>
+                  <a:glow rad="127000">
+                    <a:schemeClr val="bg1"/>
+                  </a:glow>
+                </a:effectLst>
+                <a:latin typeface="VNI-Times" pitchFamily="2" charset="0"/>
+              </a:rPr>
+              <a:t>chuùng</a:t>
+            </a:r>
+            <a:r>
+              <a:rPr lang="en-US" sz="6600" b="1" dirty="0">
+                <a:solidFill>
+                  <a:sysClr val="windowText" lastClr="000000"/>
+                </a:solidFill>
+                <a:effectLst>
+                  <a:glow rad="127000">
+                    <a:schemeClr val="bg1"/>
+                  </a:glow>
+                </a:effectLst>
+                <a:latin typeface="VNI-Times" pitchFamily="2" charset="0"/>
+              </a:rPr>
+              <a:t> </a:t>
+            </a:r>
+            <a:r>
+              <a:rPr lang="en-US" sz="6600" b="1" dirty="0" err="1">
+                <a:solidFill>
+                  <a:sysClr val="windowText" lastClr="000000"/>
+                </a:solidFill>
+                <a:effectLst>
+                  <a:glow rad="127000">
+                    <a:schemeClr val="bg1"/>
+                  </a:glow>
+                </a:effectLst>
+                <a:latin typeface="VNI-Times" pitchFamily="2" charset="0"/>
+              </a:rPr>
+              <a:t>toâi</a:t>
+            </a:r>
+            <a:r>
+              <a:rPr lang="en-US" sz="6600" b="1" dirty="0">
+                <a:solidFill>
+                  <a:sysClr val="windowText" lastClr="000000"/>
+                </a:solidFill>
+                <a:effectLst>
+                  <a:glow rad="127000">
+                    <a:schemeClr val="bg1"/>
+                  </a:glow>
+                </a:effectLst>
+                <a:latin typeface="VNI-Times" pitchFamily="2" charset="0"/>
+              </a:rPr>
+              <a:t>. </a:t>
             </a:r>
           </a:p>
         </p:txBody>
@@ -3548,21 +5386,6 @@
   <p:clrMapOvr>
     <a:masterClrMapping/>
   </p:clrMapOvr>
-  <mc:AlternateContent xmlns:mc="http://schemas.openxmlformats.org/markup-compatibility/2006" xmlns:p14="http://schemas.microsoft.com/office/powerpoint/2010/main">
-    <mc:Choice Requires="p14">
-      <p:transition p14:dur="0"/>
-    </mc:Choice>
-    <mc:Fallback xmlns="">
-      <p:transition/>
-    </mc:Fallback>
-  </mc:AlternateContent>
-  <p:timing>
-    <p:tnLst>
-      <p:par>
-        <p:cTn id="1" dur="indefinite" restart="never" nodeType="tmRoot"/>
-      </p:par>
-    </p:tnLst>
-  </p:timing>
 </p:sld>
 </file>
 
@@ -3621,7 +5444,7 @@
           <a:p>
             <a:pPr algn="ctr"/>
             <a:r>
-              <a:rPr lang="en-US" sz="3200" smtClean="0">
+              <a:rPr lang="en-US" sz="3200" b="1" dirty="0">
                 <a:solidFill>
                   <a:srgbClr val="C00000"/>
                 </a:solidFill>
@@ -3630,21 +5453,10 @@
                     <a:prstClr val="white"/>
                   </a:glow>
                 </a:effectLst>
-                <a:latin typeface="HP-Kabel" pitchFamily="34" charset="0"/>
+                <a:latin typeface="VNI-Times" pitchFamily="2" charset="0"/>
               </a:rPr>
               <a:t>THAÙNH CA 55 – HÔÕI MOÂN ÑOÀ TRUNG TÍN</a:t>
             </a:r>
-            <a:endParaRPr lang="en-US" sz="3200">
-              <a:solidFill>
-                <a:srgbClr val="C00000"/>
-              </a:solidFill>
-              <a:effectLst>
-                <a:glow rad="127000">
-                  <a:prstClr val="white"/>
-                </a:glow>
-              </a:effectLst>
-              <a:latin typeface="HP-Kabel" pitchFamily="34" charset="0"/>
-            </a:endParaRPr>
           </a:p>
         </p:txBody>
       </p:sp>
@@ -3672,72 +5484,268 @@
           <a:p>
             <a:pPr algn="ctr"/>
             <a:r>
-              <a:rPr lang="en-US" sz="6600" b="1" smtClean="0">
-                <a:solidFill>
-                  <a:sysClr val="windowText" lastClr="000000"/>
-                </a:solidFill>
-                <a:effectLst>
-                  <a:glow rad="127000">
-                    <a:prstClr val="white"/>
-                  </a:glow>
-                </a:effectLst>
-                <a:latin typeface="VNI-Aptima" pitchFamily="2" charset="0"/>
-              </a:rPr>
-              <a:t>Bao vinh quang </a:t>
+              <a:rPr lang="en-US" sz="6600" b="1" dirty="0">
+                <a:solidFill>
+                  <a:sysClr val="windowText" lastClr="000000"/>
+                </a:solidFill>
+                <a:effectLst>
+                  <a:glow rad="127000">
+                    <a:prstClr val="white"/>
+                  </a:glow>
+                </a:effectLst>
+                <a:latin typeface="VNI-Times" pitchFamily="2" charset="0"/>
+              </a:rPr>
+              <a:t>Bao </a:t>
+            </a:r>
+            <a:r>
+              <a:rPr lang="en-US" sz="6600" b="1" dirty="0" err="1">
+                <a:solidFill>
+                  <a:sysClr val="windowText" lastClr="000000"/>
+                </a:solidFill>
+                <a:effectLst>
+                  <a:glow rad="127000">
+                    <a:prstClr val="white"/>
+                  </a:glow>
+                </a:effectLst>
+                <a:latin typeface="VNI-Times" pitchFamily="2" charset="0"/>
+              </a:rPr>
+              <a:t>vinh</a:t>
+            </a:r>
+            <a:r>
+              <a:rPr lang="en-US" sz="6600" b="1" dirty="0">
+                <a:solidFill>
+                  <a:sysClr val="windowText" lastClr="000000"/>
+                </a:solidFill>
+                <a:effectLst>
+                  <a:glow rad="127000">
+                    <a:prstClr val="white"/>
+                  </a:glow>
+                </a:effectLst>
+                <a:latin typeface="VNI-Times" pitchFamily="2" charset="0"/>
+              </a:rPr>
+              <a:t> </a:t>
+            </a:r>
+            <a:r>
+              <a:rPr lang="en-US" sz="6600" b="1" dirty="0" err="1">
+                <a:solidFill>
+                  <a:sysClr val="windowText" lastClr="000000"/>
+                </a:solidFill>
+                <a:effectLst>
+                  <a:glow rad="127000">
+                    <a:prstClr val="white"/>
+                  </a:glow>
+                </a:effectLst>
+                <a:latin typeface="VNI-Times" pitchFamily="2" charset="0"/>
+              </a:rPr>
+              <a:t>quang</a:t>
+            </a:r>
+            <a:r>
+              <a:rPr lang="en-US" sz="6600" b="1" dirty="0">
+                <a:solidFill>
+                  <a:sysClr val="windowText" lastClr="000000"/>
+                </a:solidFill>
+                <a:effectLst>
+                  <a:glow rad="127000">
+                    <a:prstClr val="white"/>
+                  </a:glow>
+                </a:effectLst>
+                <a:latin typeface="VNI-Times" pitchFamily="2" charset="0"/>
+              </a:rPr>
+              <a:t> </a:t>
             </a:r>
             <a:br>
-              <a:rPr lang="en-US" sz="6600" b="1" smtClean="0">
-                <a:solidFill>
-                  <a:sysClr val="windowText" lastClr="000000"/>
-                </a:solidFill>
-                <a:effectLst>
-                  <a:glow rad="127000">
-                    <a:prstClr val="white"/>
-                  </a:glow>
-                </a:effectLst>
-                <a:latin typeface="VNI-Aptima" pitchFamily="2" charset="0"/>
+              <a:rPr lang="en-US" sz="6600" b="1" dirty="0">
+                <a:solidFill>
+                  <a:sysClr val="windowText" lastClr="000000"/>
+                </a:solidFill>
+                <a:effectLst>
+                  <a:glow rad="127000">
+                    <a:prstClr val="white"/>
+                  </a:glow>
+                </a:effectLst>
+                <a:latin typeface="VNI-Times" pitchFamily="2" charset="0"/>
               </a:rPr>
             </a:br>
             <a:r>
-              <a:rPr lang="en-US" sz="6600" b="1" smtClean="0">
-                <a:solidFill>
-                  <a:sysClr val="windowText" lastClr="000000"/>
-                </a:solidFill>
-                <a:effectLst>
-                  <a:glow rad="127000">
-                    <a:prstClr val="white"/>
-                  </a:glow>
-                </a:effectLst>
-                <a:latin typeface="VNI-Aptima" pitchFamily="2" charset="0"/>
-              </a:rPr>
-              <a:t>thuoäc Anh Nhi </a:t>
+              <a:rPr lang="en-US" sz="6600" b="1" dirty="0" err="1">
+                <a:solidFill>
+                  <a:sysClr val="windowText" lastClr="000000"/>
+                </a:solidFill>
+                <a:effectLst>
+                  <a:glow rad="127000">
+                    <a:prstClr val="white"/>
+                  </a:glow>
+                </a:effectLst>
+                <a:latin typeface="VNI-Times" pitchFamily="2" charset="0"/>
+              </a:rPr>
+              <a:t>thuoäc</a:t>
+            </a:r>
+            <a:r>
+              <a:rPr lang="en-US" sz="6600" b="1" dirty="0">
+                <a:solidFill>
+                  <a:sysClr val="windowText" lastClr="000000"/>
+                </a:solidFill>
+                <a:effectLst>
+                  <a:glow rad="127000">
+                    <a:prstClr val="white"/>
+                  </a:glow>
+                </a:effectLst>
+                <a:latin typeface="VNI-Times" pitchFamily="2" charset="0"/>
+              </a:rPr>
+              <a:t> Anh </a:t>
+            </a:r>
+            <a:r>
+              <a:rPr lang="en-US" sz="6600" b="1" dirty="0" err="1">
+                <a:solidFill>
+                  <a:sysClr val="windowText" lastClr="000000"/>
+                </a:solidFill>
+                <a:effectLst>
+                  <a:glow rad="127000">
+                    <a:prstClr val="white"/>
+                  </a:glow>
+                </a:effectLst>
+                <a:latin typeface="VNI-Times" pitchFamily="2" charset="0"/>
+              </a:rPr>
+              <a:t>Nhi</a:t>
+            </a:r>
+            <a:r>
+              <a:rPr lang="en-US" sz="6600" b="1" dirty="0">
+                <a:solidFill>
+                  <a:sysClr val="windowText" lastClr="000000"/>
+                </a:solidFill>
+                <a:effectLst>
+                  <a:glow rad="127000">
+                    <a:prstClr val="white"/>
+                  </a:glow>
+                </a:effectLst>
+                <a:latin typeface="VNI-Times" pitchFamily="2" charset="0"/>
+              </a:rPr>
+              <a:t> </a:t>
             </a:r>
             <a:br>
-              <a:rPr lang="en-US" sz="6600" b="1" smtClean="0">
-                <a:solidFill>
-                  <a:sysClr val="windowText" lastClr="000000"/>
-                </a:solidFill>
-                <a:effectLst>
-                  <a:glow rad="127000">
-                    <a:prstClr val="white"/>
-                  </a:glow>
-                </a:effectLst>
-                <a:latin typeface="VNI-Aptima" pitchFamily="2" charset="0"/>
+              <a:rPr lang="en-US" sz="6600" b="1" dirty="0">
+                <a:solidFill>
+                  <a:sysClr val="windowText" lastClr="000000"/>
+                </a:solidFill>
+                <a:effectLst>
+                  <a:glow rad="127000">
+                    <a:prstClr val="white"/>
+                  </a:glow>
+                </a:effectLst>
+                <a:latin typeface="VNI-Times" pitchFamily="2" charset="0"/>
               </a:rPr>
             </a:br>
             <a:r>
-              <a:rPr lang="en-US" sz="6600" b="1" smtClean="0">
-                <a:solidFill>
-                  <a:sysClr val="windowText" lastClr="000000"/>
-                </a:solidFill>
-                <a:effectLst>
-                  <a:glow rad="127000">
-                    <a:prstClr val="white"/>
-                  </a:glow>
-                </a:effectLst>
-                <a:latin typeface="VNI-Aptima" pitchFamily="2" charset="0"/>
-              </a:rPr>
-              <a:t>thaùnh kia ñôøi ñôøi. </a:t>
+              <a:rPr lang="en-US" sz="6600" b="1" dirty="0" err="1">
+                <a:solidFill>
+                  <a:sysClr val="windowText" lastClr="000000"/>
+                </a:solidFill>
+                <a:effectLst>
+                  <a:glow rad="127000">
+                    <a:prstClr val="white"/>
+                  </a:glow>
+                </a:effectLst>
+                <a:latin typeface="VNI-Times" pitchFamily="2" charset="0"/>
+              </a:rPr>
+              <a:t>thaùnh</a:t>
+            </a:r>
+            <a:r>
+              <a:rPr lang="en-US" sz="6600" b="1" dirty="0">
+                <a:solidFill>
+                  <a:sysClr val="windowText" lastClr="000000"/>
+                </a:solidFill>
+                <a:effectLst>
+                  <a:glow rad="127000">
+                    <a:prstClr val="white"/>
+                  </a:glow>
+                </a:effectLst>
+                <a:latin typeface="VNI-Times" pitchFamily="2" charset="0"/>
+              </a:rPr>
+              <a:t> </a:t>
+            </a:r>
+            <a:r>
+              <a:rPr lang="en-US" sz="6600" b="1" dirty="0" err="1">
+                <a:solidFill>
+                  <a:sysClr val="windowText" lastClr="000000"/>
+                </a:solidFill>
+                <a:effectLst>
+                  <a:glow rad="127000">
+                    <a:prstClr val="white"/>
+                  </a:glow>
+                </a:effectLst>
+                <a:latin typeface="VNI-Times" pitchFamily="2" charset="0"/>
+              </a:rPr>
+              <a:t>kia</a:t>
+            </a:r>
+            <a:r>
+              <a:rPr lang="en-US" sz="6600" b="1" dirty="0">
+                <a:solidFill>
+                  <a:sysClr val="windowText" lastClr="000000"/>
+                </a:solidFill>
+                <a:effectLst>
+                  <a:glow rad="127000">
+                    <a:prstClr val="white"/>
+                  </a:glow>
+                </a:effectLst>
+                <a:latin typeface="VNI-Times" pitchFamily="2" charset="0"/>
+              </a:rPr>
+              <a:t> </a:t>
+            </a:r>
+            <a:r>
+              <a:rPr lang="en-US" sz="6600" b="1" dirty="0" err="1">
+                <a:solidFill>
+                  <a:sysClr val="windowText" lastClr="000000"/>
+                </a:solidFill>
+                <a:effectLst>
+                  <a:glow rad="127000">
+                    <a:prstClr val="white"/>
+                  </a:glow>
+                </a:effectLst>
+                <a:latin typeface="VNI-Times" pitchFamily="2" charset="0"/>
+              </a:rPr>
+              <a:t>ñôøi</a:t>
+            </a:r>
+            <a:r>
+              <a:rPr lang="en-US" sz="6600" b="1" dirty="0">
+                <a:solidFill>
+                  <a:sysClr val="windowText" lastClr="000000"/>
+                </a:solidFill>
+                <a:effectLst>
+                  <a:glow rad="127000">
+                    <a:prstClr val="white"/>
+                  </a:glow>
+                </a:effectLst>
+                <a:latin typeface="VNI-Times" pitchFamily="2" charset="0"/>
+              </a:rPr>
+              <a:t> </a:t>
+            </a:r>
+            <a:r>
+              <a:rPr lang="en-US" sz="6600" b="1" dirty="0" err="1">
+                <a:solidFill>
+                  <a:sysClr val="windowText" lastClr="000000"/>
+                </a:solidFill>
+                <a:effectLst>
+                  <a:glow rad="127000">
+                    <a:prstClr val="white"/>
+                  </a:glow>
+                </a:effectLst>
+                <a:latin typeface="VNI-Times" pitchFamily="2" charset="0"/>
+              </a:rPr>
+              <a:t>ñôøi</a:t>
+            </a:r>
+            <a:r>
+              <a:rPr lang="en-US" sz="6600" b="1" dirty="0">
+                <a:solidFill>
+                  <a:sysClr val="windowText" lastClr="000000"/>
+                </a:solidFill>
+                <a:effectLst>
+                  <a:glow rad="127000">
+                    <a:prstClr val="white"/>
+                  </a:glow>
+                </a:effectLst>
+                <a:latin typeface="VNI-Times" pitchFamily="2" charset="0"/>
+              </a:rPr>
+              <a:t>. </a:t>
             </a:r>
           </a:p>
         </p:txBody>
@@ -3752,21 +5760,6 @@
   <p:clrMapOvr>
     <a:overrideClrMapping bg1="lt1" tx1="dk1" bg2="lt2" tx2="dk2" accent1="accent1" accent2="accent2" accent3="accent3" accent4="accent4" accent5="accent5" accent6="accent6" hlink="hlink" folHlink="folHlink"/>
   </p:clrMapOvr>
-  <mc:AlternateContent xmlns:mc="http://schemas.openxmlformats.org/markup-compatibility/2006" xmlns:p14="http://schemas.microsoft.com/office/powerpoint/2010/main">
-    <mc:Choice Requires="p14">
-      <p:transition p14:dur="0"/>
-    </mc:Choice>
-    <mc:Fallback xmlns="">
-      <p:transition/>
-    </mc:Fallback>
-  </mc:AlternateContent>
-  <p:timing>
-    <p:tnLst>
-      <p:par>
-        <p:cTn id="1" dur="indefinite" restart="never" nodeType="tmRoot"/>
-      </p:par>
-    </p:tnLst>
-  </p:timing>
 </p:sld>
 </file>
 
@@ -3825,7 +5818,7 @@
           <a:p>
             <a:pPr algn="ctr"/>
             <a:r>
-              <a:rPr lang="en-US" sz="3200" smtClean="0">
+              <a:rPr lang="en-US" sz="3200" b="1" dirty="0">
                 <a:solidFill>
                   <a:srgbClr val="C00000"/>
                 </a:solidFill>
@@ -3834,21 +5827,10 @@
                     <a:prstClr val="white"/>
                   </a:glow>
                 </a:effectLst>
-                <a:latin typeface="HP-Kabel" pitchFamily="34" charset="0"/>
+                <a:latin typeface="VNI-Times" pitchFamily="2" charset="0"/>
               </a:rPr>
               <a:t>THAÙNH CA 55 – HÔÕI MOÂN ÑOÀ TRUNG TÍN</a:t>
             </a:r>
-            <a:endParaRPr lang="en-US" sz="3200">
-              <a:solidFill>
-                <a:srgbClr val="C00000"/>
-              </a:solidFill>
-              <a:effectLst>
-                <a:glow rad="127000">
-                  <a:prstClr val="white"/>
-                </a:glow>
-              </a:effectLst>
-              <a:latin typeface="HP-Kabel" pitchFamily="34" charset="0"/>
-            </a:endParaRPr>
           </a:p>
         </p:txBody>
       </p:sp>
@@ -3876,72 +5858,310 @@
           <a:p>
             <a:pPr algn="ctr"/>
             <a:r>
-              <a:rPr lang="en-US" sz="6600" b="1" smtClean="0">
-                <a:solidFill>
-                  <a:sysClr val="windowText" lastClr="000000"/>
-                </a:solidFill>
-                <a:effectLst>
-                  <a:glow rad="127000">
-                    <a:prstClr val="white"/>
-                  </a:glow>
-                </a:effectLst>
-                <a:latin typeface="VNI-Aptima" pitchFamily="2" charset="0"/>
-              </a:rPr>
-              <a:t>Ñaáng Cha sai giaùng </a:t>
+              <a:rPr lang="en-US" sz="6600" b="1" dirty="0" err="1">
+                <a:solidFill>
+                  <a:sysClr val="windowText" lastClr="000000"/>
+                </a:solidFill>
+                <a:effectLst>
+                  <a:glow rad="127000">
+                    <a:prstClr val="white"/>
+                  </a:glow>
+                </a:effectLst>
+                <a:latin typeface="VNI-Times" pitchFamily="2" charset="0"/>
+              </a:rPr>
+              <a:t>Ñaáng</a:t>
+            </a:r>
+            <a:r>
+              <a:rPr lang="en-US" sz="6600" b="1" dirty="0">
+                <a:solidFill>
+                  <a:sysClr val="windowText" lastClr="000000"/>
+                </a:solidFill>
+                <a:effectLst>
+                  <a:glow rad="127000">
+                    <a:prstClr val="white"/>
+                  </a:glow>
+                </a:effectLst>
+                <a:latin typeface="VNI-Times" pitchFamily="2" charset="0"/>
+              </a:rPr>
+              <a:t> Cha </a:t>
+            </a:r>
+            <a:r>
+              <a:rPr lang="en-US" sz="6600" b="1" dirty="0" err="1">
+                <a:solidFill>
+                  <a:sysClr val="windowText" lastClr="000000"/>
+                </a:solidFill>
+                <a:effectLst>
+                  <a:glow rad="127000">
+                    <a:prstClr val="white"/>
+                  </a:glow>
+                </a:effectLst>
+                <a:latin typeface="VNI-Times" pitchFamily="2" charset="0"/>
+              </a:rPr>
+              <a:t>sai</a:t>
+            </a:r>
+            <a:r>
+              <a:rPr lang="en-US" sz="6600" b="1" dirty="0">
+                <a:solidFill>
+                  <a:sysClr val="windowText" lastClr="000000"/>
+                </a:solidFill>
+                <a:effectLst>
+                  <a:glow rad="127000">
+                    <a:prstClr val="white"/>
+                  </a:glow>
+                </a:effectLst>
+                <a:latin typeface="VNI-Times" pitchFamily="2" charset="0"/>
+              </a:rPr>
+              <a:t> </a:t>
+            </a:r>
+            <a:r>
+              <a:rPr lang="en-US" sz="6600" b="1" dirty="0" err="1">
+                <a:solidFill>
+                  <a:sysClr val="windowText" lastClr="000000"/>
+                </a:solidFill>
+                <a:effectLst>
+                  <a:glow rad="127000">
+                    <a:prstClr val="white"/>
+                  </a:glow>
+                </a:effectLst>
+                <a:latin typeface="VNI-Times" pitchFamily="2" charset="0"/>
+              </a:rPr>
+              <a:t>giaùng</a:t>
+            </a:r>
+            <a:r>
+              <a:rPr lang="en-US" sz="6600" b="1" dirty="0">
+                <a:solidFill>
+                  <a:sysClr val="windowText" lastClr="000000"/>
+                </a:solidFill>
+                <a:effectLst>
+                  <a:glow rad="127000">
+                    <a:prstClr val="white"/>
+                  </a:glow>
+                </a:effectLst>
+                <a:latin typeface="VNI-Times" pitchFamily="2" charset="0"/>
+              </a:rPr>
+              <a:t> </a:t>
             </a:r>
             <a:br>
-              <a:rPr lang="en-US" sz="6600" b="1" smtClean="0">
-                <a:solidFill>
-                  <a:sysClr val="windowText" lastClr="000000"/>
-                </a:solidFill>
-                <a:effectLst>
-                  <a:glow rad="127000">
-                    <a:prstClr val="white"/>
-                  </a:glow>
-                </a:effectLst>
-                <a:latin typeface="VNI-Aptima" pitchFamily="2" charset="0"/>
+              <a:rPr lang="en-US" sz="6600" b="1" dirty="0">
+                <a:solidFill>
+                  <a:sysClr val="windowText" lastClr="000000"/>
+                </a:solidFill>
+                <a:effectLst>
+                  <a:glow rad="127000">
+                    <a:prstClr val="white"/>
+                  </a:glow>
+                </a:effectLst>
+                <a:latin typeface="VNI-Times" pitchFamily="2" charset="0"/>
               </a:rPr>
             </a:br>
             <a:r>
-              <a:rPr lang="en-US" sz="6600" b="1" smtClean="0">
-                <a:solidFill>
-                  <a:sysClr val="windowText" lastClr="000000"/>
-                </a:solidFill>
-                <a:effectLst>
-                  <a:glow rad="127000">
-                    <a:prstClr val="white"/>
-                  </a:glow>
-                </a:effectLst>
-                <a:latin typeface="VNI-Aptima" pitchFamily="2" charset="0"/>
-              </a:rPr>
-              <a:t>sinh trong xaùc thòt, </a:t>
+              <a:rPr lang="en-US" sz="6600" b="1" dirty="0" err="1">
+                <a:solidFill>
+                  <a:sysClr val="windowText" lastClr="000000"/>
+                </a:solidFill>
+                <a:effectLst>
+                  <a:glow rad="127000">
+                    <a:prstClr val="white"/>
+                  </a:glow>
+                </a:effectLst>
+                <a:latin typeface="VNI-Times" pitchFamily="2" charset="0"/>
+              </a:rPr>
+              <a:t>sinh</a:t>
+            </a:r>
+            <a:r>
+              <a:rPr lang="en-US" sz="6600" b="1" dirty="0">
+                <a:solidFill>
+                  <a:sysClr val="windowText" lastClr="000000"/>
+                </a:solidFill>
+                <a:effectLst>
+                  <a:glow rad="127000">
+                    <a:prstClr val="white"/>
+                  </a:glow>
+                </a:effectLst>
+                <a:latin typeface="VNI-Times" pitchFamily="2" charset="0"/>
+              </a:rPr>
+              <a:t> </a:t>
+            </a:r>
+            <a:r>
+              <a:rPr lang="en-US" sz="6600" b="1" dirty="0" err="1">
+                <a:solidFill>
+                  <a:sysClr val="windowText" lastClr="000000"/>
+                </a:solidFill>
+                <a:effectLst>
+                  <a:glow rad="127000">
+                    <a:prstClr val="white"/>
+                  </a:glow>
+                </a:effectLst>
+                <a:latin typeface="VNI-Times" pitchFamily="2" charset="0"/>
+              </a:rPr>
+              <a:t>trong</a:t>
+            </a:r>
+            <a:r>
+              <a:rPr lang="en-US" sz="6600" b="1" dirty="0">
+                <a:solidFill>
+                  <a:sysClr val="windowText" lastClr="000000"/>
+                </a:solidFill>
+                <a:effectLst>
+                  <a:glow rad="127000">
+                    <a:prstClr val="white"/>
+                  </a:glow>
+                </a:effectLst>
+                <a:latin typeface="VNI-Times" pitchFamily="2" charset="0"/>
+              </a:rPr>
+              <a:t> </a:t>
+            </a:r>
+            <a:r>
+              <a:rPr lang="en-US" sz="6600" b="1" dirty="0" err="1">
+                <a:solidFill>
+                  <a:sysClr val="windowText" lastClr="000000"/>
+                </a:solidFill>
+                <a:effectLst>
+                  <a:glow rad="127000">
+                    <a:prstClr val="white"/>
+                  </a:glow>
+                </a:effectLst>
+                <a:latin typeface="VNI-Times" pitchFamily="2" charset="0"/>
+              </a:rPr>
+              <a:t>xaùc</a:t>
+            </a:r>
+            <a:r>
+              <a:rPr lang="en-US" sz="6600" b="1" dirty="0">
+                <a:solidFill>
+                  <a:sysClr val="windowText" lastClr="000000"/>
+                </a:solidFill>
+                <a:effectLst>
+                  <a:glow rad="127000">
+                    <a:prstClr val="white"/>
+                  </a:glow>
+                </a:effectLst>
+                <a:latin typeface="VNI-Times" pitchFamily="2" charset="0"/>
+              </a:rPr>
+              <a:t> </a:t>
+            </a:r>
+            <a:r>
+              <a:rPr lang="en-US" sz="6600" b="1" dirty="0" err="1">
+                <a:solidFill>
+                  <a:sysClr val="windowText" lastClr="000000"/>
+                </a:solidFill>
+                <a:effectLst>
+                  <a:glow rad="127000">
+                    <a:prstClr val="white"/>
+                  </a:glow>
+                </a:effectLst>
+                <a:latin typeface="VNI-Times" pitchFamily="2" charset="0"/>
+              </a:rPr>
+              <a:t>thòt</a:t>
+            </a:r>
+            <a:r>
+              <a:rPr lang="en-US" sz="6600" b="1" dirty="0">
+                <a:solidFill>
+                  <a:sysClr val="windowText" lastClr="000000"/>
+                </a:solidFill>
+                <a:effectLst>
+                  <a:glow rad="127000">
+                    <a:prstClr val="white"/>
+                  </a:glow>
+                </a:effectLst>
+                <a:latin typeface="VNI-Times" pitchFamily="2" charset="0"/>
+              </a:rPr>
+              <a:t>, </a:t>
             </a:r>
             <a:br>
-              <a:rPr lang="en-US" sz="6600" b="1" smtClean="0">
-                <a:solidFill>
-                  <a:sysClr val="windowText" lastClr="000000"/>
-                </a:solidFill>
-                <a:effectLst>
-                  <a:glow rad="127000">
-                    <a:prstClr val="white"/>
-                  </a:glow>
-                </a:effectLst>
-                <a:latin typeface="VNI-Aptima" pitchFamily="2" charset="0"/>
+              <a:rPr lang="en-US" sz="6600" b="1" dirty="0">
+                <a:solidFill>
+                  <a:sysClr val="windowText" lastClr="000000"/>
+                </a:solidFill>
+                <a:effectLst>
+                  <a:glow rad="127000">
+                    <a:prstClr val="white"/>
+                  </a:glow>
+                </a:effectLst>
+                <a:latin typeface="VNI-Times" pitchFamily="2" charset="0"/>
               </a:rPr>
             </a:br>
             <a:r>
-              <a:rPr lang="en-US" sz="6600" b="1" smtClean="0">
-                <a:solidFill>
-                  <a:sysClr val="windowText" lastClr="000000"/>
-                </a:solidFill>
-                <a:effectLst>
-                  <a:glow rad="127000">
-                    <a:prstClr val="white"/>
-                  </a:glow>
-                </a:effectLst>
-                <a:latin typeface="VNI-Aptima" pitchFamily="2" charset="0"/>
-              </a:rPr>
-              <a:t>aáy Ñaïo Trôøi.</a:t>
+              <a:rPr lang="en-US" sz="6600" b="1" dirty="0" err="1">
+                <a:solidFill>
+                  <a:sysClr val="windowText" lastClr="000000"/>
+                </a:solidFill>
+                <a:effectLst>
+                  <a:glow rad="127000">
+                    <a:prstClr val="white"/>
+                  </a:glow>
+                </a:effectLst>
+                <a:latin typeface="VNI-Times" pitchFamily="2" charset="0"/>
+              </a:rPr>
+              <a:t>aáy</a:t>
+            </a:r>
+            <a:r>
+              <a:rPr lang="en-US" sz="6600" b="1" dirty="0">
+                <a:solidFill>
+                  <a:sysClr val="windowText" lastClr="000000"/>
+                </a:solidFill>
+                <a:effectLst>
+                  <a:glow rad="127000">
+                    <a:prstClr val="white"/>
+                  </a:glow>
+                </a:effectLst>
+                <a:latin typeface="VNI-Times" pitchFamily="2" charset="0"/>
+              </a:rPr>
+              <a:t> </a:t>
+            </a:r>
+            <a:r>
+              <a:rPr lang="en-US" sz="6600" b="1" dirty="0" err="1">
+                <a:solidFill>
+                  <a:sysClr val="windowText" lastClr="000000"/>
+                </a:solidFill>
+                <a:effectLst>
+                  <a:glow rad="127000">
+                    <a:prstClr val="white"/>
+                  </a:glow>
+                </a:effectLst>
+                <a:latin typeface="VNI-Times" pitchFamily="2" charset="0"/>
+              </a:rPr>
+              <a:t>Ñaïo</a:t>
+            </a:r>
+            <a:r>
+              <a:rPr lang="en-US" sz="6600" b="1" dirty="0">
+                <a:solidFill>
+                  <a:sysClr val="windowText" lastClr="000000"/>
+                </a:solidFill>
+                <a:effectLst>
+                  <a:glow rad="127000">
+                    <a:prstClr val="white"/>
+                  </a:glow>
+                </a:effectLst>
+                <a:latin typeface="VNI-Times" pitchFamily="2" charset="0"/>
+              </a:rPr>
+              <a:t> </a:t>
+            </a:r>
+            <a:r>
+              <a:rPr lang="en-US" sz="6600" b="1" dirty="0" err="1">
+                <a:solidFill>
+                  <a:sysClr val="windowText" lastClr="000000"/>
+                </a:solidFill>
+                <a:effectLst>
+                  <a:glow rad="127000">
+                    <a:prstClr val="white"/>
+                  </a:glow>
+                </a:effectLst>
+                <a:latin typeface="VNI-Times" pitchFamily="2" charset="0"/>
+              </a:rPr>
+              <a:t>Trôøi</a:t>
+            </a:r>
+            <a:r>
+              <a:rPr lang="en-US" sz="6600" b="1" dirty="0">
+                <a:solidFill>
+                  <a:sysClr val="windowText" lastClr="000000"/>
+                </a:solidFill>
+                <a:effectLst>
+                  <a:glow rad="127000">
+                    <a:prstClr val="white"/>
+                  </a:glow>
+                </a:effectLst>
+                <a:latin typeface="VNI-Times" pitchFamily="2" charset="0"/>
+              </a:rPr>
+              <a:t>.</a:t>
             </a:r>
           </a:p>
         </p:txBody>
@@ -3956,21 +6176,6 @@
   <p:clrMapOvr>
     <a:overrideClrMapping bg1="lt1" tx1="dk1" bg2="lt2" tx2="dk2" accent1="accent1" accent2="accent2" accent3="accent3" accent4="accent4" accent5="accent5" accent6="accent6" hlink="hlink" folHlink="folHlink"/>
   </p:clrMapOvr>
-  <mc:AlternateContent xmlns:mc="http://schemas.openxmlformats.org/markup-compatibility/2006" xmlns:p14="http://schemas.microsoft.com/office/powerpoint/2010/main">
-    <mc:Choice Requires="p14">
-      <p:transition p14:dur="0"/>
-    </mc:Choice>
-    <mc:Fallback xmlns="">
-      <p:transition/>
-    </mc:Fallback>
-  </mc:AlternateContent>
-  <p:timing>
-    <p:tnLst>
-      <p:par>
-        <p:cTn id="1" dur="indefinite" restart="never" nodeType="tmRoot"/>
-      </p:par>
-    </p:tnLst>
-  </p:timing>
 </p:sld>
 </file>
 
@@ -4015,7 +6220,7 @@
           <a:p>
             <a:pPr algn="ctr"/>
             <a:r>
-              <a:rPr lang="en-US" sz="3200" smtClean="0">
+              <a:rPr lang="en-US" sz="3200" b="1" dirty="0">
                 <a:solidFill>
                   <a:srgbClr val="C00000"/>
                 </a:solidFill>
@@ -4024,21 +6229,10 @@
                     <a:prstClr val="white"/>
                   </a:glow>
                 </a:effectLst>
-                <a:latin typeface="HP-Kabel" pitchFamily="34" charset="0"/>
+                <a:latin typeface="VNI-Times" pitchFamily="2" charset="0"/>
               </a:rPr>
               <a:t>THAÙNH CA 55 – HÔÕI MOÂN ÑOÀ TRUNG TÍN</a:t>
             </a:r>
-            <a:endParaRPr lang="en-US" sz="3200">
-              <a:solidFill>
-                <a:srgbClr val="C00000"/>
-              </a:solidFill>
-              <a:effectLst>
-                <a:glow rad="127000">
-                  <a:prstClr val="white"/>
-                </a:glow>
-              </a:effectLst>
-              <a:latin typeface="HP-Kabel" pitchFamily="34" charset="0"/>
-            </a:endParaRPr>
           </a:p>
         </p:txBody>
       </p:sp>
@@ -4066,35 +6260,35 @@
           <a:p>
             <a:pPr algn="ctr"/>
             <a:r>
-              <a:rPr lang="en-US" sz="4000" b="1">
-                <a:solidFill>
-                  <a:sysClr val="windowText" lastClr="000000"/>
-                </a:solidFill>
-                <a:effectLst>
-                  <a:glow rad="127000">
-                    <a:prstClr val="white"/>
-                  </a:glow>
-                </a:effectLst>
-                <a:latin typeface="VNI-Aptima" pitchFamily="2" charset="0"/>
+              <a:rPr lang="en-US" sz="4000" b="1" dirty="0">
+                <a:solidFill>
+                  <a:sysClr val="windowText" lastClr="000000"/>
+                </a:solidFill>
+                <a:effectLst>
+                  <a:glow rad="127000">
+                    <a:prstClr val="white"/>
+                  </a:glow>
+                </a:effectLst>
+                <a:latin typeface="VNI-Times" pitchFamily="2" charset="0"/>
               </a:rPr>
               <a:t>1.</a:t>
             </a:r>
             <a:r>
-              <a:rPr lang="en-US" sz="6600" b="1">
-                <a:solidFill>
-                  <a:sysClr val="windowText" lastClr="000000"/>
-                </a:solidFill>
-                <a:effectLst>
-                  <a:glow rad="127000">
-                    <a:prstClr val="white"/>
-                  </a:glow>
-                </a:effectLst>
-                <a:latin typeface="VNI-Aptima" pitchFamily="2" charset="0"/>
-              </a:rPr>
-              <a:t> </a:t>
-            </a:r>
-            <a:r>
-              <a:rPr lang="en-US" sz="6600" b="1" smtClean="0">
+              <a:rPr lang="en-US" sz="6600" b="1" dirty="0">
+                <a:solidFill>
+                  <a:sysClr val="windowText" lastClr="000000"/>
+                </a:solidFill>
+                <a:effectLst>
+                  <a:glow rad="127000">
+                    <a:prstClr val="white"/>
+                  </a:glow>
+                </a:effectLst>
+                <a:latin typeface="VNI-Times" pitchFamily="2" charset="0"/>
+              </a:rPr>
+              <a:t> </a:t>
+            </a:r>
+            <a:r>
+              <a:rPr lang="en-US" sz="6600" b="1" dirty="0" err="1">
                 <a:solidFill>
                   <a:sysClr val="windowText" lastClr="000000"/>
                 </a:solidFill>
@@ -4103,12 +6297,110 @@
                     <a:schemeClr val="bg1"/>
                   </a:glow>
                 </a:effectLst>
-                <a:latin typeface="VNI-Aptima" pitchFamily="2" charset="0"/>
-              </a:rPr>
-              <a:t>Hôõi moân ñoà trung </a:t>
+                <a:latin typeface="VNI-Times" pitchFamily="2" charset="0"/>
+              </a:rPr>
+              <a:t>Hôõi</a:t>
+            </a:r>
+            <a:r>
+              <a:rPr lang="en-US" sz="6600" b="1" dirty="0">
+                <a:solidFill>
+                  <a:sysClr val="windowText" lastClr="000000"/>
+                </a:solidFill>
+                <a:effectLst>
+                  <a:glow rad="127000">
+                    <a:schemeClr val="bg1"/>
+                  </a:glow>
+                </a:effectLst>
+                <a:latin typeface="VNI-Times" pitchFamily="2" charset="0"/>
+              </a:rPr>
+              <a:t> </a:t>
+            </a:r>
+            <a:r>
+              <a:rPr lang="en-US" sz="6600" b="1" dirty="0" err="1">
+                <a:solidFill>
+                  <a:sysClr val="windowText" lastClr="000000"/>
+                </a:solidFill>
+                <a:effectLst>
+                  <a:glow rad="127000">
+                    <a:schemeClr val="bg1"/>
+                  </a:glow>
+                </a:effectLst>
+                <a:latin typeface="VNI-Times" pitchFamily="2" charset="0"/>
+              </a:rPr>
+              <a:t>moân</a:t>
+            </a:r>
+            <a:r>
+              <a:rPr lang="en-US" sz="6600" b="1" dirty="0">
+                <a:solidFill>
+                  <a:sysClr val="windowText" lastClr="000000"/>
+                </a:solidFill>
+                <a:effectLst>
+                  <a:glow rad="127000">
+                    <a:schemeClr val="bg1"/>
+                  </a:glow>
+                </a:effectLst>
+                <a:latin typeface="VNI-Times" pitchFamily="2" charset="0"/>
+              </a:rPr>
+              <a:t> </a:t>
+            </a:r>
+            <a:r>
+              <a:rPr lang="en-US" sz="6600" b="1" dirty="0" err="1">
+                <a:solidFill>
+                  <a:sysClr val="windowText" lastClr="000000"/>
+                </a:solidFill>
+                <a:effectLst>
+                  <a:glow rad="127000">
+                    <a:schemeClr val="bg1"/>
+                  </a:glow>
+                </a:effectLst>
+                <a:latin typeface="VNI-Times" pitchFamily="2" charset="0"/>
+              </a:rPr>
+              <a:t>ñoà</a:t>
+            </a:r>
+            <a:r>
+              <a:rPr lang="en-US" sz="6600" b="1" dirty="0">
+                <a:solidFill>
+                  <a:sysClr val="windowText" lastClr="000000"/>
+                </a:solidFill>
+                <a:effectLst>
+                  <a:glow rad="127000">
+                    <a:schemeClr val="bg1"/>
+                  </a:glow>
+                </a:effectLst>
+                <a:latin typeface="VNI-Times" pitchFamily="2" charset="0"/>
+              </a:rPr>
+              <a:t> </a:t>
+            </a:r>
+            <a:r>
+              <a:rPr lang="en-US" sz="6600" b="1" dirty="0" err="1">
+                <a:solidFill>
+                  <a:sysClr val="windowText" lastClr="000000"/>
+                </a:solidFill>
+                <a:effectLst>
+                  <a:glow rad="127000">
+                    <a:schemeClr val="bg1"/>
+                  </a:glow>
+                </a:effectLst>
+                <a:latin typeface="VNI-Times" pitchFamily="2" charset="0"/>
+              </a:rPr>
+              <a:t>trung</a:t>
+            </a:r>
+            <a:r>
+              <a:rPr lang="en-US" sz="6600" b="1" dirty="0">
+                <a:solidFill>
+                  <a:sysClr val="windowText" lastClr="000000"/>
+                </a:solidFill>
+                <a:effectLst>
+                  <a:glow rad="127000">
+                    <a:schemeClr val="bg1"/>
+                  </a:glow>
+                </a:effectLst>
+                <a:latin typeface="VNI-Times" pitchFamily="2" charset="0"/>
+              </a:rPr>
+              <a:t> </a:t>
             </a:r>
             <a:br>
-              <a:rPr lang="en-US" sz="6600" b="1" smtClean="0">
+              <a:rPr lang="en-US" sz="6600" b="1" dirty="0">
                 <a:solidFill>
                   <a:sysClr val="windowText" lastClr="000000"/>
                 </a:solidFill>
@@ -4117,11 +6409,11 @@
                     <a:schemeClr val="bg1"/>
                   </a:glow>
                 </a:effectLst>
-                <a:latin typeface="VNI-Aptima" pitchFamily="2" charset="0"/>
+                <a:latin typeface="VNI-Times" pitchFamily="2" charset="0"/>
               </a:rPr>
             </a:br>
             <a:r>
-              <a:rPr lang="en-US" sz="6600" b="1" smtClean="0">
+              <a:rPr lang="en-US" sz="6600" b="1" dirty="0" err="1">
                 <a:solidFill>
                   <a:sysClr val="windowText" lastClr="000000"/>
                 </a:solidFill>
@@ -4130,12 +6422,110 @@
                     <a:schemeClr val="bg1"/>
                   </a:glow>
                 </a:effectLst>
-                <a:latin typeface="VNI-Aptima" pitchFamily="2" charset="0"/>
-              </a:rPr>
-              <a:t>tín, dìu daét nhau </a:t>
+                <a:latin typeface="VNI-Times" pitchFamily="2" charset="0"/>
+              </a:rPr>
+              <a:t>tín</a:t>
+            </a:r>
+            <a:r>
+              <a:rPr lang="en-US" sz="6600" b="1" dirty="0">
+                <a:solidFill>
+                  <a:sysClr val="windowText" lastClr="000000"/>
+                </a:solidFill>
+                <a:effectLst>
+                  <a:glow rad="127000">
+                    <a:schemeClr val="bg1"/>
+                  </a:glow>
+                </a:effectLst>
+                <a:latin typeface="VNI-Times" pitchFamily="2" charset="0"/>
+              </a:rPr>
+              <a:t>, </a:t>
+            </a:r>
+            <a:r>
+              <a:rPr lang="en-US" sz="6600" b="1" dirty="0" err="1">
+                <a:solidFill>
+                  <a:sysClr val="windowText" lastClr="000000"/>
+                </a:solidFill>
+                <a:effectLst>
+                  <a:glow rad="127000">
+                    <a:schemeClr val="bg1"/>
+                  </a:glow>
+                </a:effectLst>
+                <a:latin typeface="VNI-Times" pitchFamily="2" charset="0"/>
+              </a:rPr>
+              <a:t>dìu</a:t>
+            </a:r>
+            <a:r>
+              <a:rPr lang="en-US" sz="6600" b="1" dirty="0">
+                <a:solidFill>
+                  <a:sysClr val="windowText" lastClr="000000"/>
+                </a:solidFill>
+                <a:effectLst>
+                  <a:glow rad="127000">
+                    <a:schemeClr val="bg1"/>
+                  </a:glow>
+                </a:effectLst>
+                <a:latin typeface="VNI-Times" pitchFamily="2" charset="0"/>
+              </a:rPr>
+              <a:t> </a:t>
+            </a:r>
+            <a:r>
+              <a:rPr lang="en-US" sz="6600" b="1" dirty="0" err="1">
+                <a:solidFill>
+                  <a:sysClr val="windowText" lastClr="000000"/>
+                </a:solidFill>
+                <a:effectLst>
+                  <a:glow rad="127000">
+                    <a:schemeClr val="bg1"/>
+                  </a:glow>
+                </a:effectLst>
+                <a:latin typeface="VNI-Times" pitchFamily="2" charset="0"/>
+              </a:rPr>
+              <a:t>daét</a:t>
+            </a:r>
+            <a:r>
+              <a:rPr lang="en-US" sz="6600" b="1" dirty="0">
+                <a:solidFill>
+                  <a:sysClr val="windowText" lastClr="000000"/>
+                </a:solidFill>
+                <a:effectLst>
+                  <a:glow rad="127000">
+                    <a:schemeClr val="bg1"/>
+                  </a:glow>
+                </a:effectLst>
+                <a:latin typeface="VNI-Times" pitchFamily="2" charset="0"/>
+              </a:rPr>
+              <a:t> </a:t>
+            </a:r>
+            <a:r>
+              <a:rPr lang="en-US" sz="6600" b="1" dirty="0" err="1">
+                <a:solidFill>
+                  <a:sysClr val="windowText" lastClr="000000"/>
+                </a:solidFill>
+                <a:effectLst>
+                  <a:glow rad="127000">
+                    <a:schemeClr val="bg1"/>
+                  </a:glow>
+                </a:effectLst>
+                <a:latin typeface="VNI-Times" pitchFamily="2" charset="0"/>
+              </a:rPr>
+              <a:t>nhau</a:t>
+            </a:r>
+            <a:r>
+              <a:rPr lang="en-US" sz="6600" b="1" dirty="0">
+                <a:solidFill>
+                  <a:sysClr val="windowText" lastClr="000000"/>
+                </a:solidFill>
+                <a:effectLst>
+                  <a:glow rad="127000">
+                    <a:schemeClr val="bg1"/>
+                  </a:glow>
+                </a:effectLst>
+                <a:latin typeface="VNI-Times" pitchFamily="2" charset="0"/>
+              </a:rPr>
+              <a:t> </a:t>
             </a:r>
             <a:br>
-              <a:rPr lang="en-US" sz="6600" b="1" smtClean="0">
+              <a:rPr lang="en-US" sz="6600" b="1" dirty="0">
                 <a:solidFill>
                   <a:sysClr val="windowText" lastClr="000000"/>
                 </a:solidFill>
@@ -4144,11 +6534,11 @@
                     <a:schemeClr val="bg1"/>
                   </a:glow>
                 </a:effectLst>
-                <a:latin typeface="VNI-Aptima" pitchFamily="2" charset="0"/>
+                <a:latin typeface="VNI-Times" pitchFamily="2" charset="0"/>
               </a:rPr>
             </a:br>
             <a:r>
-              <a:rPr lang="en-US" sz="6600" b="1" smtClean="0">
+              <a:rPr lang="en-US" sz="6600" b="1" dirty="0" err="1">
                 <a:solidFill>
                   <a:sysClr val="windowText" lastClr="000000"/>
                 </a:solidFill>
@@ -4157,11 +6547,81 @@
                     <a:schemeClr val="bg1"/>
                   </a:glow>
                 </a:effectLst>
-                <a:latin typeface="VNI-Aptima" pitchFamily="2" charset="0"/>
-              </a:rPr>
-              <a:t>vui haùt du döông. </a:t>
-            </a:r>
-            <a:endParaRPr lang="en-US" sz="6600" b="1">
+                <a:latin typeface="VNI-Times" pitchFamily="2" charset="0"/>
+              </a:rPr>
+              <a:t>vui</a:t>
+            </a:r>
+            <a:r>
+              <a:rPr lang="en-US" sz="6600" b="1" dirty="0">
+                <a:solidFill>
+                  <a:sysClr val="windowText" lastClr="000000"/>
+                </a:solidFill>
+                <a:effectLst>
+                  <a:glow rad="127000">
+                    <a:schemeClr val="bg1"/>
+                  </a:glow>
+                </a:effectLst>
+                <a:latin typeface="VNI-Times" pitchFamily="2" charset="0"/>
+              </a:rPr>
+              <a:t> </a:t>
+            </a:r>
+            <a:r>
+              <a:rPr lang="en-US" sz="6600" b="1" dirty="0" err="1">
+                <a:solidFill>
+                  <a:sysClr val="windowText" lastClr="000000"/>
+                </a:solidFill>
+                <a:effectLst>
+                  <a:glow rad="127000">
+                    <a:schemeClr val="bg1"/>
+                  </a:glow>
+                </a:effectLst>
+                <a:latin typeface="VNI-Times" pitchFamily="2" charset="0"/>
+              </a:rPr>
+              <a:t>haùt</a:t>
+            </a:r>
+            <a:r>
+              <a:rPr lang="en-US" sz="6600" b="1" dirty="0">
+                <a:solidFill>
+                  <a:sysClr val="windowText" lastClr="000000"/>
+                </a:solidFill>
+                <a:effectLst>
+                  <a:glow rad="127000">
+                    <a:schemeClr val="bg1"/>
+                  </a:glow>
+                </a:effectLst>
+                <a:latin typeface="VNI-Times" pitchFamily="2" charset="0"/>
+              </a:rPr>
+              <a:t> du </a:t>
+            </a:r>
+            <a:r>
+              <a:rPr lang="en-US" sz="6600" b="1" dirty="0" err="1">
+                <a:solidFill>
+                  <a:sysClr val="windowText" lastClr="000000"/>
+                </a:solidFill>
+                <a:effectLst>
+                  <a:glow rad="127000">
+                    <a:schemeClr val="bg1"/>
+                  </a:glow>
+                </a:effectLst>
+                <a:latin typeface="VNI-Times" pitchFamily="2" charset="0"/>
+              </a:rPr>
+              <a:t>döông</a:t>
+            </a:r>
+            <a:r>
+              <a:rPr lang="en-US" sz="6600" b="1" dirty="0">
+                <a:solidFill>
+                  <a:sysClr val="windowText" lastClr="000000"/>
+                </a:solidFill>
+                <a:effectLst>
+                  <a:glow rad="127000">
+                    <a:schemeClr val="bg1"/>
+                  </a:glow>
+                </a:effectLst>
+                <a:latin typeface="VNI-Times" pitchFamily="2" charset="0"/>
+              </a:rPr>
+              <a:t>. </a:t>
+            </a:r>
+            <a:endParaRPr lang="en-US" sz="6600" b="1" dirty="0">
               <a:solidFill>
                 <a:prstClr val="black"/>
               </a:solidFill>
@@ -4170,7 +6630,7 @@
                   <a:prstClr val="white"/>
                 </a:glow>
               </a:effectLst>
-              <a:latin typeface="VNI-Aptima" pitchFamily="2" charset="0"/>
+              <a:latin typeface="VNI-Times" pitchFamily="2" charset="0"/>
             </a:endParaRPr>
           </a:p>
         </p:txBody>
@@ -4188,13 +6648,6 @@
   <p:transition spd="slow">
     <p:randomBar dir="vert"/>
   </p:transition>
-  <p:timing>
-    <p:tnLst>
-      <p:par>
-        <p:cTn id="1" dur="indefinite" restart="never" nodeType="tmRoot"/>
-      </p:par>
-    </p:tnLst>
-  </p:timing>
 </p:sld>
 </file>
 
@@ -4253,7 +6706,7 @@
           <a:p>
             <a:pPr algn="ctr"/>
             <a:r>
-              <a:rPr lang="en-US" sz="3200" smtClean="0">
+              <a:rPr lang="en-US" sz="3200" b="1" dirty="0">
                 <a:solidFill>
                   <a:srgbClr val="C00000"/>
                 </a:solidFill>
@@ -4262,21 +6715,10 @@
                     <a:prstClr val="white"/>
                   </a:glow>
                 </a:effectLst>
-                <a:latin typeface="HP-Kabel" pitchFamily="34" charset="0"/>
+                <a:latin typeface="VNI-Times" pitchFamily="2" charset="0"/>
               </a:rPr>
               <a:t>THAÙNH CA 55 – HÔÕI MOÂN ÑOÀ TRUNG TÍN</a:t>
             </a:r>
-            <a:endParaRPr lang="en-US" sz="3200">
-              <a:solidFill>
-                <a:srgbClr val="C00000"/>
-              </a:solidFill>
-              <a:effectLst>
-                <a:glow rad="127000">
-                  <a:prstClr val="white"/>
-                </a:glow>
-              </a:effectLst>
-              <a:latin typeface="HP-Kabel" pitchFamily="34" charset="0"/>
-            </a:endParaRPr>
           </a:p>
         </p:txBody>
       </p:sp>
@@ -4304,113 +6746,435 @@
           <a:p>
             <a:pPr algn="ctr"/>
             <a:r>
-              <a:rPr lang="en-US" sz="4400" b="1" i="1" u="sng" smtClean="0">
-                <a:solidFill>
-                  <a:sysClr val="windowText" lastClr="000000"/>
-                </a:solidFill>
-                <a:effectLst>
-                  <a:glow rad="127000">
-                    <a:prstClr val="white"/>
-                  </a:glow>
-                </a:effectLst>
-                <a:latin typeface="VNI-Aptima" pitchFamily="2" charset="0"/>
+              <a:rPr lang="en-US" sz="4400" b="1" u="sng" dirty="0">
+                <a:solidFill>
+                  <a:sysClr val="windowText" lastClr="000000"/>
+                </a:solidFill>
+                <a:effectLst>
+                  <a:glow rad="127000">
+                    <a:prstClr val="white"/>
+                  </a:glow>
+                </a:effectLst>
+                <a:latin typeface="VNI-Times" pitchFamily="2" charset="0"/>
               </a:rPr>
               <a:t>ÑK:</a:t>
             </a:r>
             <a:r>
-              <a:rPr lang="en-US" sz="6600" b="1" smtClean="0">
-                <a:solidFill>
-                  <a:sysClr val="windowText" lastClr="000000"/>
-                </a:solidFill>
-                <a:effectLst>
-                  <a:glow rad="127000">
-                    <a:prstClr val="white"/>
-                  </a:glow>
-                </a:effectLst>
-                <a:latin typeface="VNI-Aptima" pitchFamily="2" charset="0"/>
-              </a:rPr>
-              <a:t> Mau mau cuøng </a:t>
+              <a:rPr lang="en-US" sz="6600" b="1" dirty="0">
+                <a:solidFill>
+                  <a:sysClr val="windowText" lastClr="000000"/>
+                </a:solidFill>
+                <a:effectLst>
+                  <a:glow rad="127000">
+                    <a:prstClr val="white"/>
+                  </a:glow>
+                </a:effectLst>
+                <a:latin typeface="VNI-Times" pitchFamily="2" charset="0"/>
+              </a:rPr>
+              <a:t> Mau </a:t>
+            </a:r>
+            <a:r>
+              <a:rPr lang="en-US" sz="6600" b="1" dirty="0" err="1">
+                <a:solidFill>
+                  <a:sysClr val="windowText" lastClr="000000"/>
+                </a:solidFill>
+                <a:effectLst>
+                  <a:glow rad="127000">
+                    <a:prstClr val="white"/>
+                  </a:glow>
+                </a:effectLst>
+                <a:latin typeface="VNI-Times" pitchFamily="2" charset="0"/>
+              </a:rPr>
+              <a:t>mau</a:t>
+            </a:r>
+            <a:r>
+              <a:rPr lang="en-US" sz="6600" b="1" dirty="0">
+                <a:solidFill>
+                  <a:sysClr val="windowText" lastClr="000000"/>
+                </a:solidFill>
+                <a:effectLst>
+                  <a:glow rad="127000">
+                    <a:prstClr val="white"/>
+                  </a:glow>
+                </a:effectLst>
+                <a:latin typeface="VNI-Times" pitchFamily="2" charset="0"/>
+              </a:rPr>
+              <a:t> </a:t>
+            </a:r>
+            <a:r>
+              <a:rPr lang="en-US" sz="6600" b="1" dirty="0" err="1">
+                <a:solidFill>
+                  <a:sysClr val="windowText" lastClr="000000"/>
+                </a:solidFill>
+                <a:effectLst>
+                  <a:glow rad="127000">
+                    <a:prstClr val="white"/>
+                  </a:glow>
+                </a:effectLst>
+                <a:latin typeface="VNI-Times" pitchFamily="2" charset="0"/>
+              </a:rPr>
+              <a:t>cuøng</a:t>
+            </a:r>
+            <a:r>
+              <a:rPr lang="en-US" sz="6600" b="1" dirty="0">
+                <a:solidFill>
+                  <a:sysClr val="windowText" lastClr="000000"/>
+                </a:solidFill>
+                <a:effectLst>
+                  <a:glow rad="127000">
+                    <a:prstClr val="white"/>
+                  </a:glow>
+                </a:effectLst>
+                <a:latin typeface="VNI-Times" pitchFamily="2" charset="0"/>
+              </a:rPr>
+              <a:t> </a:t>
             </a:r>
             <a:br>
-              <a:rPr lang="en-US" sz="6600" b="1" smtClean="0">
-                <a:solidFill>
-                  <a:sysClr val="windowText" lastClr="000000"/>
-                </a:solidFill>
-                <a:effectLst>
-                  <a:glow rad="127000">
-                    <a:prstClr val="white"/>
-                  </a:glow>
-                </a:effectLst>
-                <a:latin typeface="VNI-Aptima" pitchFamily="2" charset="0"/>
+              <a:rPr lang="en-US" sz="6600" b="1" dirty="0">
+                <a:solidFill>
+                  <a:sysClr val="windowText" lastClr="000000"/>
+                </a:solidFill>
+                <a:effectLst>
+                  <a:glow rad="127000">
+                    <a:prstClr val="white"/>
+                  </a:glow>
+                </a:effectLst>
+                <a:latin typeface="VNI-Times" pitchFamily="2" charset="0"/>
               </a:rPr>
             </a:br>
             <a:r>
-              <a:rPr lang="en-US" sz="6600" b="1" smtClean="0">
-                <a:solidFill>
-                  <a:sysClr val="windowText" lastClr="000000"/>
-                </a:solidFill>
-                <a:effectLst>
-                  <a:glow rad="127000">
-                    <a:prstClr val="white"/>
-                  </a:glow>
-                </a:effectLst>
-                <a:latin typeface="VNI-Aptima" pitchFamily="2" charset="0"/>
-              </a:rPr>
-              <a:t>nhau ñeán toân thôø, </a:t>
+              <a:rPr lang="en-US" sz="6600" b="1" dirty="0" err="1">
+                <a:solidFill>
+                  <a:sysClr val="windowText" lastClr="000000"/>
+                </a:solidFill>
+                <a:effectLst>
+                  <a:glow rad="127000">
+                    <a:prstClr val="white"/>
+                  </a:glow>
+                </a:effectLst>
+                <a:latin typeface="VNI-Times" pitchFamily="2" charset="0"/>
+              </a:rPr>
+              <a:t>nhau</a:t>
+            </a:r>
+            <a:r>
+              <a:rPr lang="en-US" sz="6600" b="1" dirty="0">
+                <a:solidFill>
+                  <a:sysClr val="windowText" lastClr="000000"/>
+                </a:solidFill>
+                <a:effectLst>
+                  <a:glow rad="127000">
+                    <a:prstClr val="white"/>
+                  </a:glow>
+                </a:effectLst>
+                <a:latin typeface="VNI-Times" pitchFamily="2" charset="0"/>
+              </a:rPr>
+              <a:t> </a:t>
+            </a:r>
+            <a:r>
+              <a:rPr lang="en-US" sz="6600" b="1" dirty="0" err="1">
+                <a:solidFill>
+                  <a:sysClr val="windowText" lastClr="000000"/>
+                </a:solidFill>
+                <a:effectLst>
+                  <a:glow rad="127000">
+                    <a:prstClr val="white"/>
+                  </a:glow>
+                </a:effectLst>
+                <a:latin typeface="VNI-Times" pitchFamily="2" charset="0"/>
+              </a:rPr>
+              <a:t>ñeán</a:t>
+            </a:r>
+            <a:r>
+              <a:rPr lang="en-US" sz="6600" b="1" dirty="0">
+                <a:solidFill>
+                  <a:sysClr val="windowText" lastClr="000000"/>
+                </a:solidFill>
+                <a:effectLst>
+                  <a:glow rad="127000">
+                    <a:prstClr val="white"/>
+                  </a:glow>
+                </a:effectLst>
+                <a:latin typeface="VNI-Times" pitchFamily="2" charset="0"/>
+              </a:rPr>
+              <a:t> </a:t>
+            </a:r>
+            <a:r>
+              <a:rPr lang="en-US" sz="6600" b="1" dirty="0" err="1">
+                <a:solidFill>
+                  <a:sysClr val="windowText" lastClr="000000"/>
+                </a:solidFill>
+                <a:effectLst>
+                  <a:glow rad="127000">
+                    <a:prstClr val="white"/>
+                  </a:glow>
+                </a:effectLst>
+                <a:latin typeface="VNI-Times" pitchFamily="2" charset="0"/>
+              </a:rPr>
+              <a:t>toân</a:t>
+            </a:r>
+            <a:r>
+              <a:rPr lang="en-US" sz="6600" b="1" dirty="0">
+                <a:solidFill>
+                  <a:sysClr val="windowText" lastClr="000000"/>
+                </a:solidFill>
+                <a:effectLst>
+                  <a:glow rad="127000">
+                    <a:prstClr val="white"/>
+                  </a:glow>
+                </a:effectLst>
+                <a:latin typeface="VNI-Times" pitchFamily="2" charset="0"/>
+              </a:rPr>
+              <a:t> </a:t>
+            </a:r>
+            <a:r>
+              <a:rPr lang="en-US" sz="6600" b="1" dirty="0" err="1">
+                <a:solidFill>
+                  <a:sysClr val="windowText" lastClr="000000"/>
+                </a:solidFill>
+                <a:effectLst>
+                  <a:glow rad="127000">
+                    <a:prstClr val="white"/>
+                  </a:glow>
+                </a:effectLst>
+                <a:latin typeface="VNI-Times" pitchFamily="2" charset="0"/>
+              </a:rPr>
+              <a:t>thôø</a:t>
+            </a:r>
+            <a:r>
+              <a:rPr lang="en-US" sz="6600" b="1" dirty="0">
+                <a:solidFill>
+                  <a:sysClr val="windowText" lastClr="000000"/>
+                </a:solidFill>
+                <a:effectLst>
+                  <a:glow rad="127000">
+                    <a:prstClr val="white"/>
+                  </a:glow>
+                </a:effectLst>
+                <a:latin typeface="VNI-Times" pitchFamily="2" charset="0"/>
+              </a:rPr>
+              <a:t>, </a:t>
             </a:r>
             <a:br>
-              <a:rPr lang="en-US" sz="6600" b="1" smtClean="0">
-                <a:solidFill>
-                  <a:sysClr val="windowText" lastClr="000000"/>
-                </a:solidFill>
-                <a:effectLst>
-                  <a:glow rad="127000">
-                    <a:prstClr val="white"/>
-                  </a:glow>
-                </a:effectLst>
-                <a:latin typeface="VNI-Aptima" pitchFamily="2" charset="0"/>
+              <a:rPr lang="en-US" sz="6600" b="1" dirty="0">
+                <a:solidFill>
+                  <a:sysClr val="windowText" lastClr="000000"/>
+                </a:solidFill>
+                <a:effectLst>
+                  <a:glow rad="127000">
+                    <a:prstClr val="white"/>
+                  </a:glow>
+                </a:effectLst>
+                <a:latin typeface="VNI-Times" pitchFamily="2" charset="0"/>
               </a:rPr>
             </a:br>
             <a:r>
-              <a:rPr lang="en-US" sz="6600" b="1" smtClean="0">
-                <a:solidFill>
-                  <a:sysClr val="windowText" lastClr="000000"/>
-                </a:solidFill>
-                <a:effectLst>
-                  <a:glow rad="127000">
-                    <a:prstClr val="white"/>
-                  </a:glow>
-                </a:effectLst>
-                <a:latin typeface="VNI-Aptima" pitchFamily="2" charset="0"/>
-              </a:rPr>
-              <a:t>mau mau cuøng </a:t>
+              <a:rPr lang="en-US" sz="6600" b="1" dirty="0" err="1">
+                <a:solidFill>
+                  <a:sysClr val="windowText" lastClr="000000"/>
+                </a:solidFill>
+                <a:effectLst>
+                  <a:glow rad="127000">
+                    <a:prstClr val="white"/>
+                  </a:glow>
+                </a:effectLst>
+                <a:latin typeface="VNI-Times" pitchFamily="2" charset="0"/>
+              </a:rPr>
+              <a:t>mau</a:t>
+            </a:r>
+            <a:r>
+              <a:rPr lang="en-US" sz="6600" b="1" dirty="0">
+                <a:solidFill>
+                  <a:sysClr val="windowText" lastClr="000000"/>
+                </a:solidFill>
+                <a:effectLst>
+                  <a:glow rad="127000">
+                    <a:prstClr val="white"/>
+                  </a:glow>
+                </a:effectLst>
+                <a:latin typeface="VNI-Times" pitchFamily="2" charset="0"/>
+              </a:rPr>
+              <a:t> </a:t>
+            </a:r>
+            <a:r>
+              <a:rPr lang="en-US" sz="6600" b="1" dirty="0" err="1">
+                <a:solidFill>
+                  <a:sysClr val="windowText" lastClr="000000"/>
+                </a:solidFill>
+                <a:effectLst>
+                  <a:glow rad="127000">
+                    <a:prstClr val="white"/>
+                  </a:glow>
+                </a:effectLst>
+                <a:latin typeface="VNI-Times" pitchFamily="2" charset="0"/>
+              </a:rPr>
+              <a:t>mau</a:t>
+            </a:r>
+            <a:r>
+              <a:rPr lang="en-US" sz="6600" b="1" dirty="0">
+                <a:solidFill>
+                  <a:sysClr val="windowText" lastClr="000000"/>
+                </a:solidFill>
+                <a:effectLst>
+                  <a:glow rad="127000">
+                    <a:prstClr val="white"/>
+                  </a:glow>
+                </a:effectLst>
+                <a:latin typeface="VNI-Times" pitchFamily="2" charset="0"/>
+              </a:rPr>
+              <a:t> </a:t>
+            </a:r>
+            <a:r>
+              <a:rPr lang="en-US" sz="6600" b="1" dirty="0" err="1">
+                <a:solidFill>
+                  <a:sysClr val="windowText" lastClr="000000"/>
+                </a:solidFill>
+                <a:effectLst>
+                  <a:glow rad="127000">
+                    <a:prstClr val="white"/>
+                  </a:glow>
+                </a:effectLst>
+                <a:latin typeface="VNI-Times" pitchFamily="2" charset="0"/>
+              </a:rPr>
+              <a:t>cuøng</a:t>
+            </a:r>
+            <a:r>
+              <a:rPr lang="en-US" sz="6600" b="1" dirty="0">
+                <a:solidFill>
+                  <a:sysClr val="windowText" lastClr="000000"/>
+                </a:solidFill>
+                <a:effectLst>
+                  <a:glow rad="127000">
+                    <a:prstClr val="white"/>
+                  </a:glow>
+                </a:effectLst>
+                <a:latin typeface="VNI-Times" pitchFamily="2" charset="0"/>
+              </a:rPr>
+              <a:t> </a:t>
             </a:r>
             <a:br>
-              <a:rPr lang="en-US" sz="6600" b="1" smtClean="0">
-                <a:solidFill>
-                  <a:sysClr val="windowText" lastClr="000000"/>
-                </a:solidFill>
-                <a:effectLst>
-                  <a:glow rad="127000">
-                    <a:prstClr val="white"/>
-                  </a:glow>
-                </a:effectLst>
-                <a:latin typeface="VNI-Aptima" pitchFamily="2" charset="0"/>
+              <a:rPr lang="en-US" sz="6600" b="1" dirty="0">
+                <a:solidFill>
+                  <a:sysClr val="windowText" lastClr="000000"/>
+                </a:solidFill>
+                <a:effectLst>
+                  <a:glow rad="127000">
+                    <a:prstClr val="white"/>
+                  </a:glow>
+                </a:effectLst>
+                <a:latin typeface="VNI-Times" pitchFamily="2" charset="0"/>
               </a:rPr>
             </a:br>
             <a:r>
-              <a:rPr lang="en-US" sz="6600" b="1" smtClean="0">
-                <a:solidFill>
-                  <a:sysClr val="windowText" lastClr="000000"/>
-                </a:solidFill>
-                <a:effectLst>
-                  <a:glow rad="127000">
-                    <a:prstClr val="white"/>
-                  </a:glow>
-                </a:effectLst>
-                <a:latin typeface="VNI-Aptima" pitchFamily="2" charset="0"/>
-              </a:rPr>
-              <a:t>nhau ñeán toân thôø.</a:t>
+              <a:rPr lang="en-US" sz="6600" b="1" dirty="0" err="1">
+                <a:solidFill>
+                  <a:sysClr val="windowText" lastClr="000000"/>
+                </a:solidFill>
+                <a:effectLst>
+                  <a:glow rad="127000">
+                    <a:prstClr val="white"/>
+                  </a:glow>
+                </a:effectLst>
+                <a:latin typeface="VNI-Times" pitchFamily="2" charset="0"/>
+              </a:rPr>
+              <a:t>nhau</a:t>
+            </a:r>
+            <a:r>
+              <a:rPr lang="en-US" sz="6600" b="1" dirty="0">
+                <a:solidFill>
+                  <a:sysClr val="windowText" lastClr="000000"/>
+                </a:solidFill>
+                <a:effectLst>
+                  <a:glow rad="127000">
+                    <a:prstClr val="white"/>
+                  </a:glow>
+                </a:effectLst>
+                <a:latin typeface="VNI-Times" pitchFamily="2" charset="0"/>
+              </a:rPr>
+              <a:t> </a:t>
+            </a:r>
+            <a:r>
+              <a:rPr lang="en-US" sz="6600" b="1" dirty="0" err="1">
+                <a:solidFill>
+                  <a:sysClr val="windowText" lastClr="000000"/>
+                </a:solidFill>
+                <a:effectLst>
+                  <a:glow rad="127000">
+                    <a:prstClr val="white"/>
+                  </a:glow>
+                </a:effectLst>
+                <a:latin typeface="VNI-Times" pitchFamily="2" charset="0"/>
+              </a:rPr>
+              <a:t>ñeán</a:t>
+            </a:r>
+            <a:r>
+              <a:rPr lang="en-US" sz="6600" b="1" dirty="0">
+                <a:solidFill>
+                  <a:sysClr val="windowText" lastClr="000000"/>
+                </a:solidFill>
+                <a:effectLst>
+                  <a:glow rad="127000">
+                    <a:prstClr val="white"/>
+                  </a:glow>
+                </a:effectLst>
+                <a:latin typeface="VNI-Times" pitchFamily="2" charset="0"/>
+              </a:rPr>
+              <a:t> </a:t>
+            </a:r>
+            <a:r>
+              <a:rPr lang="en-US" sz="6600" b="1" dirty="0" err="1">
+                <a:solidFill>
+                  <a:sysClr val="windowText" lastClr="000000"/>
+                </a:solidFill>
+                <a:effectLst>
+                  <a:glow rad="127000">
+                    <a:prstClr val="white"/>
+                  </a:glow>
+                </a:effectLst>
+                <a:latin typeface="VNI-Times" pitchFamily="2" charset="0"/>
+              </a:rPr>
+              <a:t>toân</a:t>
+            </a:r>
+            <a:r>
+              <a:rPr lang="en-US" sz="6600" b="1" dirty="0">
+                <a:solidFill>
+                  <a:sysClr val="windowText" lastClr="000000"/>
+                </a:solidFill>
+                <a:effectLst>
+                  <a:glow rad="127000">
+                    <a:prstClr val="white"/>
+                  </a:glow>
+                </a:effectLst>
+                <a:latin typeface="VNI-Times" pitchFamily="2" charset="0"/>
+              </a:rPr>
+              <a:t> </a:t>
+            </a:r>
+            <a:r>
+              <a:rPr lang="en-US" sz="6600" b="1" dirty="0" err="1">
+                <a:solidFill>
+                  <a:sysClr val="windowText" lastClr="000000"/>
+                </a:solidFill>
+                <a:effectLst>
+                  <a:glow rad="127000">
+                    <a:prstClr val="white"/>
+                  </a:glow>
+                </a:effectLst>
+                <a:latin typeface="VNI-Times" pitchFamily="2" charset="0"/>
+              </a:rPr>
+              <a:t>thôø</a:t>
+            </a:r>
+            <a:r>
+              <a:rPr lang="en-US" sz="6600" b="1" dirty="0">
+                <a:solidFill>
+                  <a:sysClr val="windowText" lastClr="000000"/>
+                </a:solidFill>
+                <a:effectLst>
+                  <a:glow rad="127000">
+                    <a:prstClr val="white"/>
+                  </a:glow>
+                </a:effectLst>
+                <a:latin typeface="VNI-Times" pitchFamily="2" charset="0"/>
+              </a:rPr>
+              <a:t>.</a:t>
             </a:r>
           </a:p>
         </p:txBody>
@@ -4425,21 +7189,6 @@
   <p:clrMapOvr>
     <a:overrideClrMapping bg1="lt1" tx1="dk1" bg2="lt2" tx2="dk2" accent1="accent1" accent2="accent2" accent3="accent3" accent4="accent4" accent5="accent5" accent6="accent6" hlink="hlink" folHlink="folHlink"/>
   </p:clrMapOvr>
-  <mc:AlternateContent xmlns:mc="http://schemas.openxmlformats.org/markup-compatibility/2006" xmlns:p14="http://schemas.microsoft.com/office/powerpoint/2010/main">
-    <mc:Choice Requires="p14">
-      <p:transition p14:dur="0"/>
-    </mc:Choice>
-    <mc:Fallback xmlns="">
-      <p:transition/>
-    </mc:Fallback>
-  </mc:AlternateContent>
-  <p:timing>
-    <p:tnLst>
-      <p:par>
-        <p:cTn id="1" dur="indefinite" restart="never" nodeType="tmRoot"/>
-      </p:par>
-    </p:tnLst>
-  </p:timing>
 </p:sld>
 </file>
 
@@ -4498,7 +7247,7 @@
           <a:p>
             <a:pPr algn="ctr"/>
             <a:r>
-              <a:rPr lang="en-US" sz="3200" smtClean="0">
+              <a:rPr lang="en-US" sz="3200" b="1" dirty="0">
                 <a:solidFill>
                   <a:srgbClr val="C00000"/>
                 </a:solidFill>
@@ -4507,21 +7256,10 @@
                     <a:prstClr val="white"/>
                   </a:glow>
                 </a:effectLst>
-                <a:latin typeface="HP-Kabel" pitchFamily="34" charset="0"/>
+                <a:latin typeface="VNI-Times" pitchFamily="2" charset="0"/>
               </a:rPr>
               <a:t>THAÙNH CA 55 – HÔÕI MOÂN ÑOÀ TRUNG TÍN</a:t>
             </a:r>
-            <a:endParaRPr lang="en-US" sz="3200">
-              <a:solidFill>
-                <a:srgbClr val="C00000"/>
-              </a:solidFill>
-              <a:effectLst>
-                <a:glow rad="127000">
-                  <a:prstClr val="white"/>
-                </a:glow>
-              </a:effectLst>
-              <a:latin typeface="HP-Kabel" pitchFamily="34" charset="0"/>
-            </a:endParaRPr>
           </a:p>
         </p:txBody>
       </p:sp>
@@ -4549,72 +7287,254 @@
           <a:p>
             <a:pPr algn="ctr"/>
             <a:r>
-              <a:rPr lang="en-US" sz="6600" b="1" smtClean="0">
-                <a:solidFill>
-                  <a:sysClr val="windowText" lastClr="000000"/>
-                </a:solidFill>
-                <a:effectLst>
-                  <a:glow rad="127000">
-                    <a:prstClr val="white"/>
-                  </a:glow>
-                </a:effectLst>
-                <a:latin typeface="VNI-Aptima" pitchFamily="2" charset="0"/>
-              </a:rPr>
-              <a:t>Mau ñeán nôi ñaây </a:t>
+              <a:rPr lang="en-US" sz="6600" b="1" dirty="0">
+                <a:solidFill>
+                  <a:sysClr val="windowText" lastClr="000000"/>
+                </a:solidFill>
+                <a:effectLst>
+                  <a:glow rad="127000">
+                    <a:prstClr val="white"/>
+                  </a:glow>
+                </a:effectLst>
+                <a:latin typeface="VNI-Times" pitchFamily="2" charset="0"/>
+              </a:rPr>
+              <a:t>Mau </a:t>
+            </a:r>
+            <a:r>
+              <a:rPr lang="en-US" sz="6600" b="1" dirty="0" err="1">
+                <a:solidFill>
+                  <a:sysClr val="windowText" lastClr="000000"/>
+                </a:solidFill>
+                <a:effectLst>
+                  <a:glow rad="127000">
+                    <a:prstClr val="white"/>
+                  </a:glow>
+                </a:effectLst>
+                <a:latin typeface="VNI-Times" pitchFamily="2" charset="0"/>
+              </a:rPr>
+              <a:t>ñeán</a:t>
+            </a:r>
+            <a:r>
+              <a:rPr lang="en-US" sz="6600" b="1" dirty="0">
+                <a:solidFill>
+                  <a:sysClr val="windowText" lastClr="000000"/>
+                </a:solidFill>
+                <a:effectLst>
+                  <a:glow rad="127000">
+                    <a:prstClr val="white"/>
+                  </a:glow>
+                </a:effectLst>
+                <a:latin typeface="VNI-Times" pitchFamily="2" charset="0"/>
+              </a:rPr>
+              <a:t> </a:t>
+            </a:r>
+            <a:r>
+              <a:rPr lang="en-US" sz="6600" b="1" dirty="0" err="1">
+                <a:solidFill>
+                  <a:sysClr val="windowText" lastClr="000000"/>
+                </a:solidFill>
+                <a:effectLst>
+                  <a:glow rad="127000">
+                    <a:prstClr val="white"/>
+                  </a:glow>
+                </a:effectLst>
+                <a:latin typeface="VNI-Times" pitchFamily="2" charset="0"/>
+              </a:rPr>
+              <a:t>nôi</a:t>
+            </a:r>
+            <a:r>
+              <a:rPr lang="en-US" sz="6600" b="1" dirty="0">
+                <a:solidFill>
+                  <a:sysClr val="windowText" lastClr="000000"/>
+                </a:solidFill>
+                <a:effectLst>
+                  <a:glow rad="127000">
+                    <a:prstClr val="white"/>
+                  </a:glow>
+                </a:effectLst>
+                <a:latin typeface="VNI-Times" pitchFamily="2" charset="0"/>
+              </a:rPr>
+              <a:t> </a:t>
+            </a:r>
+            <a:r>
+              <a:rPr lang="en-US" sz="6600" b="1" dirty="0" err="1">
+                <a:solidFill>
+                  <a:sysClr val="windowText" lastClr="000000"/>
+                </a:solidFill>
+                <a:effectLst>
+                  <a:glow rad="127000">
+                    <a:prstClr val="white"/>
+                  </a:glow>
+                </a:effectLst>
+                <a:latin typeface="VNI-Times" pitchFamily="2" charset="0"/>
+              </a:rPr>
+              <a:t>ñaây</a:t>
+            </a:r>
+            <a:r>
+              <a:rPr lang="en-US" sz="6600" b="1" dirty="0">
+                <a:solidFill>
+                  <a:sysClr val="windowText" lastClr="000000"/>
+                </a:solidFill>
+                <a:effectLst>
+                  <a:glow rad="127000">
+                    <a:prstClr val="white"/>
+                  </a:glow>
+                </a:effectLst>
+                <a:latin typeface="VNI-Times" pitchFamily="2" charset="0"/>
+              </a:rPr>
+              <a:t> </a:t>
             </a:r>
             <a:br>
-              <a:rPr lang="en-US" sz="6600" b="1" smtClean="0">
-                <a:solidFill>
-                  <a:sysClr val="windowText" lastClr="000000"/>
-                </a:solidFill>
-                <a:effectLst>
-                  <a:glow rad="127000">
-                    <a:prstClr val="white"/>
-                  </a:glow>
-                </a:effectLst>
-                <a:latin typeface="VNI-Aptima" pitchFamily="2" charset="0"/>
+              <a:rPr lang="en-US" sz="6600" b="1" dirty="0">
+                <a:solidFill>
+                  <a:sysClr val="windowText" lastClr="000000"/>
+                </a:solidFill>
+                <a:effectLst>
+                  <a:glow rad="127000">
+                    <a:prstClr val="white"/>
+                  </a:glow>
+                </a:effectLst>
+                <a:latin typeface="VNI-Times" pitchFamily="2" charset="0"/>
               </a:rPr>
             </a:br>
             <a:r>
-              <a:rPr lang="en-US" sz="6600" b="1" smtClean="0">
-                <a:solidFill>
-                  <a:sysClr val="windowText" lastClr="000000"/>
-                </a:solidFill>
-                <a:effectLst>
-                  <a:glow rad="127000">
-                    <a:prstClr val="white"/>
-                  </a:glow>
-                </a:effectLst>
-                <a:latin typeface="VNI-Aptima" pitchFamily="2" charset="0"/>
-              </a:rPr>
-              <a:t>toân thôø Chuùa </a:t>
+              <a:rPr lang="en-US" sz="6600" b="1" dirty="0" err="1">
+                <a:solidFill>
+                  <a:sysClr val="windowText" lastClr="000000"/>
+                </a:solidFill>
+                <a:effectLst>
+                  <a:glow rad="127000">
+                    <a:prstClr val="white"/>
+                  </a:glow>
+                </a:effectLst>
+                <a:latin typeface="VNI-Times" pitchFamily="2" charset="0"/>
+              </a:rPr>
+              <a:t>toân</a:t>
+            </a:r>
+            <a:r>
+              <a:rPr lang="en-US" sz="6600" b="1" dirty="0">
+                <a:solidFill>
+                  <a:sysClr val="windowText" lastClr="000000"/>
+                </a:solidFill>
+                <a:effectLst>
+                  <a:glow rad="127000">
+                    <a:prstClr val="white"/>
+                  </a:glow>
+                </a:effectLst>
+                <a:latin typeface="VNI-Times" pitchFamily="2" charset="0"/>
+              </a:rPr>
+              <a:t> </a:t>
+            </a:r>
+            <a:r>
+              <a:rPr lang="en-US" sz="6600" b="1" dirty="0" err="1">
+                <a:solidFill>
+                  <a:sysClr val="windowText" lastClr="000000"/>
+                </a:solidFill>
+                <a:effectLst>
+                  <a:glow rad="127000">
+                    <a:prstClr val="white"/>
+                  </a:glow>
+                </a:effectLst>
+                <a:latin typeface="VNI-Times" pitchFamily="2" charset="0"/>
+              </a:rPr>
+              <a:t>thôø</a:t>
+            </a:r>
+            <a:r>
+              <a:rPr lang="en-US" sz="6600" b="1" dirty="0">
+                <a:solidFill>
+                  <a:sysClr val="windowText" lastClr="000000"/>
+                </a:solidFill>
+                <a:effectLst>
+                  <a:glow rad="127000">
+                    <a:prstClr val="white"/>
+                  </a:glow>
+                </a:effectLst>
+                <a:latin typeface="VNI-Times" pitchFamily="2" charset="0"/>
+              </a:rPr>
+              <a:t> </a:t>
+            </a:r>
+            <a:r>
+              <a:rPr lang="en-US" sz="6600" b="1" dirty="0" err="1">
+                <a:solidFill>
+                  <a:sysClr val="windowText" lastClr="000000"/>
+                </a:solidFill>
+                <a:effectLst>
+                  <a:glow rad="127000">
+                    <a:prstClr val="white"/>
+                  </a:glow>
+                </a:effectLst>
+                <a:latin typeface="VNI-Times" pitchFamily="2" charset="0"/>
+              </a:rPr>
+              <a:t>Chuùa</a:t>
+            </a:r>
+            <a:r>
+              <a:rPr lang="en-US" sz="6600" b="1" dirty="0">
+                <a:solidFill>
+                  <a:sysClr val="windowText" lastClr="000000"/>
+                </a:solidFill>
+                <a:effectLst>
+                  <a:glow rad="127000">
+                    <a:prstClr val="white"/>
+                  </a:glow>
+                </a:effectLst>
+                <a:latin typeface="VNI-Times" pitchFamily="2" charset="0"/>
+              </a:rPr>
+              <a:t> </a:t>
             </a:r>
             <a:br>
-              <a:rPr lang="en-US" sz="6600" b="1" smtClean="0">
-                <a:solidFill>
-                  <a:sysClr val="windowText" lastClr="000000"/>
-                </a:solidFill>
-                <a:effectLst>
-                  <a:glow rad="127000">
-                    <a:prstClr val="white"/>
-                  </a:glow>
-                </a:effectLst>
-                <a:latin typeface="VNI-Aptima" pitchFamily="2" charset="0"/>
+              <a:rPr lang="en-US" sz="6600" b="1" dirty="0">
+                <a:solidFill>
+                  <a:sysClr val="windowText" lastClr="000000"/>
+                </a:solidFill>
+                <a:effectLst>
+                  <a:glow rad="127000">
+                    <a:prstClr val="white"/>
+                  </a:glow>
+                </a:effectLst>
+                <a:latin typeface="VNI-Times" pitchFamily="2" charset="0"/>
               </a:rPr>
             </a:br>
             <a:r>
-              <a:rPr lang="en-US" sz="6600" b="1" smtClean="0">
-                <a:solidFill>
-                  <a:sysClr val="windowText" lastClr="000000"/>
-                </a:solidFill>
-                <a:effectLst>
-                  <a:glow rad="127000">
-                    <a:prstClr val="white"/>
-                  </a:glow>
-                </a:effectLst>
-                <a:latin typeface="VNI-Aptima" pitchFamily="2" charset="0"/>
-              </a:rPr>
-              <a:t>Christ, Vua ta.</a:t>
+              <a:rPr lang="en-US" sz="6600" b="1" dirty="0">
+                <a:solidFill>
+                  <a:sysClr val="windowText" lastClr="000000"/>
+                </a:solidFill>
+                <a:effectLst>
+                  <a:glow rad="127000">
+                    <a:prstClr val="white"/>
+                  </a:glow>
+                </a:effectLst>
+                <a:latin typeface="VNI-Times" pitchFamily="2" charset="0"/>
+              </a:rPr>
+              <a:t>Christ, </a:t>
+            </a:r>
+            <a:r>
+              <a:rPr lang="en-US" sz="6600" b="1" dirty="0" err="1">
+                <a:solidFill>
+                  <a:sysClr val="windowText" lastClr="000000"/>
+                </a:solidFill>
+                <a:effectLst>
+                  <a:glow rad="127000">
+                    <a:prstClr val="white"/>
+                  </a:glow>
+                </a:effectLst>
+                <a:latin typeface="VNI-Times" pitchFamily="2" charset="0"/>
+              </a:rPr>
+              <a:t>Vua</a:t>
+            </a:r>
+            <a:r>
+              <a:rPr lang="en-US" sz="6600" b="1" dirty="0">
+                <a:solidFill>
+                  <a:sysClr val="windowText" lastClr="000000"/>
+                </a:solidFill>
+                <a:effectLst>
+                  <a:glow rad="127000">
+                    <a:prstClr val="white"/>
+                  </a:glow>
+                </a:effectLst>
+                <a:latin typeface="VNI-Times" pitchFamily="2" charset="0"/>
+              </a:rPr>
+              <a:t> ta.</a:t>
             </a:r>
           </a:p>
         </p:txBody>
@@ -4629,21 +7549,6 @@
   <p:clrMapOvr>
     <a:overrideClrMapping bg1="lt1" tx1="dk1" bg2="lt2" tx2="dk2" accent1="accent1" accent2="accent2" accent3="accent3" accent4="accent4" accent5="accent5" accent6="accent6" hlink="hlink" folHlink="folHlink"/>
   </p:clrMapOvr>
-  <mc:AlternateContent xmlns:mc="http://schemas.openxmlformats.org/markup-compatibility/2006" xmlns:p14="http://schemas.microsoft.com/office/powerpoint/2010/main">
-    <mc:Choice Requires="p14">
-      <p:transition p14:dur="0"/>
-    </mc:Choice>
-    <mc:Fallback xmlns="">
-      <p:transition/>
-    </mc:Fallback>
-  </mc:AlternateContent>
-  <p:timing>
-    <p:tnLst>
-      <p:par>
-        <p:cTn id="1" dur="indefinite" restart="never" nodeType="tmRoot"/>
-      </p:par>
-    </p:tnLst>
-  </p:timing>
 </p:sld>
 </file>
 
@@ -4702,7 +7607,7 @@
           <a:p>
             <a:pPr algn="ctr"/>
             <a:r>
-              <a:rPr lang="en-US" sz="3200" smtClean="0">
+              <a:rPr lang="en-US" sz="3200" b="1" dirty="0">
                 <a:solidFill>
                   <a:srgbClr val="C00000"/>
                 </a:solidFill>
@@ -4711,21 +7616,10 @@
                     <a:prstClr val="white"/>
                   </a:glow>
                 </a:effectLst>
-                <a:latin typeface="HP-Kabel" pitchFamily="34" charset="0"/>
+                <a:latin typeface="VNI-Times" pitchFamily="2" charset="0"/>
               </a:rPr>
               <a:t>THAÙNH CA 55 – HÔÕI MOÂN ÑOÀ TRUNG TÍN</a:t>
             </a:r>
-            <a:endParaRPr lang="en-US" sz="3200">
-              <a:solidFill>
-                <a:srgbClr val="C00000"/>
-              </a:solidFill>
-              <a:effectLst>
-                <a:glow rad="127000">
-                  <a:prstClr val="white"/>
-                </a:glow>
-              </a:effectLst>
-              <a:latin typeface="HP-Kabel" pitchFamily="34" charset="0"/>
-            </a:endParaRPr>
           </a:p>
         </p:txBody>
       </p:sp>
@@ -4753,45 +7647,269 @@
           <a:p>
             <a:pPr algn="ctr"/>
             <a:r>
-              <a:rPr lang="en-US" sz="6600" b="1" smtClean="0">
-                <a:solidFill>
-                  <a:sysClr val="windowText" lastClr="000000"/>
-                </a:solidFill>
-                <a:effectLst>
-                  <a:glow rad="127000">
-                    <a:prstClr val="white"/>
-                  </a:glow>
-                </a:effectLst>
-                <a:latin typeface="VNI-Aptima" pitchFamily="2" charset="0"/>
-              </a:rPr>
-              <a:t>Voâ nôi Beát-leâ-hem chieâm ngöôõng </a:t>
+              <a:rPr lang="en-US" sz="6600" b="1" dirty="0" err="1">
+                <a:solidFill>
+                  <a:sysClr val="windowText" lastClr="000000"/>
+                </a:solidFill>
+                <a:effectLst>
+                  <a:glow rad="127000">
+                    <a:prstClr val="white"/>
+                  </a:glow>
+                </a:effectLst>
+                <a:latin typeface="VNI-Times" pitchFamily="2" charset="0"/>
+              </a:rPr>
+              <a:t>Voâ</a:t>
+            </a:r>
+            <a:r>
+              <a:rPr lang="en-US" sz="6600" b="1" dirty="0">
+                <a:solidFill>
+                  <a:sysClr val="windowText" lastClr="000000"/>
+                </a:solidFill>
+                <a:effectLst>
+                  <a:glow rad="127000">
+                    <a:prstClr val="white"/>
+                  </a:glow>
+                </a:effectLst>
+                <a:latin typeface="VNI-Times" pitchFamily="2" charset="0"/>
+              </a:rPr>
+              <a:t> </a:t>
+            </a:r>
+            <a:r>
+              <a:rPr lang="en-US" sz="6600" b="1" dirty="0" err="1">
+                <a:solidFill>
+                  <a:sysClr val="windowText" lastClr="000000"/>
+                </a:solidFill>
+                <a:effectLst>
+                  <a:glow rad="127000">
+                    <a:prstClr val="white"/>
+                  </a:glow>
+                </a:effectLst>
+                <a:latin typeface="VNI-Times" pitchFamily="2" charset="0"/>
+              </a:rPr>
+              <a:t>nôi</a:t>
+            </a:r>
+            <a:r>
+              <a:rPr lang="en-US" sz="6600" b="1" dirty="0">
+                <a:solidFill>
+                  <a:sysClr val="windowText" lastClr="000000"/>
+                </a:solidFill>
+                <a:effectLst>
+                  <a:glow rad="127000">
+                    <a:prstClr val="white"/>
+                  </a:glow>
+                </a:effectLst>
+                <a:latin typeface="VNI-Times" pitchFamily="2" charset="0"/>
+              </a:rPr>
+              <a:t> </a:t>
+            </a:r>
+            <a:r>
+              <a:rPr lang="en-US" sz="6600" b="1" dirty="0" err="1">
+                <a:solidFill>
+                  <a:sysClr val="windowText" lastClr="000000"/>
+                </a:solidFill>
+                <a:effectLst>
+                  <a:glow rad="127000">
+                    <a:prstClr val="white"/>
+                  </a:glow>
+                </a:effectLst>
+                <a:latin typeface="VNI-Times" pitchFamily="2" charset="0"/>
+              </a:rPr>
+              <a:t>Beát</a:t>
+            </a:r>
+            <a:r>
+              <a:rPr lang="en-US" sz="6600" b="1" dirty="0">
+                <a:solidFill>
+                  <a:sysClr val="windowText" lastClr="000000"/>
+                </a:solidFill>
+                <a:effectLst>
+                  <a:glow rad="127000">
+                    <a:prstClr val="white"/>
+                  </a:glow>
+                </a:effectLst>
+                <a:latin typeface="VNI-Times" pitchFamily="2" charset="0"/>
+              </a:rPr>
+              <a:t>-</a:t>
+            </a:r>
+            <a:r>
+              <a:rPr lang="en-US" sz="6600" b="1" dirty="0" err="1">
+                <a:solidFill>
+                  <a:sysClr val="windowText" lastClr="000000"/>
+                </a:solidFill>
+                <a:effectLst>
+                  <a:glow rad="127000">
+                    <a:prstClr val="white"/>
+                  </a:glow>
+                </a:effectLst>
+                <a:latin typeface="VNI-Times" pitchFamily="2" charset="0"/>
+              </a:rPr>
+              <a:t>leâ</a:t>
+            </a:r>
+            <a:r>
+              <a:rPr lang="en-US" sz="6600" b="1" dirty="0">
+                <a:solidFill>
+                  <a:sysClr val="windowText" lastClr="000000"/>
+                </a:solidFill>
+                <a:effectLst>
+                  <a:glow rad="127000">
+                    <a:prstClr val="white"/>
+                  </a:glow>
+                </a:effectLst>
+                <a:latin typeface="VNI-Times" pitchFamily="2" charset="0"/>
+              </a:rPr>
+              <a:t>-hem </a:t>
+            </a:r>
+            <a:r>
+              <a:rPr lang="en-US" sz="6600" b="1" dirty="0" err="1">
+                <a:solidFill>
+                  <a:sysClr val="windowText" lastClr="000000"/>
+                </a:solidFill>
+                <a:effectLst>
+                  <a:glow rad="127000">
+                    <a:prstClr val="white"/>
+                  </a:glow>
+                </a:effectLst>
+                <a:latin typeface="VNI-Times" pitchFamily="2" charset="0"/>
+              </a:rPr>
+              <a:t>chieâm</a:t>
+            </a:r>
+            <a:r>
+              <a:rPr lang="en-US" sz="6600" b="1" dirty="0">
+                <a:solidFill>
+                  <a:sysClr val="windowText" lastClr="000000"/>
+                </a:solidFill>
+                <a:effectLst>
+                  <a:glow rad="127000">
+                    <a:prstClr val="white"/>
+                  </a:glow>
+                </a:effectLst>
+                <a:latin typeface="VNI-Times" pitchFamily="2" charset="0"/>
+              </a:rPr>
+              <a:t> </a:t>
+            </a:r>
+            <a:r>
+              <a:rPr lang="en-US" sz="6600" b="1" dirty="0" err="1">
+                <a:solidFill>
+                  <a:sysClr val="windowText" lastClr="000000"/>
+                </a:solidFill>
+                <a:effectLst>
+                  <a:glow rad="127000">
+                    <a:prstClr val="white"/>
+                  </a:glow>
+                </a:effectLst>
+                <a:latin typeface="VNI-Times" pitchFamily="2" charset="0"/>
+              </a:rPr>
+              <a:t>ngöôõng</a:t>
+            </a:r>
+            <a:r>
+              <a:rPr lang="en-US" sz="6600" b="1" dirty="0">
+                <a:solidFill>
+                  <a:sysClr val="windowText" lastClr="000000"/>
+                </a:solidFill>
+                <a:effectLst>
+                  <a:glow rad="127000">
+                    <a:prstClr val="white"/>
+                  </a:glow>
+                </a:effectLst>
+                <a:latin typeface="VNI-Times" pitchFamily="2" charset="0"/>
+              </a:rPr>
+              <a:t> </a:t>
             </a:r>
             <a:br>
-              <a:rPr lang="en-US" sz="6600" b="1" smtClean="0">
-                <a:solidFill>
-                  <a:sysClr val="windowText" lastClr="000000"/>
-                </a:solidFill>
-                <a:effectLst>
-                  <a:glow rad="127000">
-                    <a:prstClr val="white"/>
-                  </a:glow>
-                </a:effectLst>
-                <a:latin typeface="VNI-Aptima" pitchFamily="2" charset="0"/>
+              <a:rPr lang="en-US" sz="6600" b="1" dirty="0">
+                <a:solidFill>
+                  <a:sysClr val="windowText" lastClr="000000"/>
+                </a:solidFill>
+                <a:effectLst>
+                  <a:glow rad="127000">
+                    <a:prstClr val="white"/>
+                  </a:glow>
+                </a:effectLst>
+                <a:latin typeface="VNI-Times" pitchFamily="2" charset="0"/>
               </a:rPr>
             </a:br>
             <a:r>
-              <a:rPr lang="en-US" sz="6600" b="1" smtClean="0">
-                <a:solidFill>
-                  <a:sysClr val="windowText" lastClr="000000"/>
-                </a:solidFill>
-                <a:effectLst>
-                  <a:glow rad="127000">
-                    <a:prstClr val="white"/>
-                  </a:glow>
-                </a:effectLst>
-                <a:latin typeface="VNI-Aptima" pitchFamily="2" charset="0"/>
-              </a:rPr>
-              <a:t>thaät taän töôøng.</a:t>
+              <a:rPr lang="en-US" sz="6600" b="1" dirty="0" err="1">
+                <a:solidFill>
+                  <a:sysClr val="windowText" lastClr="000000"/>
+                </a:solidFill>
+                <a:effectLst>
+                  <a:glow rad="127000">
+                    <a:prstClr val="white"/>
+                  </a:glow>
+                </a:effectLst>
+                <a:latin typeface="VNI-Times" pitchFamily="2" charset="0"/>
+              </a:rPr>
+              <a:t>thaät</a:t>
+            </a:r>
+            <a:r>
+              <a:rPr lang="en-US" sz="6600" b="1" dirty="0">
+                <a:solidFill>
+                  <a:sysClr val="windowText" lastClr="000000"/>
+                </a:solidFill>
+                <a:effectLst>
+                  <a:glow rad="127000">
+                    <a:prstClr val="white"/>
+                  </a:glow>
+                </a:effectLst>
+                <a:latin typeface="VNI-Times" pitchFamily="2" charset="0"/>
+              </a:rPr>
+              <a:t> </a:t>
+            </a:r>
+            <a:r>
+              <a:rPr lang="en-US" sz="6600" b="1" dirty="0" err="1">
+                <a:solidFill>
+                  <a:sysClr val="windowText" lastClr="000000"/>
+                </a:solidFill>
+                <a:effectLst>
+                  <a:glow rad="127000">
+                    <a:prstClr val="white"/>
+                  </a:glow>
+                </a:effectLst>
+                <a:latin typeface="VNI-Times" pitchFamily="2" charset="0"/>
+              </a:rPr>
+              <a:t>taän</a:t>
+            </a:r>
+            <a:r>
+              <a:rPr lang="en-US" sz="6600" b="1" dirty="0">
+                <a:solidFill>
+                  <a:sysClr val="windowText" lastClr="000000"/>
+                </a:solidFill>
+                <a:effectLst>
+                  <a:glow rad="127000">
+                    <a:prstClr val="white"/>
+                  </a:glow>
+                </a:effectLst>
+                <a:latin typeface="VNI-Times" pitchFamily="2" charset="0"/>
+              </a:rPr>
+              <a:t> </a:t>
+            </a:r>
+            <a:r>
+              <a:rPr lang="en-US" sz="6600" b="1" dirty="0" err="1">
+                <a:solidFill>
+                  <a:sysClr val="windowText" lastClr="000000"/>
+                </a:solidFill>
+                <a:effectLst>
+                  <a:glow rad="127000">
+                    <a:prstClr val="white"/>
+                  </a:glow>
+                </a:effectLst>
+                <a:latin typeface="VNI-Times" pitchFamily="2" charset="0"/>
+              </a:rPr>
+              <a:t>töôøng</a:t>
+            </a:r>
+            <a:r>
+              <a:rPr lang="en-US" sz="6600" b="1" dirty="0">
+                <a:solidFill>
+                  <a:sysClr val="windowText" lastClr="000000"/>
+                </a:solidFill>
+                <a:effectLst>
+                  <a:glow rad="127000">
+                    <a:prstClr val="white"/>
+                  </a:glow>
+                </a:effectLst>
+                <a:latin typeface="VNI-Times" pitchFamily="2" charset="0"/>
+              </a:rPr>
+              <a:t>.</a:t>
             </a:r>
           </a:p>
         </p:txBody>
@@ -4806,21 +7924,6 @@
   <p:clrMapOvr>
     <a:overrideClrMapping bg1="lt1" tx1="dk1" bg2="lt2" tx2="dk2" accent1="accent1" accent2="accent2" accent3="accent3" accent4="accent4" accent5="accent5" accent6="accent6" hlink="hlink" folHlink="folHlink"/>
   </p:clrMapOvr>
-  <mc:AlternateContent xmlns:mc="http://schemas.openxmlformats.org/markup-compatibility/2006" xmlns:p14="http://schemas.microsoft.com/office/powerpoint/2010/main">
-    <mc:Choice Requires="p14">
-      <p:transition p14:dur="0"/>
-    </mc:Choice>
-    <mc:Fallback xmlns="">
-      <p:transition/>
-    </mc:Fallback>
-  </mc:AlternateContent>
-  <p:timing>
-    <p:tnLst>
-      <p:par>
-        <p:cTn id="1" dur="indefinite" restart="never" nodeType="tmRoot"/>
-      </p:par>
-    </p:tnLst>
-  </p:timing>
 </p:sld>
 </file>
 
@@ -4879,7 +7982,7 @@
           <a:p>
             <a:pPr algn="ctr"/>
             <a:r>
-              <a:rPr lang="en-US" sz="3200" smtClean="0">
+              <a:rPr lang="en-US" sz="3200" b="1" dirty="0">
                 <a:solidFill>
                   <a:srgbClr val="C00000"/>
                 </a:solidFill>
@@ -4888,21 +7991,10 @@
                     <a:prstClr val="white"/>
                   </a:glow>
                 </a:effectLst>
-                <a:latin typeface="HP-Kabel" pitchFamily="34" charset="0"/>
+                <a:latin typeface="VNI-Times" pitchFamily="2" charset="0"/>
               </a:rPr>
               <a:t>THAÙNH CA 55 – HÔÕI MOÂN ÑOÀ TRUNG TÍN</a:t>
             </a:r>
-            <a:endParaRPr lang="en-US" sz="3200">
-              <a:solidFill>
-                <a:srgbClr val="C00000"/>
-              </a:solidFill>
-              <a:effectLst>
-                <a:glow rad="127000">
-                  <a:prstClr val="white"/>
-                </a:glow>
-              </a:effectLst>
-              <a:latin typeface="HP-Kabel" pitchFamily="34" charset="0"/>
-            </a:endParaRPr>
           </a:p>
         </p:txBody>
       </p:sp>
@@ -4930,45 +8022,297 @@
           <a:p>
             <a:pPr algn="ctr"/>
             <a:r>
-              <a:rPr lang="en-US" sz="6600" b="1" smtClean="0">
-                <a:solidFill>
-                  <a:sysClr val="windowText" lastClr="000000"/>
-                </a:solidFill>
-                <a:effectLst>
-                  <a:glow rad="127000">
-                    <a:prstClr val="white"/>
-                  </a:glow>
-                </a:effectLst>
-                <a:latin typeface="VNI-Aptima" pitchFamily="2" charset="0"/>
-              </a:rPr>
-              <a:t>Chuùa teå muoân söù </a:t>
+              <a:rPr lang="en-US" sz="6600" b="1" dirty="0" err="1">
+                <a:solidFill>
+                  <a:sysClr val="windowText" lastClr="000000"/>
+                </a:solidFill>
+                <a:effectLst>
+                  <a:glow rad="127000">
+                    <a:prstClr val="white"/>
+                  </a:glow>
+                </a:effectLst>
+                <a:latin typeface="VNI-Times" pitchFamily="2" charset="0"/>
+              </a:rPr>
+              <a:t>Chuùa</a:t>
+            </a:r>
+            <a:r>
+              <a:rPr lang="en-US" sz="6600" b="1" dirty="0">
+                <a:solidFill>
+                  <a:sysClr val="windowText" lastClr="000000"/>
+                </a:solidFill>
+                <a:effectLst>
+                  <a:glow rad="127000">
+                    <a:prstClr val="white"/>
+                  </a:glow>
+                </a:effectLst>
+                <a:latin typeface="VNI-Times" pitchFamily="2" charset="0"/>
+              </a:rPr>
+              <a:t> </a:t>
+            </a:r>
+            <a:r>
+              <a:rPr lang="en-US" sz="6600" b="1" dirty="0" err="1">
+                <a:solidFill>
+                  <a:sysClr val="windowText" lastClr="000000"/>
+                </a:solidFill>
+                <a:effectLst>
+                  <a:glow rad="127000">
+                    <a:prstClr val="white"/>
+                  </a:glow>
+                </a:effectLst>
+                <a:latin typeface="VNI-Times" pitchFamily="2" charset="0"/>
+              </a:rPr>
+              <a:t>teå</a:t>
+            </a:r>
+            <a:r>
+              <a:rPr lang="en-US" sz="6600" b="1" dirty="0">
+                <a:solidFill>
+                  <a:sysClr val="windowText" lastClr="000000"/>
+                </a:solidFill>
+                <a:effectLst>
+                  <a:glow rad="127000">
+                    <a:prstClr val="white"/>
+                  </a:glow>
+                </a:effectLst>
+                <a:latin typeface="VNI-Times" pitchFamily="2" charset="0"/>
+              </a:rPr>
+              <a:t> </a:t>
+            </a:r>
+            <a:r>
+              <a:rPr lang="en-US" sz="6600" b="1" dirty="0" err="1">
+                <a:solidFill>
+                  <a:sysClr val="windowText" lastClr="000000"/>
+                </a:solidFill>
+                <a:effectLst>
+                  <a:glow rad="127000">
+                    <a:prstClr val="white"/>
+                  </a:glow>
+                </a:effectLst>
+                <a:latin typeface="VNI-Times" pitchFamily="2" charset="0"/>
+              </a:rPr>
+              <a:t>muoân</a:t>
+            </a:r>
+            <a:r>
+              <a:rPr lang="en-US" sz="6600" b="1" dirty="0">
+                <a:solidFill>
+                  <a:sysClr val="windowText" lastClr="000000"/>
+                </a:solidFill>
+                <a:effectLst>
+                  <a:glow rad="127000">
+                    <a:prstClr val="white"/>
+                  </a:glow>
+                </a:effectLst>
+                <a:latin typeface="VNI-Times" pitchFamily="2" charset="0"/>
+              </a:rPr>
+              <a:t> </a:t>
+            </a:r>
+            <a:r>
+              <a:rPr lang="en-US" sz="6600" b="1" dirty="0" err="1">
+                <a:solidFill>
+                  <a:sysClr val="windowText" lastClr="000000"/>
+                </a:solidFill>
+                <a:effectLst>
+                  <a:glow rad="127000">
+                    <a:prstClr val="white"/>
+                  </a:glow>
+                </a:effectLst>
+                <a:latin typeface="VNI-Times" pitchFamily="2" charset="0"/>
+              </a:rPr>
+              <a:t>söù</a:t>
+            </a:r>
+            <a:r>
+              <a:rPr lang="en-US" sz="6600" b="1" dirty="0">
+                <a:solidFill>
+                  <a:sysClr val="windowText" lastClr="000000"/>
+                </a:solidFill>
+                <a:effectLst>
+                  <a:glow rad="127000">
+                    <a:prstClr val="white"/>
+                  </a:glow>
+                </a:effectLst>
+                <a:latin typeface="VNI-Times" pitchFamily="2" charset="0"/>
+              </a:rPr>
+              <a:t> </a:t>
             </a:r>
             <a:br>
-              <a:rPr lang="en-US" sz="6600" b="1" smtClean="0">
-                <a:solidFill>
-                  <a:sysClr val="windowText" lastClr="000000"/>
-                </a:solidFill>
-                <a:effectLst>
-                  <a:glow rad="127000">
-                    <a:prstClr val="white"/>
-                  </a:glow>
-                </a:effectLst>
-                <a:latin typeface="VNI-Aptima" pitchFamily="2" charset="0"/>
+              <a:rPr lang="en-US" sz="6600" b="1" dirty="0">
+                <a:solidFill>
+                  <a:sysClr val="windowText" lastClr="000000"/>
+                </a:solidFill>
+                <a:effectLst>
+                  <a:glow rad="127000">
+                    <a:prstClr val="white"/>
+                  </a:glow>
+                </a:effectLst>
+                <a:latin typeface="VNI-Times" pitchFamily="2" charset="0"/>
               </a:rPr>
             </a:br>
             <a:r>
-              <a:rPr lang="en-US" sz="6600" b="1" smtClean="0">
-                <a:solidFill>
-                  <a:sysClr val="windowText" lastClr="000000"/>
-                </a:solidFill>
-                <a:effectLst>
-                  <a:glow rad="127000">
-                    <a:prstClr val="white"/>
-                  </a:glow>
-                </a:effectLst>
-                <a:latin typeface="VNI-Aptima" pitchFamily="2" charset="0"/>
-              </a:rPr>
-              <a:t>thaùnh nay giaùng sinh choã taàm thöôøng.</a:t>
+              <a:rPr lang="en-US" sz="6600" b="1" dirty="0" err="1">
+                <a:solidFill>
+                  <a:sysClr val="windowText" lastClr="000000"/>
+                </a:solidFill>
+                <a:effectLst>
+                  <a:glow rad="127000">
+                    <a:prstClr val="white"/>
+                  </a:glow>
+                </a:effectLst>
+                <a:latin typeface="VNI-Times" pitchFamily="2" charset="0"/>
+              </a:rPr>
+              <a:t>thaùnh</a:t>
+            </a:r>
+            <a:r>
+              <a:rPr lang="en-US" sz="6600" b="1" dirty="0">
+                <a:solidFill>
+                  <a:sysClr val="windowText" lastClr="000000"/>
+                </a:solidFill>
+                <a:effectLst>
+                  <a:glow rad="127000">
+                    <a:prstClr val="white"/>
+                  </a:glow>
+                </a:effectLst>
+                <a:latin typeface="VNI-Times" pitchFamily="2" charset="0"/>
+              </a:rPr>
+              <a:t> nay </a:t>
+            </a:r>
+            <a:r>
+              <a:rPr lang="en-US" sz="6600" b="1" dirty="0" err="1">
+                <a:solidFill>
+                  <a:sysClr val="windowText" lastClr="000000"/>
+                </a:solidFill>
+                <a:effectLst>
+                  <a:glow rad="127000">
+                    <a:prstClr val="white"/>
+                  </a:glow>
+                </a:effectLst>
+                <a:latin typeface="VNI-Times" pitchFamily="2" charset="0"/>
+              </a:rPr>
+              <a:t>giaùng</a:t>
+            </a:r>
+            <a:r>
+              <a:rPr lang="en-US" sz="6600" b="1" dirty="0">
+                <a:solidFill>
+                  <a:sysClr val="windowText" lastClr="000000"/>
+                </a:solidFill>
+                <a:effectLst>
+                  <a:glow rad="127000">
+                    <a:prstClr val="white"/>
+                  </a:glow>
+                </a:effectLst>
+                <a:latin typeface="VNI-Times" pitchFamily="2" charset="0"/>
+              </a:rPr>
+              <a:t> </a:t>
+            </a:r>
+            <a:r>
+              <a:rPr lang="en-US" sz="6600" b="1" dirty="0" err="1">
+                <a:solidFill>
+                  <a:sysClr val="windowText" lastClr="000000"/>
+                </a:solidFill>
+                <a:effectLst>
+                  <a:glow rad="127000">
+                    <a:prstClr val="white"/>
+                  </a:glow>
+                </a:effectLst>
+                <a:latin typeface="VNI-Times" pitchFamily="2" charset="0"/>
+              </a:rPr>
+              <a:t>sinh</a:t>
+            </a:r>
+            <a:r>
+              <a:rPr lang="en-US" sz="6600" b="1" dirty="0">
+                <a:solidFill>
+                  <a:sysClr val="windowText" lastClr="000000"/>
+                </a:solidFill>
+                <a:effectLst>
+                  <a:glow rad="127000">
+                    <a:prstClr val="white"/>
+                  </a:glow>
+                </a:effectLst>
+                <a:latin typeface="VNI-Times" pitchFamily="2" charset="0"/>
+              </a:rPr>
+              <a:t> </a:t>
+            </a:r>
+            <a:r>
+              <a:rPr lang="en-US" sz="6600" b="1" dirty="0" err="1">
+                <a:solidFill>
+                  <a:sysClr val="windowText" lastClr="000000"/>
+                </a:solidFill>
+                <a:effectLst>
+                  <a:glow rad="127000">
+                    <a:prstClr val="white"/>
+                  </a:glow>
+                </a:effectLst>
+                <a:latin typeface="VNI-Times" pitchFamily="2" charset="0"/>
+              </a:rPr>
+              <a:t>choã</a:t>
+            </a:r>
+            <a:r>
+              <a:rPr lang="en-US" sz="6600" b="1" dirty="0">
+                <a:solidFill>
+                  <a:sysClr val="windowText" lastClr="000000"/>
+                </a:solidFill>
+                <a:effectLst>
+                  <a:glow rad="127000">
+                    <a:prstClr val="white"/>
+                  </a:glow>
+                </a:effectLst>
+                <a:latin typeface="VNI-Times" pitchFamily="2" charset="0"/>
+              </a:rPr>
+              <a:t> </a:t>
+            </a:r>
+            <a:r>
+              <a:rPr lang="en-US" sz="6600" b="1" dirty="0" err="1">
+                <a:solidFill>
+                  <a:sysClr val="windowText" lastClr="000000"/>
+                </a:solidFill>
+                <a:effectLst>
+                  <a:glow rad="127000">
+                    <a:prstClr val="white"/>
+                  </a:glow>
+                </a:effectLst>
+                <a:latin typeface="VNI-Times" pitchFamily="2" charset="0"/>
+              </a:rPr>
+              <a:t>taàm</a:t>
+            </a:r>
+            <a:r>
+              <a:rPr lang="en-US" sz="6600" b="1" dirty="0">
+                <a:solidFill>
+                  <a:sysClr val="windowText" lastClr="000000"/>
+                </a:solidFill>
+                <a:effectLst>
+                  <a:glow rad="127000">
+                    <a:prstClr val="white"/>
+                  </a:glow>
+                </a:effectLst>
+                <a:latin typeface="VNI-Times" pitchFamily="2" charset="0"/>
+              </a:rPr>
+              <a:t> </a:t>
+            </a:r>
+            <a:r>
+              <a:rPr lang="en-US" sz="6600" b="1" dirty="0" err="1">
+                <a:solidFill>
+                  <a:sysClr val="windowText" lastClr="000000"/>
+                </a:solidFill>
+                <a:effectLst>
+                  <a:glow rad="127000">
+                    <a:prstClr val="white"/>
+                  </a:glow>
+                </a:effectLst>
+                <a:latin typeface="VNI-Times" pitchFamily="2" charset="0"/>
+              </a:rPr>
+              <a:t>thöôøng</a:t>
+            </a:r>
+            <a:r>
+              <a:rPr lang="en-US" sz="6600" b="1" dirty="0">
+                <a:solidFill>
+                  <a:sysClr val="windowText" lastClr="000000"/>
+                </a:solidFill>
+                <a:effectLst>
+                  <a:glow rad="127000">
+                    <a:prstClr val="white"/>
+                  </a:glow>
+                </a:effectLst>
+                <a:latin typeface="VNI-Times" pitchFamily="2" charset="0"/>
+              </a:rPr>
+              <a:t>.</a:t>
             </a:r>
           </a:p>
         </p:txBody>
@@ -4983,21 +8327,6 @@
   <p:clrMapOvr>
     <a:overrideClrMapping bg1="lt1" tx1="dk1" bg2="lt2" tx2="dk2" accent1="accent1" accent2="accent2" accent3="accent3" accent4="accent4" accent5="accent5" accent6="accent6" hlink="hlink" folHlink="folHlink"/>
   </p:clrMapOvr>
-  <mc:AlternateContent xmlns:mc="http://schemas.openxmlformats.org/markup-compatibility/2006" xmlns:p14="http://schemas.microsoft.com/office/powerpoint/2010/main">
-    <mc:Choice Requires="p14">
-      <p:transition p14:dur="0"/>
-    </mc:Choice>
-    <mc:Fallback xmlns="">
-      <p:transition/>
-    </mc:Fallback>
-  </mc:AlternateContent>
-  <p:timing>
-    <p:tnLst>
-      <p:par>
-        <p:cTn id="1" dur="indefinite" restart="never" nodeType="tmRoot"/>
-      </p:par>
-    </p:tnLst>
-  </p:timing>
 </p:sld>
 </file>
 
@@ -5056,7 +8385,7 @@
           <a:p>
             <a:pPr algn="ctr"/>
             <a:r>
-              <a:rPr lang="en-US" sz="3200" smtClean="0">
+              <a:rPr lang="en-US" sz="3200" b="1" dirty="0">
                 <a:solidFill>
                   <a:srgbClr val="C00000"/>
                 </a:solidFill>
@@ -5065,21 +8394,10 @@
                     <a:prstClr val="white"/>
                   </a:glow>
                 </a:effectLst>
-                <a:latin typeface="HP-Kabel" pitchFamily="34" charset="0"/>
+                <a:latin typeface="VNI-Times" pitchFamily="2" charset="0"/>
               </a:rPr>
               <a:t>THAÙNH CA 55 – HÔÕI MOÂN ÑOÀ TRUNG TÍN</a:t>
             </a:r>
-            <a:endParaRPr lang="en-US" sz="3200">
-              <a:solidFill>
-                <a:srgbClr val="C00000"/>
-              </a:solidFill>
-              <a:effectLst>
-                <a:glow rad="127000">
-                  <a:prstClr val="white"/>
-                </a:glow>
-              </a:effectLst>
-              <a:latin typeface="HP-Kabel" pitchFamily="34" charset="0"/>
-            </a:endParaRPr>
           </a:p>
         </p:txBody>
       </p:sp>
@@ -5107,113 +8425,435 @@
           <a:p>
             <a:pPr algn="ctr"/>
             <a:r>
-              <a:rPr lang="en-US" sz="4400" b="1" i="1" u="sng" smtClean="0">
-                <a:solidFill>
-                  <a:sysClr val="windowText" lastClr="000000"/>
-                </a:solidFill>
-                <a:effectLst>
-                  <a:glow rad="127000">
-                    <a:prstClr val="white"/>
-                  </a:glow>
-                </a:effectLst>
-                <a:latin typeface="VNI-Aptima" pitchFamily="2" charset="0"/>
+              <a:rPr lang="en-US" sz="4400" b="1" u="sng" dirty="0">
+                <a:solidFill>
+                  <a:sysClr val="windowText" lastClr="000000"/>
+                </a:solidFill>
+                <a:effectLst>
+                  <a:glow rad="127000">
+                    <a:prstClr val="white"/>
+                  </a:glow>
+                </a:effectLst>
+                <a:latin typeface="VNI-Times" pitchFamily="2" charset="0"/>
               </a:rPr>
               <a:t>ÑK:</a:t>
             </a:r>
             <a:r>
-              <a:rPr lang="en-US" sz="6600" b="1" smtClean="0">
-                <a:solidFill>
-                  <a:sysClr val="windowText" lastClr="000000"/>
-                </a:solidFill>
-                <a:effectLst>
-                  <a:glow rad="127000">
-                    <a:prstClr val="white"/>
-                  </a:glow>
-                </a:effectLst>
-                <a:latin typeface="VNI-Aptima" pitchFamily="2" charset="0"/>
-              </a:rPr>
-              <a:t> Mau mau cuøng </a:t>
+              <a:rPr lang="en-US" sz="6600" b="1" dirty="0">
+                <a:solidFill>
+                  <a:sysClr val="windowText" lastClr="000000"/>
+                </a:solidFill>
+                <a:effectLst>
+                  <a:glow rad="127000">
+                    <a:prstClr val="white"/>
+                  </a:glow>
+                </a:effectLst>
+                <a:latin typeface="VNI-Times" pitchFamily="2" charset="0"/>
+              </a:rPr>
+              <a:t> Mau </a:t>
+            </a:r>
+            <a:r>
+              <a:rPr lang="en-US" sz="6600" b="1" dirty="0" err="1">
+                <a:solidFill>
+                  <a:sysClr val="windowText" lastClr="000000"/>
+                </a:solidFill>
+                <a:effectLst>
+                  <a:glow rad="127000">
+                    <a:prstClr val="white"/>
+                  </a:glow>
+                </a:effectLst>
+                <a:latin typeface="VNI-Times" pitchFamily="2" charset="0"/>
+              </a:rPr>
+              <a:t>mau</a:t>
+            </a:r>
+            <a:r>
+              <a:rPr lang="en-US" sz="6600" b="1" dirty="0">
+                <a:solidFill>
+                  <a:sysClr val="windowText" lastClr="000000"/>
+                </a:solidFill>
+                <a:effectLst>
+                  <a:glow rad="127000">
+                    <a:prstClr val="white"/>
+                  </a:glow>
+                </a:effectLst>
+                <a:latin typeface="VNI-Times" pitchFamily="2" charset="0"/>
+              </a:rPr>
+              <a:t> </a:t>
+            </a:r>
+            <a:r>
+              <a:rPr lang="en-US" sz="6600" b="1" dirty="0" err="1">
+                <a:solidFill>
+                  <a:sysClr val="windowText" lastClr="000000"/>
+                </a:solidFill>
+                <a:effectLst>
+                  <a:glow rad="127000">
+                    <a:prstClr val="white"/>
+                  </a:glow>
+                </a:effectLst>
+                <a:latin typeface="VNI-Times" pitchFamily="2" charset="0"/>
+              </a:rPr>
+              <a:t>cuøng</a:t>
+            </a:r>
+            <a:r>
+              <a:rPr lang="en-US" sz="6600" b="1" dirty="0">
+                <a:solidFill>
+                  <a:sysClr val="windowText" lastClr="000000"/>
+                </a:solidFill>
+                <a:effectLst>
+                  <a:glow rad="127000">
+                    <a:prstClr val="white"/>
+                  </a:glow>
+                </a:effectLst>
+                <a:latin typeface="VNI-Times" pitchFamily="2" charset="0"/>
+              </a:rPr>
+              <a:t> </a:t>
             </a:r>
             <a:br>
-              <a:rPr lang="en-US" sz="6600" b="1" smtClean="0">
-                <a:solidFill>
-                  <a:sysClr val="windowText" lastClr="000000"/>
-                </a:solidFill>
-                <a:effectLst>
-                  <a:glow rad="127000">
-                    <a:prstClr val="white"/>
-                  </a:glow>
-                </a:effectLst>
-                <a:latin typeface="VNI-Aptima" pitchFamily="2" charset="0"/>
+              <a:rPr lang="en-US" sz="6600" b="1" dirty="0">
+                <a:solidFill>
+                  <a:sysClr val="windowText" lastClr="000000"/>
+                </a:solidFill>
+                <a:effectLst>
+                  <a:glow rad="127000">
+                    <a:prstClr val="white"/>
+                  </a:glow>
+                </a:effectLst>
+                <a:latin typeface="VNI-Times" pitchFamily="2" charset="0"/>
               </a:rPr>
             </a:br>
             <a:r>
-              <a:rPr lang="en-US" sz="6600" b="1" smtClean="0">
-                <a:solidFill>
-                  <a:sysClr val="windowText" lastClr="000000"/>
-                </a:solidFill>
-                <a:effectLst>
-                  <a:glow rad="127000">
-                    <a:prstClr val="white"/>
-                  </a:glow>
-                </a:effectLst>
-                <a:latin typeface="VNI-Aptima" pitchFamily="2" charset="0"/>
-              </a:rPr>
-              <a:t>nhau ñeán toân thôø, </a:t>
+              <a:rPr lang="en-US" sz="6600" b="1" dirty="0" err="1">
+                <a:solidFill>
+                  <a:sysClr val="windowText" lastClr="000000"/>
+                </a:solidFill>
+                <a:effectLst>
+                  <a:glow rad="127000">
+                    <a:prstClr val="white"/>
+                  </a:glow>
+                </a:effectLst>
+                <a:latin typeface="VNI-Times" pitchFamily="2" charset="0"/>
+              </a:rPr>
+              <a:t>nhau</a:t>
+            </a:r>
+            <a:r>
+              <a:rPr lang="en-US" sz="6600" b="1" dirty="0">
+                <a:solidFill>
+                  <a:sysClr val="windowText" lastClr="000000"/>
+                </a:solidFill>
+                <a:effectLst>
+                  <a:glow rad="127000">
+                    <a:prstClr val="white"/>
+                  </a:glow>
+                </a:effectLst>
+                <a:latin typeface="VNI-Times" pitchFamily="2" charset="0"/>
+              </a:rPr>
+              <a:t> </a:t>
+            </a:r>
+            <a:r>
+              <a:rPr lang="en-US" sz="6600" b="1" dirty="0" err="1">
+                <a:solidFill>
+                  <a:sysClr val="windowText" lastClr="000000"/>
+                </a:solidFill>
+                <a:effectLst>
+                  <a:glow rad="127000">
+                    <a:prstClr val="white"/>
+                  </a:glow>
+                </a:effectLst>
+                <a:latin typeface="VNI-Times" pitchFamily="2" charset="0"/>
+              </a:rPr>
+              <a:t>ñeán</a:t>
+            </a:r>
+            <a:r>
+              <a:rPr lang="en-US" sz="6600" b="1" dirty="0">
+                <a:solidFill>
+                  <a:sysClr val="windowText" lastClr="000000"/>
+                </a:solidFill>
+                <a:effectLst>
+                  <a:glow rad="127000">
+                    <a:prstClr val="white"/>
+                  </a:glow>
+                </a:effectLst>
+                <a:latin typeface="VNI-Times" pitchFamily="2" charset="0"/>
+              </a:rPr>
+              <a:t> </a:t>
+            </a:r>
+            <a:r>
+              <a:rPr lang="en-US" sz="6600" b="1" dirty="0" err="1">
+                <a:solidFill>
+                  <a:sysClr val="windowText" lastClr="000000"/>
+                </a:solidFill>
+                <a:effectLst>
+                  <a:glow rad="127000">
+                    <a:prstClr val="white"/>
+                  </a:glow>
+                </a:effectLst>
+                <a:latin typeface="VNI-Times" pitchFamily="2" charset="0"/>
+              </a:rPr>
+              <a:t>toân</a:t>
+            </a:r>
+            <a:r>
+              <a:rPr lang="en-US" sz="6600" b="1" dirty="0">
+                <a:solidFill>
+                  <a:sysClr val="windowText" lastClr="000000"/>
+                </a:solidFill>
+                <a:effectLst>
+                  <a:glow rad="127000">
+                    <a:prstClr val="white"/>
+                  </a:glow>
+                </a:effectLst>
+                <a:latin typeface="VNI-Times" pitchFamily="2" charset="0"/>
+              </a:rPr>
+              <a:t> </a:t>
+            </a:r>
+            <a:r>
+              <a:rPr lang="en-US" sz="6600" b="1" dirty="0" err="1">
+                <a:solidFill>
+                  <a:sysClr val="windowText" lastClr="000000"/>
+                </a:solidFill>
+                <a:effectLst>
+                  <a:glow rad="127000">
+                    <a:prstClr val="white"/>
+                  </a:glow>
+                </a:effectLst>
+                <a:latin typeface="VNI-Times" pitchFamily="2" charset="0"/>
+              </a:rPr>
+              <a:t>thôø</a:t>
+            </a:r>
+            <a:r>
+              <a:rPr lang="en-US" sz="6600" b="1" dirty="0">
+                <a:solidFill>
+                  <a:sysClr val="windowText" lastClr="000000"/>
+                </a:solidFill>
+                <a:effectLst>
+                  <a:glow rad="127000">
+                    <a:prstClr val="white"/>
+                  </a:glow>
+                </a:effectLst>
+                <a:latin typeface="VNI-Times" pitchFamily="2" charset="0"/>
+              </a:rPr>
+              <a:t>, </a:t>
             </a:r>
             <a:br>
-              <a:rPr lang="en-US" sz="6600" b="1" smtClean="0">
-                <a:solidFill>
-                  <a:sysClr val="windowText" lastClr="000000"/>
-                </a:solidFill>
-                <a:effectLst>
-                  <a:glow rad="127000">
-                    <a:prstClr val="white"/>
-                  </a:glow>
-                </a:effectLst>
-                <a:latin typeface="VNI-Aptima" pitchFamily="2" charset="0"/>
+              <a:rPr lang="en-US" sz="6600" b="1" dirty="0">
+                <a:solidFill>
+                  <a:sysClr val="windowText" lastClr="000000"/>
+                </a:solidFill>
+                <a:effectLst>
+                  <a:glow rad="127000">
+                    <a:prstClr val="white"/>
+                  </a:glow>
+                </a:effectLst>
+                <a:latin typeface="VNI-Times" pitchFamily="2" charset="0"/>
               </a:rPr>
             </a:br>
             <a:r>
-              <a:rPr lang="en-US" sz="6600" b="1" smtClean="0">
-                <a:solidFill>
-                  <a:sysClr val="windowText" lastClr="000000"/>
-                </a:solidFill>
-                <a:effectLst>
-                  <a:glow rad="127000">
-                    <a:prstClr val="white"/>
-                  </a:glow>
-                </a:effectLst>
-                <a:latin typeface="VNI-Aptima" pitchFamily="2" charset="0"/>
-              </a:rPr>
-              <a:t>mau mau cuøng </a:t>
+              <a:rPr lang="en-US" sz="6600" b="1" dirty="0" err="1">
+                <a:solidFill>
+                  <a:sysClr val="windowText" lastClr="000000"/>
+                </a:solidFill>
+                <a:effectLst>
+                  <a:glow rad="127000">
+                    <a:prstClr val="white"/>
+                  </a:glow>
+                </a:effectLst>
+                <a:latin typeface="VNI-Times" pitchFamily="2" charset="0"/>
+              </a:rPr>
+              <a:t>mau</a:t>
+            </a:r>
+            <a:r>
+              <a:rPr lang="en-US" sz="6600" b="1" dirty="0">
+                <a:solidFill>
+                  <a:sysClr val="windowText" lastClr="000000"/>
+                </a:solidFill>
+                <a:effectLst>
+                  <a:glow rad="127000">
+                    <a:prstClr val="white"/>
+                  </a:glow>
+                </a:effectLst>
+                <a:latin typeface="VNI-Times" pitchFamily="2" charset="0"/>
+              </a:rPr>
+              <a:t> </a:t>
+            </a:r>
+            <a:r>
+              <a:rPr lang="en-US" sz="6600" b="1" dirty="0" err="1">
+                <a:solidFill>
+                  <a:sysClr val="windowText" lastClr="000000"/>
+                </a:solidFill>
+                <a:effectLst>
+                  <a:glow rad="127000">
+                    <a:prstClr val="white"/>
+                  </a:glow>
+                </a:effectLst>
+                <a:latin typeface="VNI-Times" pitchFamily="2" charset="0"/>
+              </a:rPr>
+              <a:t>mau</a:t>
+            </a:r>
+            <a:r>
+              <a:rPr lang="en-US" sz="6600" b="1" dirty="0">
+                <a:solidFill>
+                  <a:sysClr val="windowText" lastClr="000000"/>
+                </a:solidFill>
+                <a:effectLst>
+                  <a:glow rad="127000">
+                    <a:prstClr val="white"/>
+                  </a:glow>
+                </a:effectLst>
+                <a:latin typeface="VNI-Times" pitchFamily="2" charset="0"/>
+              </a:rPr>
+              <a:t> </a:t>
+            </a:r>
+            <a:r>
+              <a:rPr lang="en-US" sz="6600" b="1" dirty="0" err="1">
+                <a:solidFill>
+                  <a:sysClr val="windowText" lastClr="000000"/>
+                </a:solidFill>
+                <a:effectLst>
+                  <a:glow rad="127000">
+                    <a:prstClr val="white"/>
+                  </a:glow>
+                </a:effectLst>
+                <a:latin typeface="VNI-Times" pitchFamily="2" charset="0"/>
+              </a:rPr>
+              <a:t>cuøng</a:t>
+            </a:r>
+            <a:r>
+              <a:rPr lang="en-US" sz="6600" b="1" dirty="0">
+                <a:solidFill>
+                  <a:sysClr val="windowText" lastClr="000000"/>
+                </a:solidFill>
+                <a:effectLst>
+                  <a:glow rad="127000">
+                    <a:prstClr val="white"/>
+                  </a:glow>
+                </a:effectLst>
+                <a:latin typeface="VNI-Times" pitchFamily="2" charset="0"/>
+              </a:rPr>
+              <a:t> </a:t>
             </a:r>
             <a:br>
-              <a:rPr lang="en-US" sz="6600" b="1" smtClean="0">
-                <a:solidFill>
-                  <a:sysClr val="windowText" lastClr="000000"/>
-                </a:solidFill>
-                <a:effectLst>
-                  <a:glow rad="127000">
-                    <a:prstClr val="white"/>
-                  </a:glow>
-                </a:effectLst>
-                <a:latin typeface="VNI-Aptima" pitchFamily="2" charset="0"/>
+              <a:rPr lang="en-US" sz="6600" b="1" dirty="0">
+                <a:solidFill>
+                  <a:sysClr val="windowText" lastClr="000000"/>
+                </a:solidFill>
+                <a:effectLst>
+                  <a:glow rad="127000">
+                    <a:prstClr val="white"/>
+                  </a:glow>
+                </a:effectLst>
+                <a:latin typeface="VNI-Times" pitchFamily="2" charset="0"/>
               </a:rPr>
             </a:br>
             <a:r>
-              <a:rPr lang="en-US" sz="6600" b="1" smtClean="0">
-                <a:solidFill>
-                  <a:sysClr val="windowText" lastClr="000000"/>
-                </a:solidFill>
-                <a:effectLst>
-                  <a:glow rad="127000">
-                    <a:prstClr val="white"/>
-                  </a:glow>
-                </a:effectLst>
-                <a:latin typeface="VNI-Aptima" pitchFamily="2" charset="0"/>
-              </a:rPr>
-              <a:t>nhau ñeán toân thôø.</a:t>
+              <a:rPr lang="en-US" sz="6600" b="1" dirty="0" err="1">
+                <a:solidFill>
+                  <a:sysClr val="windowText" lastClr="000000"/>
+                </a:solidFill>
+                <a:effectLst>
+                  <a:glow rad="127000">
+                    <a:prstClr val="white"/>
+                  </a:glow>
+                </a:effectLst>
+                <a:latin typeface="VNI-Times" pitchFamily="2" charset="0"/>
+              </a:rPr>
+              <a:t>nhau</a:t>
+            </a:r>
+            <a:r>
+              <a:rPr lang="en-US" sz="6600" b="1" dirty="0">
+                <a:solidFill>
+                  <a:sysClr val="windowText" lastClr="000000"/>
+                </a:solidFill>
+                <a:effectLst>
+                  <a:glow rad="127000">
+                    <a:prstClr val="white"/>
+                  </a:glow>
+                </a:effectLst>
+                <a:latin typeface="VNI-Times" pitchFamily="2" charset="0"/>
+              </a:rPr>
+              <a:t> </a:t>
+            </a:r>
+            <a:r>
+              <a:rPr lang="en-US" sz="6600" b="1" dirty="0" err="1">
+                <a:solidFill>
+                  <a:sysClr val="windowText" lastClr="000000"/>
+                </a:solidFill>
+                <a:effectLst>
+                  <a:glow rad="127000">
+                    <a:prstClr val="white"/>
+                  </a:glow>
+                </a:effectLst>
+                <a:latin typeface="VNI-Times" pitchFamily="2" charset="0"/>
+              </a:rPr>
+              <a:t>ñeán</a:t>
+            </a:r>
+            <a:r>
+              <a:rPr lang="en-US" sz="6600" b="1" dirty="0">
+                <a:solidFill>
+                  <a:sysClr val="windowText" lastClr="000000"/>
+                </a:solidFill>
+                <a:effectLst>
+                  <a:glow rad="127000">
+                    <a:prstClr val="white"/>
+                  </a:glow>
+                </a:effectLst>
+                <a:latin typeface="VNI-Times" pitchFamily="2" charset="0"/>
+              </a:rPr>
+              <a:t> </a:t>
+            </a:r>
+            <a:r>
+              <a:rPr lang="en-US" sz="6600" b="1" dirty="0" err="1">
+                <a:solidFill>
+                  <a:sysClr val="windowText" lastClr="000000"/>
+                </a:solidFill>
+                <a:effectLst>
+                  <a:glow rad="127000">
+                    <a:prstClr val="white"/>
+                  </a:glow>
+                </a:effectLst>
+                <a:latin typeface="VNI-Times" pitchFamily="2" charset="0"/>
+              </a:rPr>
+              <a:t>toân</a:t>
+            </a:r>
+            <a:r>
+              <a:rPr lang="en-US" sz="6600" b="1" dirty="0">
+                <a:solidFill>
+                  <a:sysClr val="windowText" lastClr="000000"/>
+                </a:solidFill>
+                <a:effectLst>
+                  <a:glow rad="127000">
+                    <a:prstClr val="white"/>
+                  </a:glow>
+                </a:effectLst>
+                <a:latin typeface="VNI-Times" pitchFamily="2" charset="0"/>
+              </a:rPr>
+              <a:t> </a:t>
+            </a:r>
+            <a:r>
+              <a:rPr lang="en-US" sz="6600" b="1" dirty="0" err="1">
+                <a:solidFill>
+                  <a:sysClr val="windowText" lastClr="000000"/>
+                </a:solidFill>
+                <a:effectLst>
+                  <a:glow rad="127000">
+                    <a:prstClr val="white"/>
+                  </a:glow>
+                </a:effectLst>
+                <a:latin typeface="VNI-Times" pitchFamily="2" charset="0"/>
+              </a:rPr>
+              <a:t>thôø</a:t>
+            </a:r>
+            <a:r>
+              <a:rPr lang="en-US" sz="6600" b="1" dirty="0">
+                <a:solidFill>
+                  <a:sysClr val="windowText" lastClr="000000"/>
+                </a:solidFill>
+                <a:effectLst>
+                  <a:glow rad="127000">
+                    <a:prstClr val="white"/>
+                  </a:glow>
+                </a:effectLst>
+                <a:latin typeface="VNI-Times" pitchFamily="2" charset="0"/>
+              </a:rPr>
+              <a:t>.</a:t>
             </a:r>
           </a:p>
         </p:txBody>
@@ -5228,21 +8868,6 @@
   <p:clrMapOvr>
     <a:overrideClrMapping bg1="lt1" tx1="dk1" bg2="lt2" tx2="dk2" accent1="accent1" accent2="accent2" accent3="accent3" accent4="accent4" accent5="accent5" accent6="accent6" hlink="hlink" folHlink="folHlink"/>
   </p:clrMapOvr>
-  <mc:AlternateContent xmlns:mc="http://schemas.openxmlformats.org/markup-compatibility/2006" xmlns:p14="http://schemas.microsoft.com/office/powerpoint/2010/main">
-    <mc:Choice Requires="p14">
-      <p:transition p14:dur="0"/>
-    </mc:Choice>
-    <mc:Fallback xmlns="">
-      <p:transition/>
-    </mc:Fallback>
-  </mc:AlternateContent>
-  <p:timing>
-    <p:tnLst>
-      <p:par>
-        <p:cTn id="1" dur="indefinite" restart="never" nodeType="tmRoot"/>
-      </p:par>
-    </p:tnLst>
-  </p:timing>
 </p:sld>
 </file>
 
@@ -5301,7 +8926,7 @@
           <a:p>
             <a:pPr algn="ctr"/>
             <a:r>
-              <a:rPr lang="en-US" sz="3200" smtClean="0">
+              <a:rPr lang="en-US" sz="3200" b="1" dirty="0">
                 <a:solidFill>
                   <a:srgbClr val="C00000"/>
                 </a:solidFill>
@@ -5310,21 +8935,10 @@
                     <a:prstClr val="white"/>
                   </a:glow>
                 </a:effectLst>
-                <a:latin typeface="HP-Kabel" pitchFamily="34" charset="0"/>
+                <a:latin typeface="VNI-Times" pitchFamily="2" charset="0"/>
               </a:rPr>
               <a:t>THAÙNH CA 55 – HÔÕI MOÂN ÑOÀ TRUNG TÍN</a:t>
             </a:r>
-            <a:endParaRPr lang="en-US" sz="3200">
-              <a:solidFill>
-                <a:srgbClr val="C00000"/>
-              </a:solidFill>
-              <a:effectLst>
-                <a:glow rad="127000">
-                  <a:prstClr val="white"/>
-                </a:glow>
-              </a:effectLst>
-              <a:latin typeface="HP-Kabel" pitchFamily="34" charset="0"/>
-            </a:endParaRPr>
           </a:p>
         </p:txBody>
       </p:sp>
@@ -5352,72 +8966,254 @@
           <a:p>
             <a:pPr algn="ctr"/>
             <a:r>
-              <a:rPr lang="en-US" sz="6600" b="1" smtClean="0">
-                <a:solidFill>
-                  <a:sysClr val="windowText" lastClr="000000"/>
-                </a:solidFill>
-                <a:effectLst>
-                  <a:glow rad="127000">
-                    <a:prstClr val="white"/>
-                  </a:glow>
-                </a:effectLst>
-                <a:latin typeface="VNI-Aptima" pitchFamily="2" charset="0"/>
-              </a:rPr>
-              <a:t>Mau ñeán nôi ñaây </a:t>
+              <a:rPr lang="en-US" sz="6600" b="1" dirty="0">
+                <a:solidFill>
+                  <a:sysClr val="windowText" lastClr="000000"/>
+                </a:solidFill>
+                <a:effectLst>
+                  <a:glow rad="127000">
+                    <a:prstClr val="white"/>
+                  </a:glow>
+                </a:effectLst>
+                <a:latin typeface="VNI-Times" pitchFamily="2" charset="0"/>
+              </a:rPr>
+              <a:t>Mau </a:t>
+            </a:r>
+            <a:r>
+              <a:rPr lang="en-US" sz="6600" b="1" dirty="0" err="1">
+                <a:solidFill>
+                  <a:sysClr val="windowText" lastClr="000000"/>
+                </a:solidFill>
+                <a:effectLst>
+                  <a:glow rad="127000">
+                    <a:prstClr val="white"/>
+                  </a:glow>
+                </a:effectLst>
+                <a:latin typeface="VNI-Times" pitchFamily="2" charset="0"/>
+              </a:rPr>
+              <a:t>ñeán</a:t>
+            </a:r>
+            <a:r>
+              <a:rPr lang="en-US" sz="6600" b="1" dirty="0">
+                <a:solidFill>
+                  <a:sysClr val="windowText" lastClr="000000"/>
+                </a:solidFill>
+                <a:effectLst>
+                  <a:glow rad="127000">
+                    <a:prstClr val="white"/>
+                  </a:glow>
+                </a:effectLst>
+                <a:latin typeface="VNI-Times" pitchFamily="2" charset="0"/>
+              </a:rPr>
+              <a:t> </a:t>
+            </a:r>
+            <a:r>
+              <a:rPr lang="en-US" sz="6600" b="1" dirty="0" err="1">
+                <a:solidFill>
+                  <a:sysClr val="windowText" lastClr="000000"/>
+                </a:solidFill>
+                <a:effectLst>
+                  <a:glow rad="127000">
+                    <a:prstClr val="white"/>
+                  </a:glow>
+                </a:effectLst>
+                <a:latin typeface="VNI-Times" pitchFamily="2" charset="0"/>
+              </a:rPr>
+              <a:t>nôi</a:t>
+            </a:r>
+            <a:r>
+              <a:rPr lang="en-US" sz="6600" b="1" dirty="0">
+                <a:solidFill>
+                  <a:sysClr val="windowText" lastClr="000000"/>
+                </a:solidFill>
+                <a:effectLst>
+                  <a:glow rad="127000">
+                    <a:prstClr val="white"/>
+                  </a:glow>
+                </a:effectLst>
+                <a:latin typeface="VNI-Times" pitchFamily="2" charset="0"/>
+              </a:rPr>
+              <a:t> </a:t>
+            </a:r>
+            <a:r>
+              <a:rPr lang="en-US" sz="6600" b="1" dirty="0" err="1">
+                <a:solidFill>
+                  <a:sysClr val="windowText" lastClr="000000"/>
+                </a:solidFill>
+                <a:effectLst>
+                  <a:glow rad="127000">
+                    <a:prstClr val="white"/>
+                  </a:glow>
+                </a:effectLst>
+                <a:latin typeface="VNI-Times" pitchFamily="2" charset="0"/>
+              </a:rPr>
+              <a:t>ñaây</a:t>
+            </a:r>
+            <a:r>
+              <a:rPr lang="en-US" sz="6600" b="1" dirty="0">
+                <a:solidFill>
+                  <a:sysClr val="windowText" lastClr="000000"/>
+                </a:solidFill>
+                <a:effectLst>
+                  <a:glow rad="127000">
+                    <a:prstClr val="white"/>
+                  </a:glow>
+                </a:effectLst>
+                <a:latin typeface="VNI-Times" pitchFamily="2" charset="0"/>
+              </a:rPr>
+              <a:t> </a:t>
             </a:r>
             <a:br>
-              <a:rPr lang="en-US" sz="6600" b="1" smtClean="0">
-                <a:solidFill>
-                  <a:sysClr val="windowText" lastClr="000000"/>
-                </a:solidFill>
-                <a:effectLst>
-                  <a:glow rad="127000">
-                    <a:prstClr val="white"/>
-                  </a:glow>
-                </a:effectLst>
-                <a:latin typeface="VNI-Aptima" pitchFamily="2" charset="0"/>
+              <a:rPr lang="en-US" sz="6600" b="1" dirty="0">
+                <a:solidFill>
+                  <a:sysClr val="windowText" lastClr="000000"/>
+                </a:solidFill>
+                <a:effectLst>
+                  <a:glow rad="127000">
+                    <a:prstClr val="white"/>
+                  </a:glow>
+                </a:effectLst>
+                <a:latin typeface="VNI-Times" pitchFamily="2" charset="0"/>
               </a:rPr>
             </a:br>
             <a:r>
-              <a:rPr lang="en-US" sz="6600" b="1" smtClean="0">
-                <a:solidFill>
-                  <a:sysClr val="windowText" lastClr="000000"/>
-                </a:solidFill>
-                <a:effectLst>
-                  <a:glow rad="127000">
-                    <a:prstClr val="white"/>
-                  </a:glow>
-                </a:effectLst>
-                <a:latin typeface="VNI-Aptima" pitchFamily="2" charset="0"/>
-              </a:rPr>
-              <a:t>toân thôø Chuùa </a:t>
+              <a:rPr lang="en-US" sz="6600" b="1" dirty="0" err="1">
+                <a:solidFill>
+                  <a:sysClr val="windowText" lastClr="000000"/>
+                </a:solidFill>
+                <a:effectLst>
+                  <a:glow rad="127000">
+                    <a:prstClr val="white"/>
+                  </a:glow>
+                </a:effectLst>
+                <a:latin typeface="VNI-Times" pitchFamily="2" charset="0"/>
+              </a:rPr>
+              <a:t>toân</a:t>
+            </a:r>
+            <a:r>
+              <a:rPr lang="en-US" sz="6600" b="1" dirty="0">
+                <a:solidFill>
+                  <a:sysClr val="windowText" lastClr="000000"/>
+                </a:solidFill>
+                <a:effectLst>
+                  <a:glow rad="127000">
+                    <a:prstClr val="white"/>
+                  </a:glow>
+                </a:effectLst>
+                <a:latin typeface="VNI-Times" pitchFamily="2" charset="0"/>
+              </a:rPr>
+              <a:t> </a:t>
+            </a:r>
+            <a:r>
+              <a:rPr lang="en-US" sz="6600" b="1" dirty="0" err="1">
+                <a:solidFill>
+                  <a:sysClr val="windowText" lastClr="000000"/>
+                </a:solidFill>
+                <a:effectLst>
+                  <a:glow rad="127000">
+                    <a:prstClr val="white"/>
+                  </a:glow>
+                </a:effectLst>
+                <a:latin typeface="VNI-Times" pitchFamily="2" charset="0"/>
+              </a:rPr>
+              <a:t>thôø</a:t>
+            </a:r>
+            <a:r>
+              <a:rPr lang="en-US" sz="6600" b="1" dirty="0">
+                <a:solidFill>
+                  <a:sysClr val="windowText" lastClr="000000"/>
+                </a:solidFill>
+                <a:effectLst>
+                  <a:glow rad="127000">
+                    <a:prstClr val="white"/>
+                  </a:glow>
+                </a:effectLst>
+                <a:latin typeface="VNI-Times" pitchFamily="2" charset="0"/>
+              </a:rPr>
+              <a:t> </a:t>
+            </a:r>
+            <a:r>
+              <a:rPr lang="en-US" sz="6600" b="1" dirty="0" err="1">
+                <a:solidFill>
+                  <a:sysClr val="windowText" lastClr="000000"/>
+                </a:solidFill>
+                <a:effectLst>
+                  <a:glow rad="127000">
+                    <a:prstClr val="white"/>
+                  </a:glow>
+                </a:effectLst>
+                <a:latin typeface="VNI-Times" pitchFamily="2" charset="0"/>
+              </a:rPr>
+              <a:t>Chuùa</a:t>
+            </a:r>
+            <a:r>
+              <a:rPr lang="en-US" sz="6600" b="1" dirty="0">
+                <a:solidFill>
+                  <a:sysClr val="windowText" lastClr="000000"/>
+                </a:solidFill>
+                <a:effectLst>
+                  <a:glow rad="127000">
+                    <a:prstClr val="white"/>
+                  </a:glow>
+                </a:effectLst>
+                <a:latin typeface="VNI-Times" pitchFamily="2" charset="0"/>
+              </a:rPr>
+              <a:t> </a:t>
             </a:r>
             <a:br>
-              <a:rPr lang="en-US" sz="6600" b="1" smtClean="0">
-                <a:solidFill>
-                  <a:sysClr val="windowText" lastClr="000000"/>
-                </a:solidFill>
-                <a:effectLst>
-                  <a:glow rad="127000">
-                    <a:prstClr val="white"/>
-                  </a:glow>
-                </a:effectLst>
-                <a:latin typeface="VNI-Aptima" pitchFamily="2" charset="0"/>
+              <a:rPr lang="en-US" sz="6600" b="1" dirty="0">
+                <a:solidFill>
+                  <a:sysClr val="windowText" lastClr="000000"/>
+                </a:solidFill>
+                <a:effectLst>
+                  <a:glow rad="127000">
+                    <a:prstClr val="white"/>
+                  </a:glow>
+                </a:effectLst>
+                <a:latin typeface="VNI-Times" pitchFamily="2" charset="0"/>
               </a:rPr>
             </a:br>
             <a:r>
-              <a:rPr lang="en-US" sz="6600" b="1" smtClean="0">
-                <a:solidFill>
-                  <a:sysClr val="windowText" lastClr="000000"/>
-                </a:solidFill>
-                <a:effectLst>
-                  <a:glow rad="127000">
-                    <a:prstClr val="white"/>
-                  </a:glow>
-                </a:effectLst>
-                <a:latin typeface="VNI-Aptima" pitchFamily="2" charset="0"/>
-              </a:rPr>
-              <a:t>Christ, Vua ta.</a:t>
+              <a:rPr lang="en-US" sz="6600" b="1" dirty="0">
+                <a:solidFill>
+                  <a:sysClr val="windowText" lastClr="000000"/>
+                </a:solidFill>
+                <a:effectLst>
+                  <a:glow rad="127000">
+                    <a:prstClr val="white"/>
+                  </a:glow>
+                </a:effectLst>
+                <a:latin typeface="VNI-Times" pitchFamily="2" charset="0"/>
+              </a:rPr>
+              <a:t>Christ, </a:t>
+            </a:r>
+            <a:r>
+              <a:rPr lang="en-US" sz="6600" b="1" dirty="0" err="1">
+                <a:solidFill>
+                  <a:sysClr val="windowText" lastClr="000000"/>
+                </a:solidFill>
+                <a:effectLst>
+                  <a:glow rad="127000">
+                    <a:prstClr val="white"/>
+                  </a:glow>
+                </a:effectLst>
+                <a:latin typeface="VNI-Times" pitchFamily="2" charset="0"/>
+              </a:rPr>
+              <a:t>Vua</a:t>
+            </a:r>
+            <a:r>
+              <a:rPr lang="en-US" sz="6600" b="1" dirty="0">
+                <a:solidFill>
+                  <a:sysClr val="windowText" lastClr="000000"/>
+                </a:solidFill>
+                <a:effectLst>
+                  <a:glow rad="127000">
+                    <a:prstClr val="white"/>
+                  </a:glow>
+                </a:effectLst>
+                <a:latin typeface="VNI-Times" pitchFamily="2" charset="0"/>
+              </a:rPr>
+              <a:t> ta.</a:t>
             </a:r>
           </a:p>
         </p:txBody>
@@ -5432,21 +9228,6 @@
   <p:clrMapOvr>
     <a:overrideClrMapping bg1="lt1" tx1="dk1" bg2="lt2" tx2="dk2" accent1="accent1" accent2="accent2" accent3="accent3" accent4="accent4" accent5="accent5" accent6="accent6" hlink="hlink" folHlink="folHlink"/>
   </p:clrMapOvr>
-  <mc:AlternateContent xmlns:mc="http://schemas.openxmlformats.org/markup-compatibility/2006" xmlns:p14="http://schemas.microsoft.com/office/powerpoint/2010/main">
-    <mc:Choice Requires="p14">
-      <p:transition p14:dur="0"/>
-    </mc:Choice>
-    <mc:Fallback xmlns="">
-      <p:transition/>
-    </mc:Fallback>
-  </mc:AlternateContent>
-  <p:timing>
-    <p:tnLst>
-      <p:par>
-        <p:cTn id="1" dur="indefinite" restart="never" nodeType="tmRoot"/>
-      </p:par>
-    </p:tnLst>
-  </p:timing>
 </p:sld>
 </file>
 
@@ -5491,7 +9272,7 @@
           <a:p>
             <a:pPr algn="ctr"/>
             <a:r>
-              <a:rPr lang="en-US" sz="3200" smtClean="0">
+              <a:rPr lang="en-US" sz="3200" b="1" dirty="0">
                 <a:solidFill>
                   <a:srgbClr val="C00000"/>
                 </a:solidFill>
@@ -5500,21 +9281,10 @@
                     <a:prstClr val="white"/>
                   </a:glow>
                 </a:effectLst>
-                <a:latin typeface="HP-Kabel" pitchFamily="34" charset="0"/>
+                <a:latin typeface="VNI-Times" pitchFamily="2" charset="0"/>
               </a:rPr>
               <a:t>THAÙNH CA 55 – HÔÕI MOÂN ÑOÀ TRUNG TÍN</a:t>
             </a:r>
-            <a:endParaRPr lang="en-US" sz="3200">
-              <a:solidFill>
-                <a:srgbClr val="C00000"/>
-              </a:solidFill>
-              <a:effectLst>
-                <a:glow rad="127000">
-                  <a:prstClr val="white"/>
-                </a:glow>
-              </a:effectLst>
-              <a:latin typeface="HP-Kabel" pitchFamily="34" charset="0"/>
-            </a:endParaRPr>
           </a:p>
         </p:txBody>
       </p:sp>
@@ -5542,35 +9312,35 @@
           <a:p>
             <a:pPr algn="ctr"/>
             <a:r>
-              <a:rPr lang="en-US" sz="4000" b="1" smtClean="0">
-                <a:solidFill>
-                  <a:sysClr val="windowText" lastClr="000000"/>
-                </a:solidFill>
-                <a:effectLst>
-                  <a:glow rad="127000">
-                    <a:prstClr val="white"/>
-                  </a:glow>
-                </a:effectLst>
-                <a:latin typeface="VNI-Aptima" pitchFamily="2" charset="0"/>
+              <a:rPr lang="en-US" sz="4000" b="1" dirty="0">
+                <a:solidFill>
+                  <a:sysClr val="windowText" lastClr="000000"/>
+                </a:solidFill>
+                <a:effectLst>
+                  <a:glow rad="127000">
+                    <a:prstClr val="white"/>
+                  </a:glow>
+                </a:effectLst>
+                <a:latin typeface="VNI-Times" pitchFamily="2" charset="0"/>
               </a:rPr>
               <a:t>2.</a:t>
             </a:r>
             <a:r>
-              <a:rPr lang="en-US" sz="6600" b="1" smtClean="0">
-                <a:solidFill>
-                  <a:sysClr val="windowText" lastClr="000000"/>
-                </a:solidFill>
-                <a:effectLst>
-                  <a:glow rad="127000">
-                    <a:prstClr val="white"/>
-                  </a:glow>
-                </a:effectLst>
-                <a:latin typeface="VNI-Aptima" pitchFamily="2" charset="0"/>
-              </a:rPr>
-              <a:t> </a:t>
-            </a:r>
-            <a:r>
-              <a:rPr lang="en-US" sz="6600" b="1" smtClean="0">
+              <a:rPr lang="en-US" sz="6600" b="1" dirty="0">
+                <a:solidFill>
+                  <a:sysClr val="windowText" lastClr="000000"/>
+                </a:solidFill>
+                <a:effectLst>
+                  <a:glow rad="127000">
+                    <a:prstClr val="white"/>
+                  </a:glow>
+                </a:effectLst>
+                <a:latin typeface="VNI-Times" pitchFamily="2" charset="0"/>
+              </a:rPr>
+              <a:t> </a:t>
+            </a:r>
+            <a:r>
+              <a:rPr lang="en-US" sz="6600" b="1" dirty="0" err="1">
                 <a:solidFill>
                   <a:sysClr val="windowText" lastClr="000000"/>
                 </a:solidFill>
@@ -5579,11 +9349,277 @@
                     <a:schemeClr val="bg1"/>
                   </a:glow>
                 </a:effectLst>
-                <a:latin typeface="VNI-Aptima" pitchFamily="2" charset="0"/>
-              </a:rPr>
-              <a:t>Jeâsus töø Ñöùc Chuùa Trôøi, Thaùnh quang do chính Thaùnh quang. </a:t>
-            </a:r>
-            <a:endParaRPr lang="en-US" sz="6600" b="1">
+                <a:latin typeface="VNI-Times" pitchFamily="2" charset="0"/>
+              </a:rPr>
+              <a:t>Jeâsus</a:t>
+            </a:r>
+            <a:r>
+              <a:rPr lang="en-US" sz="6600" b="1" dirty="0">
+                <a:solidFill>
+                  <a:sysClr val="windowText" lastClr="000000"/>
+                </a:solidFill>
+                <a:effectLst>
+                  <a:glow rad="127000">
+                    <a:schemeClr val="bg1"/>
+                  </a:glow>
+                </a:effectLst>
+                <a:latin typeface="VNI-Times" pitchFamily="2" charset="0"/>
+              </a:rPr>
+              <a:t> </a:t>
+            </a:r>
+            <a:r>
+              <a:rPr lang="en-US" sz="6600" b="1" dirty="0" err="1">
+                <a:solidFill>
+                  <a:sysClr val="windowText" lastClr="000000"/>
+                </a:solidFill>
+                <a:effectLst>
+                  <a:glow rad="127000">
+                    <a:schemeClr val="bg1"/>
+                  </a:glow>
+                </a:effectLst>
+                <a:latin typeface="VNI-Times" pitchFamily="2" charset="0"/>
+              </a:rPr>
+              <a:t>töø</a:t>
+            </a:r>
+            <a:r>
+              <a:rPr lang="en-US" sz="6600" b="1" dirty="0">
+                <a:solidFill>
+                  <a:sysClr val="windowText" lastClr="000000"/>
+                </a:solidFill>
+                <a:effectLst>
+                  <a:glow rad="127000">
+                    <a:schemeClr val="bg1"/>
+                  </a:glow>
+                </a:effectLst>
+                <a:latin typeface="VNI-Times" pitchFamily="2" charset="0"/>
+              </a:rPr>
+              <a:t> </a:t>
+            </a:r>
+            <a:r>
+              <a:rPr lang="en-US" sz="6600" b="1" dirty="0" err="1">
+                <a:solidFill>
+                  <a:sysClr val="windowText" lastClr="000000"/>
+                </a:solidFill>
+                <a:effectLst>
+                  <a:glow rad="127000">
+                    <a:schemeClr val="bg1"/>
+                  </a:glow>
+                </a:effectLst>
+                <a:latin typeface="VNI-Times" pitchFamily="2" charset="0"/>
+              </a:rPr>
+              <a:t>Ñöùc</a:t>
+            </a:r>
+            <a:r>
+              <a:rPr lang="en-US" sz="6600" b="1" dirty="0">
+                <a:solidFill>
+                  <a:sysClr val="windowText" lastClr="000000"/>
+                </a:solidFill>
+                <a:effectLst>
+                  <a:glow rad="127000">
+                    <a:schemeClr val="bg1"/>
+                  </a:glow>
+                </a:effectLst>
+                <a:latin typeface="VNI-Times" pitchFamily="2" charset="0"/>
+              </a:rPr>
+              <a:t> </a:t>
+            </a:r>
+            <a:r>
+              <a:rPr lang="en-US" sz="6600" b="1" dirty="0" err="1">
+                <a:solidFill>
+                  <a:sysClr val="windowText" lastClr="000000"/>
+                </a:solidFill>
+                <a:effectLst>
+                  <a:glow rad="127000">
+                    <a:schemeClr val="bg1"/>
+                  </a:glow>
+                </a:effectLst>
+                <a:latin typeface="VNI-Times" pitchFamily="2" charset="0"/>
+              </a:rPr>
+              <a:t>Chuùa</a:t>
+            </a:r>
+            <a:r>
+              <a:rPr lang="en-US" sz="6600" b="1" dirty="0">
+                <a:solidFill>
+                  <a:sysClr val="windowText" lastClr="000000"/>
+                </a:solidFill>
+                <a:effectLst>
+                  <a:glow rad="127000">
+                    <a:schemeClr val="bg1"/>
+                  </a:glow>
+                </a:effectLst>
+                <a:latin typeface="VNI-Times" pitchFamily="2" charset="0"/>
+              </a:rPr>
+              <a:t> </a:t>
+            </a:r>
+            <a:r>
+              <a:rPr lang="en-US" sz="6600" b="1" dirty="0" err="1">
+                <a:solidFill>
+                  <a:sysClr val="windowText" lastClr="000000"/>
+                </a:solidFill>
+                <a:effectLst>
+                  <a:glow rad="127000">
+                    <a:schemeClr val="bg1"/>
+                  </a:glow>
+                </a:effectLst>
+                <a:latin typeface="VNI-Times" pitchFamily="2" charset="0"/>
+              </a:rPr>
+              <a:t>Trôøi</a:t>
+            </a:r>
+            <a:r>
+              <a:rPr lang="en-US" sz="6600" b="1" dirty="0">
+                <a:solidFill>
+                  <a:sysClr val="windowText" lastClr="000000"/>
+                </a:solidFill>
+                <a:effectLst>
+                  <a:glow rad="127000">
+                    <a:schemeClr val="bg1"/>
+                  </a:glow>
+                </a:effectLst>
+                <a:latin typeface="VNI-Times" pitchFamily="2" charset="0"/>
+              </a:rPr>
+              <a:t>, </a:t>
+            </a:r>
+            <a:r>
+              <a:rPr lang="en-US" sz="6600" b="1" dirty="0" err="1">
+                <a:solidFill>
+                  <a:sysClr val="windowText" lastClr="000000"/>
+                </a:solidFill>
+                <a:effectLst>
+                  <a:glow rad="127000">
+                    <a:schemeClr val="bg1"/>
+                  </a:glow>
+                </a:effectLst>
+                <a:latin typeface="VNI-Times" pitchFamily="2" charset="0"/>
+              </a:rPr>
+              <a:t>Thaùnh</a:t>
+            </a:r>
+            <a:r>
+              <a:rPr lang="en-US" sz="6600" b="1" dirty="0">
+                <a:solidFill>
+                  <a:sysClr val="windowText" lastClr="000000"/>
+                </a:solidFill>
+                <a:effectLst>
+                  <a:glow rad="127000">
+                    <a:schemeClr val="bg1"/>
+                  </a:glow>
+                </a:effectLst>
+                <a:latin typeface="VNI-Times" pitchFamily="2" charset="0"/>
+              </a:rPr>
+              <a:t> </a:t>
+            </a:r>
+            <a:r>
+              <a:rPr lang="en-US" sz="6600" b="1" dirty="0" err="1">
+                <a:solidFill>
+                  <a:sysClr val="windowText" lastClr="000000"/>
+                </a:solidFill>
+                <a:effectLst>
+                  <a:glow rad="127000">
+                    <a:schemeClr val="bg1"/>
+                  </a:glow>
+                </a:effectLst>
+                <a:latin typeface="VNI-Times" pitchFamily="2" charset="0"/>
+              </a:rPr>
+              <a:t>quang</a:t>
+            </a:r>
+            <a:r>
+              <a:rPr lang="en-US" sz="6600" b="1" dirty="0">
+                <a:solidFill>
+                  <a:sysClr val="windowText" lastClr="000000"/>
+                </a:solidFill>
+                <a:effectLst>
+                  <a:glow rad="127000">
+                    <a:schemeClr val="bg1"/>
+                  </a:glow>
+                </a:effectLst>
+                <a:latin typeface="VNI-Times" pitchFamily="2" charset="0"/>
+              </a:rPr>
+              <a:t> do </a:t>
+            </a:r>
+            <a:r>
+              <a:rPr lang="en-US" sz="6600" b="1" dirty="0" err="1">
+                <a:solidFill>
+                  <a:sysClr val="windowText" lastClr="000000"/>
+                </a:solidFill>
+                <a:effectLst>
+                  <a:glow rad="127000">
+                    <a:schemeClr val="bg1"/>
+                  </a:glow>
+                </a:effectLst>
+                <a:latin typeface="VNI-Times" pitchFamily="2" charset="0"/>
+              </a:rPr>
+              <a:t>chính</a:t>
+            </a:r>
+            <a:r>
+              <a:rPr lang="en-US" sz="6600" b="1" dirty="0">
+                <a:solidFill>
+                  <a:sysClr val="windowText" lastClr="000000"/>
+                </a:solidFill>
+                <a:effectLst>
+                  <a:glow rad="127000">
+                    <a:schemeClr val="bg1"/>
+                  </a:glow>
+                </a:effectLst>
+                <a:latin typeface="VNI-Times" pitchFamily="2" charset="0"/>
+              </a:rPr>
+              <a:t> </a:t>
+            </a:r>
+            <a:r>
+              <a:rPr lang="en-US" sz="6600" b="1" dirty="0" err="1">
+                <a:solidFill>
+                  <a:sysClr val="windowText" lastClr="000000"/>
+                </a:solidFill>
+                <a:effectLst>
+                  <a:glow rad="127000">
+                    <a:schemeClr val="bg1"/>
+                  </a:glow>
+                </a:effectLst>
+                <a:latin typeface="VNI-Times" pitchFamily="2" charset="0"/>
+              </a:rPr>
+              <a:t>Thaùnh</a:t>
+            </a:r>
+            <a:r>
+              <a:rPr lang="en-US" sz="6600" b="1" dirty="0">
+                <a:solidFill>
+                  <a:sysClr val="windowText" lastClr="000000"/>
+                </a:solidFill>
+                <a:effectLst>
+                  <a:glow rad="127000">
+                    <a:schemeClr val="bg1"/>
+                  </a:glow>
+                </a:effectLst>
+                <a:latin typeface="VNI-Times" pitchFamily="2" charset="0"/>
+              </a:rPr>
+              <a:t> </a:t>
+            </a:r>
+            <a:r>
+              <a:rPr lang="en-US" sz="6600" b="1" dirty="0" err="1">
+                <a:solidFill>
+                  <a:sysClr val="windowText" lastClr="000000"/>
+                </a:solidFill>
+                <a:effectLst>
+                  <a:glow rad="127000">
+                    <a:schemeClr val="bg1"/>
+                  </a:glow>
+                </a:effectLst>
+                <a:latin typeface="VNI-Times" pitchFamily="2" charset="0"/>
+              </a:rPr>
+              <a:t>quang</a:t>
+            </a:r>
+            <a:r>
+              <a:rPr lang="en-US" sz="6600" b="1" dirty="0">
+                <a:solidFill>
+                  <a:sysClr val="windowText" lastClr="000000"/>
+                </a:solidFill>
+                <a:effectLst>
+                  <a:glow rad="127000">
+                    <a:schemeClr val="bg1"/>
+                  </a:glow>
+                </a:effectLst>
+                <a:latin typeface="VNI-Times" pitchFamily="2" charset="0"/>
+              </a:rPr>
+              <a:t>. </a:t>
+            </a:r>
+            <a:endParaRPr lang="en-US" sz="6600" b="1" dirty="0">
               <a:solidFill>
                 <a:prstClr val="black"/>
               </a:solidFill>
@@ -5592,7 +9628,7 @@
                   <a:prstClr val="white"/>
                 </a:glow>
               </a:effectLst>
-              <a:latin typeface="VNI-Aptima" pitchFamily="2" charset="0"/>
+              <a:latin typeface="VNI-Times" pitchFamily="2" charset="0"/>
             </a:endParaRPr>
           </a:p>
         </p:txBody>
@@ -5607,21 +9643,6 @@
   <p:clrMapOvr>
     <a:masterClrMapping/>
   </p:clrMapOvr>
-  <mc:AlternateContent xmlns:mc="http://schemas.openxmlformats.org/markup-compatibility/2006" xmlns:p14="http://schemas.microsoft.com/office/powerpoint/2010/main">
-    <mc:Choice Requires="p14">
-      <p:transition p14:dur="0"/>
-    </mc:Choice>
-    <mc:Fallback xmlns="">
-      <p:transition/>
-    </mc:Fallback>
-  </mc:AlternateContent>
-  <p:timing>
-    <p:tnLst>
-      <p:par>
-        <p:cTn id="1" dur="indefinite" restart="never" nodeType="tmRoot"/>
-      </p:par>
-    </p:tnLst>
-  </p:timing>
 </p:sld>
 </file>
 
@@ -5680,7 +9701,7 @@
           <a:p>
             <a:pPr algn="ctr"/>
             <a:r>
-              <a:rPr lang="en-US" sz="3200" smtClean="0">
+              <a:rPr lang="en-US" sz="3200" b="1" dirty="0">
                 <a:solidFill>
                   <a:srgbClr val="C00000"/>
                 </a:solidFill>
@@ -5689,21 +9710,10 @@
                     <a:prstClr val="white"/>
                   </a:glow>
                 </a:effectLst>
-                <a:latin typeface="HP-Kabel" pitchFamily="34" charset="0"/>
+                <a:latin typeface="VNI-Times" pitchFamily="2" charset="0"/>
               </a:rPr>
               <a:t>THAÙNH CA 55 – HÔÕI MOÂN ÑOÀ TRUNG TÍN</a:t>
             </a:r>
-            <a:endParaRPr lang="en-US" sz="3200">
-              <a:solidFill>
-                <a:srgbClr val="C00000"/>
-              </a:solidFill>
-              <a:effectLst>
-                <a:glow rad="127000">
-                  <a:prstClr val="white"/>
-                </a:glow>
-              </a:effectLst>
-              <a:latin typeface="HP-Kabel" pitchFamily="34" charset="0"/>
-            </a:endParaRPr>
           </a:p>
         </p:txBody>
       </p:sp>
@@ -5731,72 +9741,310 @@
           <a:p>
             <a:pPr algn="ctr"/>
             <a:r>
-              <a:rPr lang="en-US" sz="6600" b="1" smtClean="0">
-                <a:solidFill>
-                  <a:sysClr val="windowText" lastClr="000000"/>
-                </a:solidFill>
-                <a:effectLst>
-                  <a:glow rad="127000">
-                    <a:prstClr val="white"/>
-                  </a:glow>
-                </a:effectLst>
-                <a:latin typeface="VNI-Aptima" pitchFamily="2" charset="0"/>
-              </a:rPr>
-              <a:t>Nhöng ñaâu khinh </a:t>
+              <a:rPr lang="en-US" sz="6600" b="1" dirty="0" err="1">
+                <a:solidFill>
+                  <a:sysClr val="windowText" lastClr="000000"/>
+                </a:solidFill>
+                <a:effectLst>
+                  <a:glow rad="127000">
+                    <a:prstClr val="white"/>
+                  </a:glow>
+                </a:effectLst>
+                <a:latin typeface="VNI-Times" pitchFamily="2" charset="0"/>
+              </a:rPr>
+              <a:t>Nhöng</a:t>
+            </a:r>
+            <a:r>
+              <a:rPr lang="en-US" sz="6600" b="1" dirty="0">
+                <a:solidFill>
+                  <a:sysClr val="windowText" lastClr="000000"/>
+                </a:solidFill>
+                <a:effectLst>
+                  <a:glow rad="127000">
+                    <a:prstClr val="white"/>
+                  </a:glow>
+                </a:effectLst>
+                <a:latin typeface="VNI-Times" pitchFamily="2" charset="0"/>
+              </a:rPr>
+              <a:t> </a:t>
+            </a:r>
+            <a:r>
+              <a:rPr lang="en-US" sz="6600" b="1" dirty="0" err="1">
+                <a:solidFill>
+                  <a:sysClr val="windowText" lastClr="000000"/>
+                </a:solidFill>
+                <a:effectLst>
+                  <a:glow rad="127000">
+                    <a:prstClr val="white"/>
+                  </a:glow>
+                </a:effectLst>
+                <a:latin typeface="VNI-Times" pitchFamily="2" charset="0"/>
+              </a:rPr>
+              <a:t>ñaâu</a:t>
+            </a:r>
+            <a:r>
+              <a:rPr lang="en-US" sz="6600" b="1" dirty="0">
+                <a:solidFill>
+                  <a:sysClr val="windowText" lastClr="000000"/>
+                </a:solidFill>
+                <a:effectLst>
+                  <a:glow rad="127000">
+                    <a:prstClr val="white"/>
+                  </a:glow>
+                </a:effectLst>
+                <a:latin typeface="VNI-Times" pitchFamily="2" charset="0"/>
+              </a:rPr>
+              <a:t> </a:t>
+            </a:r>
+            <a:r>
+              <a:rPr lang="en-US" sz="6600" b="1" dirty="0" err="1">
+                <a:solidFill>
+                  <a:sysClr val="windowText" lastClr="000000"/>
+                </a:solidFill>
+                <a:effectLst>
+                  <a:glow rad="127000">
+                    <a:prstClr val="white"/>
+                  </a:glow>
+                </a:effectLst>
+                <a:latin typeface="VNI-Times" pitchFamily="2" charset="0"/>
+              </a:rPr>
+              <a:t>khinh</a:t>
+            </a:r>
+            <a:r>
+              <a:rPr lang="en-US" sz="6600" b="1" dirty="0">
+                <a:solidFill>
+                  <a:sysClr val="windowText" lastClr="000000"/>
+                </a:solidFill>
+                <a:effectLst>
+                  <a:glow rad="127000">
+                    <a:prstClr val="white"/>
+                  </a:glow>
+                </a:effectLst>
+                <a:latin typeface="VNI-Times" pitchFamily="2" charset="0"/>
+              </a:rPr>
+              <a:t> </a:t>
             </a:r>
             <a:br>
-              <a:rPr lang="en-US" sz="6600" b="1" smtClean="0">
-                <a:solidFill>
-                  <a:sysClr val="windowText" lastClr="000000"/>
-                </a:solidFill>
-                <a:effectLst>
-                  <a:glow rad="127000">
-                    <a:prstClr val="white"/>
-                  </a:glow>
-                </a:effectLst>
-                <a:latin typeface="VNI-Aptima" pitchFamily="2" charset="0"/>
+              <a:rPr lang="en-US" sz="6600" b="1" dirty="0">
+                <a:solidFill>
+                  <a:sysClr val="windowText" lastClr="000000"/>
+                </a:solidFill>
+                <a:effectLst>
+                  <a:glow rad="127000">
+                    <a:prstClr val="white"/>
+                  </a:glow>
+                </a:effectLst>
+                <a:latin typeface="VNI-Times" pitchFamily="2" charset="0"/>
               </a:rPr>
             </a:br>
             <a:r>
-              <a:rPr lang="en-US" sz="6600" b="1" smtClean="0">
-                <a:solidFill>
-                  <a:sysClr val="windowText" lastClr="000000"/>
-                </a:solidFill>
-                <a:effectLst>
-                  <a:glow rad="127000">
-                    <a:prstClr val="white"/>
-                  </a:glow>
-                </a:effectLst>
-                <a:latin typeface="VNI-Aptima" pitchFamily="2" charset="0"/>
-              </a:rPr>
-              <a:t>thò thaân trinh nöõ </a:t>
+              <a:rPr lang="en-US" sz="6600" b="1" dirty="0" err="1">
+                <a:solidFill>
+                  <a:sysClr val="windowText" lastClr="000000"/>
+                </a:solidFill>
+                <a:effectLst>
+                  <a:glow rad="127000">
+                    <a:prstClr val="white"/>
+                  </a:glow>
+                </a:effectLst>
+                <a:latin typeface="VNI-Times" pitchFamily="2" charset="0"/>
+              </a:rPr>
+              <a:t>thò</a:t>
+            </a:r>
+            <a:r>
+              <a:rPr lang="en-US" sz="6600" b="1" dirty="0">
+                <a:solidFill>
+                  <a:sysClr val="windowText" lastClr="000000"/>
+                </a:solidFill>
+                <a:effectLst>
+                  <a:glow rad="127000">
+                    <a:prstClr val="white"/>
+                  </a:glow>
+                </a:effectLst>
+                <a:latin typeface="VNI-Times" pitchFamily="2" charset="0"/>
+              </a:rPr>
+              <a:t> </a:t>
+            </a:r>
+            <a:r>
+              <a:rPr lang="en-US" sz="6600" b="1" dirty="0" err="1">
+                <a:solidFill>
+                  <a:sysClr val="windowText" lastClr="000000"/>
+                </a:solidFill>
+                <a:effectLst>
+                  <a:glow rad="127000">
+                    <a:prstClr val="white"/>
+                  </a:glow>
+                </a:effectLst>
+                <a:latin typeface="VNI-Times" pitchFamily="2" charset="0"/>
+              </a:rPr>
+              <a:t>thaân</a:t>
+            </a:r>
+            <a:r>
+              <a:rPr lang="en-US" sz="6600" b="1" dirty="0">
+                <a:solidFill>
+                  <a:sysClr val="windowText" lastClr="000000"/>
+                </a:solidFill>
+                <a:effectLst>
+                  <a:glow rad="127000">
+                    <a:prstClr val="white"/>
+                  </a:glow>
+                </a:effectLst>
+                <a:latin typeface="VNI-Times" pitchFamily="2" charset="0"/>
+              </a:rPr>
+              <a:t> </a:t>
+            </a:r>
+            <a:r>
+              <a:rPr lang="en-US" sz="6600" b="1" dirty="0" err="1">
+                <a:solidFill>
+                  <a:sysClr val="windowText" lastClr="000000"/>
+                </a:solidFill>
+                <a:effectLst>
+                  <a:glow rad="127000">
+                    <a:prstClr val="white"/>
+                  </a:glow>
+                </a:effectLst>
+                <a:latin typeface="VNI-Times" pitchFamily="2" charset="0"/>
+              </a:rPr>
+              <a:t>trinh</a:t>
+            </a:r>
+            <a:r>
+              <a:rPr lang="en-US" sz="6600" b="1" dirty="0">
+                <a:solidFill>
+                  <a:sysClr val="windowText" lastClr="000000"/>
+                </a:solidFill>
+                <a:effectLst>
+                  <a:glow rad="127000">
+                    <a:prstClr val="white"/>
+                  </a:glow>
+                </a:effectLst>
+                <a:latin typeface="VNI-Times" pitchFamily="2" charset="0"/>
+              </a:rPr>
+              <a:t> </a:t>
+            </a:r>
+            <a:r>
+              <a:rPr lang="en-US" sz="6600" b="1" dirty="0" err="1">
+                <a:solidFill>
+                  <a:sysClr val="windowText" lastClr="000000"/>
+                </a:solidFill>
+                <a:effectLst>
+                  <a:glow rad="127000">
+                    <a:prstClr val="white"/>
+                  </a:glow>
+                </a:effectLst>
+                <a:latin typeface="VNI-Times" pitchFamily="2" charset="0"/>
+              </a:rPr>
+              <a:t>nöõ</a:t>
+            </a:r>
+            <a:r>
+              <a:rPr lang="en-US" sz="6600" b="1" dirty="0">
+                <a:solidFill>
+                  <a:sysClr val="windowText" lastClr="000000"/>
+                </a:solidFill>
+                <a:effectLst>
+                  <a:glow rad="127000">
+                    <a:prstClr val="white"/>
+                  </a:glow>
+                </a:effectLst>
+                <a:latin typeface="VNI-Times" pitchFamily="2" charset="0"/>
+              </a:rPr>
+              <a:t> </a:t>
             </a:r>
             <a:br>
-              <a:rPr lang="en-US" sz="6600" b="1" smtClean="0">
-                <a:solidFill>
-                  <a:sysClr val="windowText" lastClr="000000"/>
-                </a:solidFill>
-                <a:effectLst>
-                  <a:glow rad="127000">
-                    <a:prstClr val="white"/>
-                  </a:glow>
-                </a:effectLst>
-                <a:latin typeface="VNI-Aptima" pitchFamily="2" charset="0"/>
+              <a:rPr lang="en-US" sz="6600" b="1" dirty="0">
+                <a:solidFill>
+                  <a:sysClr val="windowText" lastClr="000000"/>
+                </a:solidFill>
+                <a:effectLst>
+                  <a:glow rad="127000">
+                    <a:prstClr val="white"/>
+                  </a:glow>
+                </a:effectLst>
+                <a:latin typeface="VNI-Times" pitchFamily="2" charset="0"/>
               </a:rPr>
             </a:br>
             <a:r>
-              <a:rPr lang="en-US" sz="6600" b="1" smtClean="0">
-                <a:solidFill>
-                  <a:sysClr val="windowText" lastClr="000000"/>
-                </a:solidFill>
-                <a:effectLst>
-                  <a:glow rad="127000">
-                    <a:prstClr val="white"/>
-                  </a:glow>
-                </a:effectLst>
-                <a:latin typeface="VNI-Aptima" pitchFamily="2" charset="0"/>
-              </a:rPr>
-              <a:t>kia baàn haøn. </a:t>
+              <a:rPr lang="en-US" sz="6600" b="1" dirty="0" err="1">
+                <a:solidFill>
+                  <a:sysClr val="windowText" lastClr="000000"/>
+                </a:solidFill>
+                <a:effectLst>
+                  <a:glow rad="127000">
+                    <a:prstClr val="white"/>
+                  </a:glow>
+                </a:effectLst>
+                <a:latin typeface="VNI-Times" pitchFamily="2" charset="0"/>
+              </a:rPr>
+              <a:t>kia</a:t>
+            </a:r>
+            <a:r>
+              <a:rPr lang="en-US" sz="6600" b="1" dirty="0">
+                <a:solidFill>
+                  <a:sysClr val="windowText" lastClr="000000"/>
+                </a:solidFill>
+                <a:effectLst>
+                  <a:glow rad="127000">
+                    <a:prstClr val="white"/>
+                  </a:glow>
+                </a:effectLst>
+                <a:latin typeface="VNI-Times" pitchFamily="2" charset="0"/>
+              </a:rPr>
+              <a:t> </a:t>
+            </a:r>
+            <a:r>
+              <a:rPr lang="en-US" sz="6600" b="1" dirty="0" err="1">
+                <a:solidFill>
+                  <a:sysClr val="windowText" lastClr="000000"/>
+                </a:solidFill>
+                <a:effectLst>
+                  <a:glow rad="127000">
+                    <a:prstClr val="white"/>
+                  </a:glow>
+                </a:effectLst>
+                <a:latin typeface="VNI-Times" pitchFamily="2" charset="0"/>
+              </a:rPr>
+              <a:t>baàn</a:t>
+            </a:r>
+            <a:r>
+              <a:rPr lang="en-US" sz="6600" b="1" dirty="0">
+                <a:solidFill>
+                  <a:sysClr val="windowText" lastClr="000000"/>
+                </a:solidFill>
+                <a:effectLst>
+                  <a:glow rad="127000">
+                    <a:prstClr val="white"/>
+                  </a:glow>
+                </a:effectLst>
+                <a:latin typeface="VNI-Times" pitchFamily="2" charset="0"/>
+              </a:rPr>
+              <a:t> </a:t>
+            </a:r>
+            <a:r>
+              <a:rPr lang="en-US" sz="6600" b="1" dirty="0" err="1">
+                <a:solidFill>
+                  <a:sysClr val="windowText" lastClr="000000"/>
+                </a:solidFill>
+                <a:effectLst>
+                  <a:glow rad="127000">
+                    <a:prstClr val="white"/>
+                  </a:glow>
+                </a:effectLst>
+                <a:latin typeface="VNI-Times" pitchFamily="2" charset="0"/>
+              </a:rPr>
+              <a:t>haøn</a:t>
+            </a:r>
+            <a:r>
+              <a:rPr lang="en-US" sz="6600" b="1" dirty="0">
+                <a:solidFill>
+                  <a:sysClr val="windowText" lastClr="000000"/>
+                </a:solidFill>
+                <a:effectLst>
+                  <a:glow rad="127000">
+                    <a:prstClr val="white"/>
+                  </a:glow>
+                </a:effectLst>
+                <a:latin typeface="VNI-Times" pitchFamily="2" charset="0"/>
+              </a:rPr>
+              <a:t>. </a:t>
             </a:r>
           </a:p>
         </p:txBody>
@@ -5811,21 +10059,6 @@
   <p:clrMapOvr>
     <a:overrideClrMapping bg1="lt1" tx1="dk1" bg2="lt2" tx2="dk2" accent1="accent1" accent2="accent2" accent3="accent3" accent4="accent4" accent5="accent5" accent6="accent6" hlink="hlink" folHlink="folHlink"/>
   </p:clrMapOvr>
-  <mc:AlternateContent xmlns:mc="http://schemas.openxmlformats.org/markup-compatibility/2006" xmlns:p14="http://schemas.microsoft.com/office/powerpoint/2010/main">
-    <mc:Choice Requires="p14">
-      <p:transition p14:dur="0"/>
-    </mc:Choice>
-    <mc:Fallback xmlns="">
-      <p:transition/>
-    </mc:Fallback>
-  </mc:AlternateContent>
-  <p:timing>
-    <p:tnLst>
-      <p:par>
-        <p:cTn id="1" dur="indefinite" restart="never" nodeType="tmRoot"/>
-      </p:par>
-    </p:tnLst>
-  </p:timing>
 </p:sld>
 </file>
 
@@ -5884,7 +10117,7 @@
           <a:p>
             <a:pPr algn="ctr"/>
             <a:r>
-              <a:rPr lang="en-US" sz="3200" smtClean="0">
+              <a:rPr lang="en-US" sz="3200" b="1" dirty="0">
                 <a:solidFill>
                   <a:srgbClr val="C00000"/>
                 </a:solidFill>
@@ -5893,21 +10126,10 @@
                     <a:prstClr val="white"/>
                   </a:glow>
                 </a:effectLst>
-                <a:latin typeface="HP-Kabel" pitchFamily="34" charset="0"/>
+                <a:latin typeface="VNI-Times" pitchFamily="2" charset="0"/>
               </a:rPr>
               <a:t>THAÙNH CA 55 – HÔÕI MOÂN ÑOÀ TRUNG TÍN</a:t>
             </a:r>
-            <a:endParaRPr lang="en-US" sz="3200">
-              <a:solidFill>
-                <a:srgbClr val="C00000"/>
-              </a:solidFill>
-              <a:effectLst>
-                <a:glow rad="127000">
-                  <a:prstClr val="white"/>
-                </a:glow>
-              </a:effectLst>
-              <a:latin typeface="HP-Kabel" pitchFamily="34" charset="0"/>
-            </a:endParaRPr>
           </a:p>
         </p:txBody>
       </p:sp>
@@ -5935,18 +10157,284 @@
           <a:p>
             <a:pPr algn="ctr"/>
             <a:r>
-              <a:rPr lang="en-US" sz="6600" b="1" smtClean="0">
-                <a:solidFill>
-                  <a:sysClr val="windowText" lastClr="000000"/>
-                </a:solidFill>
-                <a:effectLst>
-                  <a:glow rad="127000">
-                    <a:prstClr val="white"/>
-                  </a:glow>
-                </a:effectLst>
-                <a:latin typeface="VNI-Aptima" pitchFamily="2" charset="0"/>
-              </a:rPr>
-              <a:t>Cöùu Chuùa nay giaùng sinh khoâng bôûi tinh huyeát thaønh toaøn.</a:t>
+              <a:rPr lang="en-US" sz="6600" b="1" dirty="0" err="1">
+                <a:solidFill>
+                  <a:sysClr val="windowText" lastClr="000000"/>
+                </a:solidFill>
+                <a:effectLst>
+                  <a:glow rad="127000">
+                    <a:prstClr val="white"/>
+                  </a:glow>
+                </a:effectLst>
+                <a:latin typeface="VNI-Times" pitchFamily="2" charset="0"/>
+              </a:rPr>
+              <a:t>Cöùu</a:t>
+            </a:r>
+            <a:r>
+              <a:rPr lang="en-US" sz="6600" b="1" dirty="0">
+                <a:solidFill>
+                  <a:sysClr val="windowText" lastClr="000000"/>
+                </a:solidFill>
+                <a:effectLst>
+                  <a:glow rad="127000">
+                    <a:prstClr val="white"/>
+                  </a:glow>
+                </a:effectLst>
+                <a:latin typeface="VNI-Times" pitchFamily="2" charset="0"/>
+              </a:rPr>
+              <a:t> </a:t>
+            </a:r>
+            <a:r>
+              <a:rPr lang="en-US" sz="6600" b="1" dirty="0" err="1">
+                <a:solidFill>
+                  <a:sysClr val="windowText" lastClr="000000"/>
+                </a:solidFill>
+                <a:effectLst>
+                  <a:glow rad="127000">
+                    <a:prstClr val="white"/>
+                  </a:glow>
+                </a:effectLst>
+                <a:latin typeface="VNI-Times" pitchFamily="2" charset="0"/>
+              </a:rPr>
+              <a:t>Chuùa</a:t>
+            </a:r>
+            <a:r>
+              <a:rPr lang="en-US" sz="6600" b="1" dirty="0">
+                <a:solidFill>
+                  <a:sysClr val="windowText" lastClr="000000"/>
+                </a:solidFill>
+                <a:effectLst>
+                  <a:glow rad="127000">
+                    <a:prstClr val="white"/>
+                  </a:glow>
+                </a:effectLst>
+                <a:latin typeface="VNI-Times" pitchFamily="2" charset="0"/>
+              </a:rPr>
+              <a:t> nay </a:t>
+            </a:r>
+            <a:r>
+              <a:rPr lang="en-US" sz="6600" b="1" dirty="0" err="1">
+                <a:solidFill>
+                  <a:sysClr val="windowText" lastClr="000000"/>
+                </a:solidFill>
+                <a:effectLst>
+                  <a:glow rad="127000">
+                    <a:prstClr val="white"/>
+                  </a:glow>
+                </a:effectLst>
+                <a:latin typeface="VNI-Times" pitchFamily="2" charset="0"/>
+              </a:rPr>
+              <a:t>giaùng</a:t>
+            </a:r>
+            <a:r>
+              <a:rPr lang="en-US" sz="6600" b="1" dirty="0">
+                <a:solidFill>
+                  <a:sysClr val="windowText" lastClr="000000"/>
+                </a:solidFill>
+                <a:effectLst>
+                  <a:glow rad="127000">
+                    <a:prstClr val="white"/>
+                  </a:glow>
+                </a:effectLst>
+                <a:latin typeface="VNI-Times" pitchFamily="2" charset="0"/>
+              </a:rPr>
+              <a:t> </a:t>
+            </a:r>
+            <a:r>
+              <a:rPr lang="en-US" sz="6600" b="1" dirty="0" err="1">
+                <a:solidFill>
+                  <a:sysClr val="windowText" lastClr="000000"/>
+                </a:solidFill>
+                <a:effectLst>
+                  <a:glow rad="127000">
+                    <a:prstClr val="white"/>
+                  </a:glow>
+                </a:effectLst>
+                <a:latin typeface="VNI-Times" pitchFamily="2" charset="0"/>
+              </a:rPr>
+              <a:t>sinh</a:t>
+            </a:r>
+            <a:r>
+              <a:rPr lang="en-US" sz="6600" b="1" dirty="0">
+                <a:solidFill>
+                  <a:sysClr val="windowText" lastClr="000000"/>
+                </a:solidFill>
+                <a:effectLst>
+                  <a:glow rad="127000">
+                    <a:prstClr val="white"/>
+                  </a:glow>
+                </a:effectLst>
+                <a:latin typeface="VNI-Times" pitchFamily="2" charset="0"/>
+              </a:rPr>
+              <a:t> </a:t>
+            </a:r>
+            <a:r>
+              <a:rPr lang="en-US" sz="6600" b="1" dirty="0" err="1">
+                <a:solidFill>
+                  <a:sysClr val="windowText" lastClr="000000"/>
+                </a:solidFill>
+                <a:effectLst>
+                  <a:glow rad="127000">
+                    <a:prstClr val="white"/>
+                  </a:glow>
+                </a:effectLst>
+                <a:latin typeface="VNI-Times" pitchFamily="2" charset="0"/>
+              </a:rPr>
+              <a:t>khoâng</a:t>
+            </a:r>
+            <a:r>
+              <a:rPr lang="en-US" sz="6600" b="1" dirty="0">
+                <a:solidFill>
+                  <a:sysClr val="windowText" lastClr="000000"/>
+                </a:solidFill>
+                <a:effectLst>
+                  <a:glow rad="127000">
+                    <a:prstClr val="white"/>
+                  </a:glow>
+                </a:effectLst>
+                <a:latin typeface="VNI-Times" pitchFamily="2" charset="0"/>
+              </a:rPr>
+              <a:t> </a:t>
+            </a:r>
+            <a:r>
+              <a:rPr lang="en-US" sz="6600" b="1" dirty="0" err="1">
+                <a:solidFill>
+                  <a:sysClr val="windowText" lastClr="000000"/>
+                </a:solidFill>
+                <a:effectLst>
+                  <a:glow rad="127000">
+                    <a:prstClr val="white"/>
+                  </a:glow>
+                </a:effectLst>
+                <a:latin typeface="VNI-Times" pitchFamily="2" charset="0"/>
+              </a:rPr>
+              <a:t>bôûi</a:t>
+            </a:r>
+            <a:r>
+              <a:rPr lang="en-US" sz="6600" b="1" dirty="0">
+                <a:solidFill>
+                  <a:sysClr val="windowText" lastClr="000000"/>
+                </a:solidFill>
+                <a:effectLst>
+                  <a:glow rad="127000">
+                    <a:prstClr val="white"/>
+                  </a:glow>
+                </a:effectLst>
+                <a:latin typeface="VNI-Times" pitchFamily="2" charset="0"/>
+              </a:rPr>
+              <a:t> </a:t>
+            </a:r>
+            <a:r>
+              <a:rPr lang="en-US" sz="6600" b="1" dirty="0" err="1">
+                <a:solidFill>
+                  <a:sysClr val="windowText" lastClr="000000"/>
+                </a:solidFill>
+                <a:effectLst>
+                  <a:glow rad="127000">
+                    <a:prstClr val="white"/>
+                  </a:glow>
+                </a:effectLst>
+                <a:latin typeface="VNI-Times" pitchFamily="2" charset="0"/>
+              </a:rPr>
+              <a:t>tinh</a:t>
+            </a:r>
+            <a:r>
+              <a:rPr lang="en-US" sz="6600" b="1" dirty="0">
+                <a:solidFill>
+                  <a:sysClr val="windowText" lastClr="000000"/>
+                </a:solidFill>
+                <a:effectLst>
+                  <a:glow rad="127000">
+                    <a:prstClr val="white"/>
+                  </a:glow>
+                </a:effectLst>
+                <a:latin typeface="VNI-Times" pitchFamily="2" charset="0"/>
+              </a:rPr>
+              <a:t> </a:t>
+            </a:r>
+            <a:r>
+              <a:rPr lang="en-US" sz="6600" b="1" dirty="0" err="1">
+                <a:solidFill>
+                  <a:sysClr val="windowText" lastClr="000000"/>
+                </a:solidFill>
+                <a:effectLst>
+                  <a:glow rad="127000">
+                    <a:prstClr val="white"/>
+                  </a:glow>
+                </a:effectLst>
+                <a:latin typeface="VNI-Times" pitchFamily="2" charset="0"/>
+              </a:rPr>
+              <a:t>huyeát</a:t>
+            </a:r>
+            <a:r>
+              <a:rPr lang="en-US" sz="6600" b="1" dirty="0">
+                <a:solidFill>
+                  <a:sysClr val="windowText" lastClr="000000"/>
+                </a:solidFill>
+                <a:effectLst>
+                  <a:glow rad="127000">
+                    <a:prstClr val="white"/>
+                  </a:glow>
+                </a:effectLst>
+                <a:latin typeface="VNI-Times" pitchFamily="2" charset="0"/>
+              </a:rPr>
+              <a:t> </a:t>
+            </a:r>
+            <a:r>
+              <a:rPr lang="en-US" sz="6600" b="1" dirty="0" err="1">
+                <a:solidFill>
+                  <a:sysClr val="windowText" lastClr="000000"/>
+                </a:solidFill>
+                <a:effectLst>
+                  <a:glow rad="127000">
+                    <a:prstClr val="white"/>
+                  </a:glow>
+                </a:effectLst>
+                <a:latin typeface="VNI-Times" pitchFamily="2" charset="0"/>
+              </a:rPr>
+              <a:t>thaønh</a:t>
+            </a:r>
+            <a:r>
+              <a:rPr lang="en-US" sz="6600" b="1" dirty="0">
+                <a:solidFill>
+                  <a:sysClr val="windowText" lastClr="000000"/>
+                </a:solidFill>
+                <a:effectLst>
+                  <a:glow rad="127000">
+                    <a:prstClr val="white"/>
+                  </a:glow>
+                </a:effectLst>
+                <a:latin typeface="VNI-Times" pitchFamily="2" charset="0"/>
+              </a:rPr>
+              <a:t> </a:t>
+            </a:r>
+            <a:r>
+              <a:rPr lang="en-US" sz="6600" b="1" dirty="0" err="1">
+                <a:solidFill>
+                  <a:sysClr val="windowText" lastClr="000000"/>
+                </a:solidFill>
+                <a:effectLst>
+                  <a:glow rad="127000">
+                    <a:prstClr val="white"/>
+                  </a:glow>
+                </a:effectLst>
+                <a:latin typeface="VNI-Times" pitchFamily="2" charset="0"/>
+              </a:rPr>
+              <a:t>toaøn</a:t>
+            </a:r>
+            <a:r>
+              <a:rPr lang="en-US" sz="6600" b="1" dirty="0">
+                <a:solidFill>
+                  <a:sysClr val="windowText" lastClr="000000"/>
+                </a:solidFill>
+                <a:effectLst>
+                  <a:glow rad="127000">
+                    <a:prstClr val="white"/>
+                  </a:glow>
+                </a:effectLst>
+                <a:latin typeface="VNI-Times" pitchFamily="2" charset="0"/>
+              </a:rPr>
+              <a:t>.</a:t>
             </a:r>
           </a:p>
         </p:txBody>
@@ -5961,21 +10449,6 @@
   <p:clrMapOvr>
     <a:overrideClrMapping bg1="lt1" tx1="dk1" bg2="lt2" tx2="dk2" accent1="accent1" accent2="accent2" accent3="accent3" accent4="accent4" accent5="accent5" accent6="accent6" hlink="hlink" folHlink="folHlink"/>
   </p:clrMapOvr>
-  <mc:AlternateContent xmlns:mc="http://schemas.openxmlformats.org/markup-compatibility/2006" xmlns:p14="http://schemas.microsoft.com/office/powerpoint/2010/main">
-    <mc:Choice Requires="p14">
-      <p:transition p14:dur="0"/>
-    </mc:Choice>
-    <mc:Fallback xmlns="">
-      <p:transition/>
-    </mc:Fallback>
-  </mc:AlternateContent>
-  <p:timing>
-    <p:tnLst>
-      <p:par>
-        <p:cTn id="1" dur="indefinite" restart="never" nodeType="tmRoot"/>
-      </p:par>
-    </p:tnLst>
-  </p:timing>
 </p:sld>
 </file>
 
